--- a/4_PPTS/word2vec.pptx
+++ b/4_PPTS/word2vec.pptx
@@ -20,6 +20,21 @@
     <p:sldId id="269" r:id="rId14"/>
     <p:sldId id="270" r:id="rId15"/>
     <p:sldId id="271" r:id="rId16"/>
+    <p:sldId id="272" r:id="rId17"/>
+    <p:sldId id="273" r:id="rId18"/>
+    <p:sldId id="274" r:id="rId19"/>
+    <p:sldId id="275" r:id="rId20"/>
+    <p:sldId id="276" r:id="rId21"/>
+    <p:sldId id="277" r:id="rId22"/>
+    <p:sldId id="278" r:id="rId23"/>
+    <p:sldId id="283" r:id="rId24"/>
+    <p:sldId id="279" r:id="rId25"/>
+    <p:sldId id="280" r:id="rId26"/>
+    <p:sldId id="281" r:id="rId27"/>
+    <p:sldId id="284" r:id="rId28"/>
+    <p:sldId id="285" r:id="rId29"/>
+    <p:sldId id="286" r:id="rId30"/>
+    <p:sldId id="282" r:id="rId31"/>
   </p:sldIdLst>
   <p:sldSz cx="12192000" cy="6858000"/>
   <p:notesSz cx="6858000" cy="9144000"/>
@@ -273,7 +288,7 @@
           <a:p>
             <a:fld id="{881A0207-0D4C-48E9-8737-F58414F3DF47}" type="datetimeFigureOut">
               <a:rPr lang="ko-KR" altLang="en-US" smtClean="0"/>
-              <a:t>2024-01-16</a:t>
+              <a:t>2024-01-18</a:t>
             </a:fld>
             <a:endParaRPr lang="ko-KR" altLang="en-US"/>
           </a:p>
@@ -471,7 +486,7 @@
           <a:p>
             <a:fld id="{881A0207-0D4C-48E9-8737-F58414F3DF47}" type="datetimeFigureOut">
               <a:rPr lang="ko-KR" altLang="en-US" smtClean="0"/>
-              <a:t>2024-01-16</a:t>
+              <a:t>2024-01-18</a:t>
             </a:fld>
             <a:endParaRPr lang="ko-KR" altLang="en-US"/>
           </a:p>
@@ -679,7 +694,7 @@
           <a:p>
             <a:fld id="{881A0207-0D4C-48E9-8737-F58414F3DF47}" type="datetimeFigureOut">
               <a:rPr lang="ko-KR" altLang="en-US" smtClean="0"/>
-              <a:t>2024-01-16</a:t>
+              <a:t>2024-01-18</a:t>
             </a:fld>
             <a:endParaRPr lang="ko-KR" altLang="en-US"/>
           </a:p>
@@ -877,7 +892,7 @@
           <a:p>
             <a:fld id="{881A0207-0D4C-48E9-8737-F58414F3DF47}" type="datetimeFigureOut">
               <a:rPr lang="ko-KR" altLang="en-US" smtClean="0"/>
-              <a:t>2024-01-16</a:t>
+              <a:t>2024-01-18</a:t>
             </a:fld>
             <a:endParaRPr lang="ko-KR" altLang="en-US"/>
           </a:p>
@@ -1152,7 +1167,7 @@
           <a:p>
             <a:fld id="{881A0207-0D4C-48E9-8737-F58414F3DF47}" type="datetimeFigureOut">
               <a:rPr lang="ko-KR" altLang="en-US" smtClean="0"/>
-              <a:t>2024-01-16</a:t>
+              <a:t>2024-01-18</a:t>
             </a:fld>
             <a:endParaRPr lang="ko-KR" altLang="en-US"/>
           </a:p>
@@ -1417,7 +1432,7 @@
           <a:p>
             <a:fld id="{881A0207-0D4C-48E9-8737-F58414F3DF47}" type="datetimeFigureOut">
               <a:rPr lang="ko-KR" altLang="en-US" smtClean="0"/>
-              <a:t>2024-01-16</a:t>
+              <a:t>2024-01-18</a:t>
             </a:fld>
             <a:endParaRPr lang="ko-KR" altLang="en-US"/>
           </a:p>
@@ -1829,7 +1844,7 @@
           <a:p>
             <a:fld id="{881A0207-0D4C-48E9-8737-F58414F3DF47}" type="datetimeFigureOut">
               <a:rPr lang="ko-KR" altLang="en-US" smtClean="0"/>
-              <a:t>2024-01-16</a:t>
+              <a:t>2024-01-18</a:t>
             </a:fld>
             <a:endParaRPr lang="ko-KR" altLang="en-US"/>
           </a:p>
@@ -1970,7 +1985,7 @@
           <a:p>
             <a:fld id="{881A0207-0D4C-48E9-8737-F58414F3DF47}" type="datetimeFigureOut">
               <a:rPr lang="ko-KR" altLang="en-US" smtClean="0"/>
-              <a:t>2024-01-16</a:t>
+              <a:t>2024-01-18</a:t>
             </a:fld>
             <a:endParaRPr lang="ko-KR" altLang="en-US"/>
           </a:p>
@@ -2083,7 +2098,7 @@
           <a:p>
             <a:fld id="{881A0207-0D4C-48E9-8737-F58414F3DF47}" type="datetimeFigureOut">
               <a:rPr lang="ko-KR" altLang="en-US" smtClean="0"/>
-              <a:t>2024-01-16</a:t>
+              <a:t>2024-01-18</a:t>
             </a:fld>
             <a:endParaRPr lang="ko-KR" altLang="en-US"/>
           </a:p>
@@ -2394,7 +2409,7 @@
           <a:p>
             <a:fld id="{881A0207-0D4C-48E9-8737-F58414F3DF47}" type="datetimeFigureOut">
               <a:rPr lang="ko-KR" altLang="en-US" smtClean="0"/>
-              <a:t>2024-01-16</a:t>
+              <a:t>2024-01-18</a:t>
             </a:fld>
             <a:endParaRPr lang="ko-KR" altLang="en-US"/>
           </a:p>
@@ -2682,7 +2697,7 @@
           <a:p>
             <a:fld id="{881A0207-0D4C-48E9-8737-F58414F3DF47}" type="datetimeFigureOut">
               <a:rPr lang="ko-KR" altLang="en-US" smtClean="0"/>
-              <a:t>2024-01-16</a:t>
+              <a:t>2024-01-18</a:t>
             </a:fld>
             <a:endParaRPr lang="ko-KR" altLang="en-US"/>
           </a:p>
@@ -2923,7 +2938,7 @@
           <a:p>
             <a:fld id="{881A0207-0D4C-48E9-8737-F58414F3DF47}" type="datetimeFigureOut">
               <a:rPr lang="ko-KR" altLang="en-US" smtClean="0"/>
-              <a:t>2024-01-16</a:t>
+              <a:t>2024-01-18</a:t>
             </a:fld>
             <a:endParaRPr lang="ko-KR" altLang="en-US"/>
           </a:p>
@@ -5103,6 +5118,23 @@
             </a:pPr>
             <a:r>
               <a:rPr lang="ko-KR" altLang="en-US" sz="1800" dirty="0"/>
+              <a:t>글로브</a:t>
+            </a:r>
+            <a:r>
+              <a:rPr lang="en-US" altLang="ko-KR" sz="1800" dirty="0"/>
+              <a:t>(Global Vectors for Word Representation) (2014, Stanford) </a:t>
+            </a:r>
+          </a:p>
+          <a:p>
+            <a:pPr marL="0" indent="0">
+              <a:buNone/>
+            </a:pPr>
+            <a:r>
+              <a:rPr lang="en-US" altLang="ko-KR" sz="1800" dirty="0"/>
+              <a:t>: </a:t>
+            </a:r>
+            <a:r>
+              <a:rPr lang="ko-KR" altLang="en-US" sz="1800" dirty="0"/>
               <a:t>카운트 기반</a:t>
             </a:r>
             <a:r>
@@ -5119,12 +5151,9 @@
             </a:r>
             <a:r>
               <a:rPr lang="ko-KR" altLang="en-US" sz="1800" dirty="0"/>
-              <a:t>모두 사용하는 방법론 </a:t>
-            </a:r>
-            <a:r>
-              <a:rPr lang="en-US" altLang="ko-KR" sz="1800" dirty="0"/>
-              <a:t>(2014)</a:t>
-            </a:r>
+              <a:t>모두 사용하는 방법론</a:t>
+            </a:r>
+            <a:endParaRPr lang="en-US" altLang="ko-KR" sz="1800" dirty="0"/>
           </a:p>
           <a:p>
             <a:pPr marL="0" indent="0">
@@ -5256,6 +5285,1815 @@
     <p:extLst>
       <p:ext uri="{BB962C8B-B14F-4D97-AF65-F5344CB8AC3E}">
         <p14:creationId xmlns:p14="http://schemas.microsoft.com/office/powerpoint/2010/main" val="448635297"/>
+      </p:ext>
+    </p:extLst>
+  </p:cSld>
+  <p:clrMapOvr>
+    <a:masterClrMapping/>
+  </p:clrMapOvr>
+</p:sld>
+</file>
+
+<file path=ppt/slides/slide16.xml><?xml version="1.0" encoding="utf-8"?>
+<p:sld xmlns:a="http://schemas.openxmlformats.org/drawingml/2006/main" xmlns:r="http://schemas.openxmlformats.org/officeDocument/2006/relationships" xmlns:p="http://schemas.openxmlformats.org/presentationml/2006/main">
+  <p:cSld>
+    <p:spTree>
+      <p:nvGrpSpPr>
+        <p:cNvPr id="1" name=""/>
+        <p:cNvGrpSpPr/>
+        <p:nvPr/>
+      </p:nvGrpSpPr>
+      <p:grpSpPr>
+        <a:xfrm>
+          <a:off x="0" y="0"/>
+          <a:ext cx="0" cy="0"/>
+          <a:chOff x="0" y="0"/>
+          <a:chExt cx="0" cy="0"/>
+        </a:xfrm>
+      </p:grpSpPr>
+      <p:sp>
+        <p:nvSpPr>
+          <p:cNvPr id="8" name="제목 7">
+            <a:extLst>
+              <a:ext uri="{FF2B5EF4-FFF2-40B4-BE49-F238E27FC236}">
+                <a16:creationId xmlns:a16="http://schemas.microsoft.com/office/drawing/2014/main" id="{1EBC8A9E-6D7F-4DEE-8D5B-8555698ED38F}"/>
+              </a:ext>
+            </a:extLst>
+          </p:cNvPr>
+          <p:cNvSpPr>
+            <a:spLocks noGrp="1"/>
+          </p:cNvSpPr>
+          <p:nvPr>
+            <p:ph type="title"/>
+          </p:nvPr>
+        </p:nvSpPr>
+        <p:spPr>
+          <a:xfrm>
+            <a:off x="500849" y="193907"/>
+            <a:ext cx="10515600" cy="549274"/>
+          </a:xfrm>
+        </p:spPr>
+        <p:txBody>
+          <a:bodyPr vert="horz" lIns="91440" tIns="45720" rIns="91440" bIns="45720" rtlCol="0" anchor="ctr">
+            <a:normAutofit/>
+          </a:bodyPr>
+          <a:lstStyle/>
+          <a:p>
+            <a:r>
+              <a:rPr lang="ko-KR" altLang="en-US" sz="2400" dirty="0"/>
+              <a:t>글로브</a:t>
+            </a:r>
+            <a:r>
+              <a:rPr lang="en-US" altLang="ko-KR" sz="2400" dirty="0"/>
+              <a:t>(</a:t>
+            </a:r>
+            <a:r>
+              <a:rPr lang="en-US" altLang="ko-KR" sz="2400" dirty="0" err="1"/>
+              <a:t>GloVe</a:t>
+            </a:r>
+            <a:r>
+              <a:rPr lang="en-US" altLang="ko-KR" sz="2400" dirty="0"/>
+              <a:t>)</a:t>
+            </a:r>
+            <a:endParaRPr lang="ko-KR" altLang="en-US" sz="2400" dirty="0"/>
+          </a:p>
+        </p:txBody>
+      </p:sp>
+      <p:pic>
+        <p:nvPicPr>
+          <p:cNvPr id="4" name="그림 3">
+            <a:extLst>
+              <a:ext uri="{FF2B5EF4-FFF2-40B4-BE49-F238E27FC236}">
+                <a16:creationId xmlns:a16="http://schemas.microsoft.com/office/drawing/2014/main" id="{6BB66919-E824-4AD5-A0D6-6A0CFF2880E8}"/>
+              </a:ext>
+            </a:extLst>
+          </p:cNvPr>
+          <p:cNvPicPr>
+            <a:picLocks noChangeAspect="1"/>
+          </p:cNvPicPr>
+          <p:nvPr/>
+        </p:nvPicPr>
+        <p:blipFill>
+          <a:blip r:embed="rId2"/>
+          <a:stretch>
+            <a:fillRect/>
+          </a:stretch>
+        </p:blipFill>
+        <p:spPr>
+          <a:xfrm>
+            <a:off x="474345" y="1381125"/>
+            <a:ext cx="2228850" cy="1047750"/>
+          </a:xfrm>
+          <a:prstGeom prst="rect">
+            <a:avLst/>
+          </a:prstGeom>
+        </p:spPr>
+      </p:pic>
+      <p:pic>
+        <p:nvPicPr>
+          <p:cNvPr id="5" name="그림 4">
+            <a:extLst>
+              <a:ext uri="{FF2B5EF4-FFF2-40B4-BE49-F238E27FC236}">
+                <a16:creationId xmlns:a16="http://schemas.microsoft.com/office/drawing/2014/main" id="{D052DDF6-DA6A-4A39-8A53-746163BE881D}"/>
+              </a:ext>
+            </a:extLst>
+          </p:cNvPr>
+          <p:cNvPicPr>
+            <a:picLocks noChangeAspect="1"/>
+          </p:cNvPicPr>
+          <p:nvPr/>
+        </p:nvPicPr>
+        <p:blipFill>
+          <a:blip r:embed="rId3"/>
+          <a:stretch>
+            <a:fillRect/>
+          </a:stretch>
+        </p:blipFill>
+        <p:spPr>
+          <a:xfrm>
+            <a:off x="561063" y="2428875"/>
+            <a:ext cx="5600700" cy="3752850"/>
+          </a:xfrm>
+          <a:prstGeom prst="rect">
+            <a:avLst/>
+          </a:prstGeom>
+        </p:spPr>
+      </p:pic>
+      <p:sp>
+        <p:nvSpPr>
+          <p:cNvPr id="10" name="TextBox 9">
+            <a:extLst>
+              <a:ext uri="{FF2B5EF4-FFF2-40B4-BE49-F238E27FC236}">
+                <a16:creationId xmlns:a16="http://schemas.microsoft.com/office/drawing/2014/main" id="{54D997CB-9CF1-42A0-ACA7-D383B272D2F0}"/>
+              </a:ext>
+            </a:extLst>
+          </p:cNvPr>
+          <p:cNvSpPr txBox="1"/>
+          <p:nvPr/>
+        </p:nvSpPr>
+        <p:spPr>
+          <a:xfrm>
+            <a:off x="500849" y="1001252"/>
+            <a:ext cx="8881690" cy="307777"/>
+          </a:xfrm>
+          <a:prstGeom prst="rect">
+            <a:avLst/>
+          </a:prstGeom>
+          <a:noFill/>
+          <a:ln>
+            <a:noFill/>
+          </a:ln>
+        </p:spPr>
+        <p:txBody>
+          <a:bodyPr wrap="square" rtlCol="0">
+            <a:spAutoFit/>
+          </a:bodyPr>
+          <a:lstStyle/>
+          <a:p>
+            <a:r>
+              <a:rPr lang="ko-KR" altLang="en-US" sz="1400" b="1" dirty="0"/>
+              <a:t>윈도우 기반 동시 등장 행렬</a:t>
+            </a:r>
+            <a:r>
+              <a:rPr lang="en-US" altLang="ko-KR" sz="1400" b="1" dirty="0"/>
+              <a:t>(window based co-occurrence matrix)</a:t>
+            </a:r>
+          </a:p>
+        </p:txBody>
+      </p:sp>
+    </p:spTree>
+    <p:extLst>
+      <p:ext uri="{BB962C8B-B14F-4D97-AF65-F5344CB8AC3E}">
+        <p14:creationId xmlns:p14="http://schemas.microsoft.com/office/powerpoint/2010/main" val="3037235097"/>
+      </p:ext>
+    </p:extLst>
+  </p:cSld>
+  <p:clrMapOvr>
+    <a:masterClrMapping/>
+  </p:clrMapOvr>
+</p:sld>
+</file>
+
+<file path=ppt/slides/slide17.xml><?xml version="1.0" encoding="utf-8"?>
+<p:sld xmlns:a="http://schemas.openxmlformats.org/drawingml/2006/main" xmlns:r="http://schemas.openxmlformats.org/officeDocument/2006/relationships" xmlns:p="http://schemas.openxmlformats.org/presentationml/2006/main">
+  <p:cSld>
+    <p:spTree>
+      <p:nvGrpSpPr>
+        <p:cNvPr id="1" name=""/>
+        <p:cNvGrpSpPr/>
+        <p:nvPr/>
+      </p:nvGrpSpPr>
+      <p:grpSpPr>
+        <a:xfrm>
+          <a:off x="0" y="0"/>
+          <a:ext cx="0" cy="0"/>
+          <a:chOff x="0" y="0"/>
+          <a:chExt cx="0" cy="0"/>
+        </a:xfrm>
+      </p:grpSpPr>
+      <p:sp>
+        <p:nvSpPr>
+          <p:cNvPr id="8" name="제목 7">
+            <a:extLst>
+              <a:ext uri="{FF2B5EF4-FFF2-40B4-BE49-F238E27FC236}">
+                <a16:creationId xmlns:a16="http://schemas.microsoft.com/office/drawing/2014/main" id="{1EBC8A9E-6D7F-4DEE-8D5B-8555698ED38F}"/>
+              </a:ext>
+            </a:extLst>
+          </p:cNvPr>
+          <p:cNvSpPr>
+            <a:spLocks noGrp="1"/>
+          </p:cNvSpPr>
+          <p:nvPr>
+            <p:ph type="title"/>
+          </p:nvPr>
+        </p:nvSpPr>
+        <p:spPr>
+          <a:xfrm>
+            <a:off x="500849" y="193907"/>
+            <a:ext cx="10515600" cy="549274"/>
+          </a:xfrm>
+        </p:spPr>
+        <p:txBody>
+          <a:bodyPr vert="horz" lIns="91440" tIns="45720" rIns="91440" bIns="45720" rtlCol="0" anchor="ctr">
+            <a:normAutofit/>
+          </a:bodyPr>
+          <a:lstStyle/>
+          <a:p>
+            <a:r>
+              <a:rPr lang="ko-KR" altLang="en-US" sz="2400" dirty="0"/>
+              <a:t>글로브</a:t>
+            </a:r>
+            <a:r>
+              <a:rPr lang="en-US" altLang="ko-KR" sz="2400" dirty="0"/>
+              <a:t>(</a:t>
+            </a:r>
+            <a:r>
+              <a:rPr lang="en-US" altLang="ko-KR" sz="2400" dirty="0" err="1"/>
+              <a:t>GloVe</a:t>
+            </a:r>
+            <a:r>
+              <a:rPr lang="en-US" altLang="ko-KR" sz="2400" dirty="0"/>
+              <a:t>)</a:t>
+            </a:r>
+            <a:endParaRPr lang="ko-KR" altLang="en-US" sz="2400" dirty="0"/>
+          </a:p>
+        </p:txBody>
+      </p:sp>
+      <p:sp>
+        <p:nvSpPr>
+          <p:cNvPr id="10" name="TextBox 9">
+            <a:extLst>
+              <a:ext uri="{FF2B5EF4-FFF2-40B4-BE49-F238E27FC236}">
+                <a16:creationId xmlns:a16="http://schemas.microsoft.com/office/drawing/2014/main" id="{54D997CB-9CF1-42A0-ACA7-D383B272D2F0}"/>
+              </a:ext>
+            </a:extLst>
+          </p:cNvPr>
+          <p:cNvSpPr txBox="1"/>
+          <p:nvPr/>
+        </p:nvSpPr>
+        <p:spPr>
+          <a:xfrm>
+            <a:off x="500849" y="1001252"/>
+            <a:ext cx="8881690" cy="307777"/>
+          </a:xfrm>
+          <a:prstGeom prst="rect">
+            <a:avLst/>
+          </a:prstGeom>
+          <a:noFill/>
+          <a:ln>
+            <a:noFill/>
+          </a:ln>
+        </p:spPr>
+        <p:txBody>
+          <a:bodyPr wrap="square" rtlCol="0">
+            <a:spAutoFit/>
+          </a:bodyPr>
+          <a:lstStyle/>
+          <a:p>
+            <a:r>
+              <a:rPr lang="ko-KR" altLang="en-US" sz="1400" b="1" dirty="0"/>
+              <a:t>동시 등장 확률</a:t>
+            </a:r>
+            <a:r>
+              <a:rPr lang="en-US" altLang="ko-KR" sz="1400" b="1" dirty="0"/>
+              <a:t>(co-occurrence probability)</a:t>
+            </a:r>
+          </a:p>
+        </p:txBody>
+      </p:sp>
+      <p:pic>
+        <p:nvPicPr>
+          <p:cNvPr id="2" name="그림 1">
+            <a:extLst>
+              <a:ext uri="{FF2B5EF4-FFF2-40B4-BE49-F238E27FC236}">
+                <a16:creationId xmlns:a16="http://schemas.microsoft.com/office/drawing/2014/main" id="{36C7B080-1D5E-441A-A117-90DB0632EEB5}"/>
+              </a:ext>
+            </a:extLst>
+          </p:cNvPr>
+          <p:cNvPicPr>
+            <a:picLocks noChangeAspect="1"/>
+          </p:cNvPicPr>
+          <p:nvPr/>
+        </p:nvPicPr>
+        <p:blipFill>
+          <a:blip r:embed="rId2"/>
+          <a:stretch>
+            <a:fillRect/>
+          </a:stretch>
+        </p:blipFill>
+        <p:spPr>
+          <a:xfrm>
+            <a:off x="408083" y="1485900"/>
+            <a:ext cx="6819900" cy="1943100"/>
+          </a:xfrm>
+          <a:prstGeom prst="rect">
+            <a:avLst/>
+          </a:prstGeom>
+        </p:spPr>
+      </p:pic>
+      <p:sp>
+        <p:nvSpPr>
+          <p:cNvPr id="7" name="TextBox 6">
+            <a:extLst>
+              <a:ext uri="{FF2B5EF4-FFF2-40B4-BE49-F238E27FC236}">
+                <a16:creationId xmlns:a16="http://schemas.microsoft.com/office/drawing/2014/main" id="{5D4EA60D-4CA2-425F-852B-EC628C1A0DE2}"/>
+              </a:ext>
+            </a:extLst>
+          </p:cNvPr>
+          <p:cNvSpPr txBox="1"/>
+          <p:nvPr/>
+        </p:nvSpPr>
+        <p:spPr>
+          <a:xfrm>
+            <a:off x="500848" y="3605871"/>
+            <a:ext cx="10515599" cy="584775"/>
+          </a:xfrm>
+          <a:prstGeom prst="rect">
+            <a:avLst/>
+          </a:prstGeom>
+          <a:noFill/>
+          <a:ln>
+            <a:noFill/>
+          </a:ln>
+        </p:spPr>
+        <p:txBody>
+          <a:bodyPr wrap="square" rtlCol="0">
+            <a:spAutoFit/>
+          </a:bodyPr>
+          <a:lstStyle/>
+          <a:p>
+            <a:r>
+              <a:rPr lang="en-US" altLang="ko-KR" sz="1600" dirty="0" err="1"/>
+              <a:t>GloVe</a:t>
+            </a:r>
+            <a:r>
+              <a:rPr lang="ko-KR" altLang="en-US" sz="1600" dirty="0"/>
+              <a:t>의 아이디어를 한 줄로 요약하면 </a:t>
+            </a:r>
+            <a:r>
+              <a:rPr lang="en-US" altLang="ko-KR" sz="1600" b="1" dirty="0"/>
+              <a:t>'</a:t>
+            </a:r>
+            <a:r>
+              <a:rPr lang="ko-KR" altLang="en-US" sz="1600" b="1" dirty="0" err="1"/>
+              <a:t>임베딩</a:t>
+            </a:r>
+            <a:r>
+              <a:rPr lang="ko-KR" altLang="en-US" sz="1600" b="1" dirty="0"/>
+              <a:t> 된 중심 단어와 주변 단어 벡터의 내적이 전체 코퍼스에서의 동시 등장 확률</a:t>
+            </a:r>
+            <a:r>
+              <a:rPr lang="en-US" altLang="ko-KR" sz="1600" b="1" dirty="0"/>
+              <a:t>(</a:t>
+            </a:r>
+            <a:r>
+              <a:rPr lang="ko-KR" altLang="en-US" sz="1600" b="1" dirty="0"/>
+              <a:t>의 </a:t>
+            </a:r>
+            <a:r>
+              <a:rPr lang="ko-KR" altLang="en-US" sz="1600" b="1" dirty="0" err="1"/>
+              <a:t>로그값</a:t>
+            </a:r>
+            <a:r>
+              <a:rPr lang="en-US" altLang="ko-KR" sz="1600" b="1" dirty="0"/>
+              <a:t>)</a:t>
+            </a:r>
+            <a:r>
+              <a:rPr lang="ko-KR" altLang="en-US" sz="1600" b="1" dirty="0"/>
+              <a:t>이 되도록 만드는 것</a:t>
+            </a:r>
+            <a:r>
+              <a:rPr lang="en-US" altLang="ko-KR" sz="1600" b="1" dirty="0"/>
+              <a:t>'</a:t>
+            </a:r>
+            <a:endParaRPr lang="en-US" altLang="ko-KR" sz="1200" dirty="0"/>
+          </a:p>
+        </p:txBody>
+      </p:sp>
+      <p:pic>
+        <p:nvPicPr>
+          <p:cNvPr id="1026" name="Picture 2" descr="https://velog.velcdn.com/images%2Fxuio%2Fpost%2Fff7b7fbe-f55d-41a6-af0c-372991d1ac35%2Fimage.png">
+            <a:extLst>
+              <a:ext uri="{FF2B5EF4-FFF2-40B4-BE49-F238E27FC236}">
+                <a16:creationId xmlns:a16="http://schemas.microsoft.com/office/drawing/2014/main" id="{5D0CF1D9-D499-4ECD-9475-D57BE04BE74B}"/>
+              </a:ext>
+            </a:extLst>
+          </p:cNvPr>
+          <p:cNvPicPr>
+            <a:picLocks noChangeAspect="1" noChangeArrowheads="1"/>
+          </p:cNvPicPr>
+          <p:nvPr/>
+        </p:nvPicPr>
+        <p:blipFill>
+          <a:blip r:embed="rId3">
+            <a:extLst>
+              <a:ext uri="{28A0092B-C50C-407E-A947-70E740481C1C}">
+                <a14:useLocalDpi xmlns:a14="http://schemas.microsoft.com/office/drawing/2010/main" val="0"/>
+              </a:ext>
+            </a:extLst>
+          </a:blip>
+          <a:srcRect/>
+          <a:stretch>
+            <a:fillRect/>
+          </a:stretch>
+        </p:blipFill>
+        <p:spPr bwMode="auto">
+          <a:xfrm>
+            <a:off x="455612" y="4252202"/>
+            <a:ext cx="4332163" cy="521801"/>
+          </a:xfrm>
+          <a:prstGeom prst="rect">
+            <a:avLst/>
+          </a:prstGeom>
+          <a:noFill/>
+          <a:extLst>
+            <a:ext uri="{909E8E84-426E-40DD-AFC4-6F175D3DCCD1}">
+              <a14:hiddenFill xmlns:a14="http://schemas.microsoft.com/office/drawing/2010/main">
+                <a:solidFill>
+                  <a:srgbClr val="FFFFFF"/>
+                </a:solidFill>
+              </a14:hiddenFill>
+            </a:ext>
+          </a:extLst>
+        </p:spPr>
+      </p:pic>
+      <p:pic>
+        <p:nvPicPr>
+          <p:cNvPr id="3" name="그림 2">
+            <a:extLst>
+              <a:ext uri="{FF2B5EF4-FFF2-40B4-BE49-F238E27FC236}">
+                <a16:creationId xmlns:a16="http://schemas.microsoft.com/office/drawing/2014/main" id="{2C78EE4F-3704-4FFC-8554-EF748000E362}"/>
+              </a:ext>
+            </a:extLst>
+          </p:cNvPr>
+          <p:cNvPicPr>
+            <a:picLocks noChangeAspect="1"/>
+          </p:cNvPicPr>
+          <p:nvPr/>
+        </p:nvPicPr>
+        <p:blipFill>
+          <a:blip r:embed="rId4"/>
+          <a:stretch>
+            <a:fillRect/>
+          </a:stretch>
+        </p:blipFill>
+        <p:spPr>
+          <a:xfrm>
+            <a:off x="5758647" y="4252202"/>
+            <a:ext cx="5640388" cy="2375330"/>
+          </a:xfrm>
+          <a:prstGeom prst="rect">
+            <a:avLst/>
+          </a:prstGeom>
+        </p:spPr>
+      </p:pic>
+      <p:sp>
+        <p:nvSpPr>
+          <p:cNvPr id="11" name="TextBox 10">
+            <a:extLst>
+              <a:ext uri="{FF2B5EF4-FFF2-40B4-BE49-F238E27FC236}">
+                <a16:creationId xmlns:a16="http://schemas.microsoft.com/office/drawing/2014/main" id="{8D84459B-91A0-40C8-A3FB-E416409DC15B}"/>
+              </a:ext>
+            </a:extLst>
+          </p:cNvPr>
+          <p:cNvSpPr txBox="1"/>
+          <p:nvPr/>
+        </p:nvSpPr>
+        <p:spPr>
+          <a:xfrm>
+            <a:off x="656631" y="5033546"/>
+            <a:ext cx="4776504" cy="338554"/>
+          </a:xfrm>
+          <a:prstGeom prst="rect">
+            <a:avLst/>
+          </a:prstGeom>
+          <a:noFill/>
+          <a:ln>
+            <a:noFill/>
+          </a:ln>
+        </p:spPr>
+        <p:txBody>
+          <a:bodyPr wrap="square" rtlCol="0">
+            <a:spAutoFit/>
+          </a:bodyPr>
+          <a:lstStyle/>
+          <a:p>
+            <a:r>
+              <a:rPr lang="en-US" altLang="ko-KR" sz="1600" dirty="0">
+                <a:sym typeface="Wingdings" panose="05000000000000000000" pitchFamily="2" charset="2"/>
+              </a:rPr>
+              <a:t> </a:t>
+            </a:r>
+            <a:r>
+              <a:rPr lang="ko-KR" altLang="en-US" sz="1600" dirty="0"/>
+              <a:t>손실 함수 설계</a:t>
+            </a:r>
+            <a:endParaRPr lang="en-US" altLang="ko-KR" sz="1200" dirty="0"/>
+          </a:p>
+        </p:txBody>
+      </p:sp>
+    </p:spTree>
+    <p:extLst>
+      <p:ext uri="{BB962C8B-B14F-4D97-AF65-F5344CB8AC3E}">
+        <p14:creationId xmlns:p14="http://schemas.microsoft.com/office/powerpoint/2010/main" val="878279767"/>
+      </p:ext>
+    </p:extLst>
+  </p:cSld>
+  <p:clrMapOvr>
+    <a:masterClrMapping/>
+  </p:clrMapOvr>
+</p:sld>
+</file>
+
+<file path=ppt/slides/slide18.xml><?xml version="1.0" encoding="utf-8"?>
+<p:sld xmlns:a="http://schemas.openxmlformats.org/drawingml/2006/main" xmlns:r="http://schemas.openxmlformats.org/officeDocument/2006/relationships" xmlns:p="http://schemas.openxmlformats.org/presentationml/2006/main">
+  <p:cSld>
+    <p:spTree>
+      <p:nvGrpSpPr>
+        <p:cNvPr id="1" name=""/>
+        <p:cNvGrpSpPr/>
+        <p:nvPr/>
+      </p:nvGrpSpPr>
+      <p:grpSpPr>
+        <a:xfrm>
+          <a:off x="0" y="0"/>
+          <a:ext cx="0" cy="0"/>
+          <a:chOff x="0" y="0"/>
+          <a:chExt cx="0" cy="0"/>
+        </a:xfrm>
+      </p:grpSpPr>
+      <p:sp>
+        <p:nvSpPr>
+          <p:cNvPr id="8" name="제목 7">
+            <a:extLst>
+              <a:ext uri="{FF2B5EF4-FFF2-40B4-BE49-F238E27FC236}">
+                <a16:creationId xmlns:a16="http://schemas.microsoft.com/office/drawing/2014/main" id="{1EBC8A9E-6D7F-4DEE-8D5B-8555698ED38F}"/>
+              </a:ext>
+            </a:extLst>
+          </p:cNvPr>
+          <p:cNvSpPr>
+            <a:spLocks noGrp="1"/>
+          </p:cNvSpPr>
+          <p:nvPr>
+            <p:ph type="title"/>
+          </p:nvPr>
+        </p:nvSpPr>
+        <p:spPr>
+          <a:xfrm>
+            <a:off x="500849" y="193907"/>
+            <a:ext cx="10515600" cy="549274"/>
+          </a:xfrm>
+        </p:spPr>
+        <p:txBody>
+          <a:bodyPr vert="horz" lIns="91440" tIns="45720" rIns="91440" bIns="45720" rtlCol="0" anchor="ctr">
+            <a:normAutofit/>
+          </a:bodyPr>
+          <a:lstStyle/>
+          <a:p>
+            <a:r>
+              <a:rPr lang="ko-KR" altLang="en-US" sz="2400" dirty="0"/>
+              <a:t>글로브</a:t>
+            </a:r>
+            <a:r>
+              <a:rPr lang="en-US" altLang="ko-KR" sz="2400" dirty="0"/>
+              <a:t>(</a:t>
+            </a:r>
+            <a:r>
+              <a:rPr lang="en-US" altLang="ko-KR" sz="2400" dirty="0" err="1"/>
+              <a:t>GloVe</a:t>
+            </a:r>
+            <a:r>
+              <a:rPr lang="en-US" altLang="ko-KR" sz="2400" dirty="0"/>
+              <a:t>)</a:t>
+            </a:r>
+            <a:endParaRPr lang="ko-KR" altLang="en-US" sz="2400" dirty="0"/>
+          </a:p>
+        </p:txBody>
+      </p:sp>
+      <p:sp>
+        <p:nvSpPr>
+          <p:cNvPr id="10" name="TextBox 9">
+            <a:extLst>
+              <a:ext uri="{FF2B5EF4-FFF2-40B4-BE49-F238E27FC236}">
+                <a16:creationId xmlns:a16="http://schemas.microsoft.com/office/drawing/2014/main" id="{54D997CB-9CF1-42A0-ACA7-D383B272D2F0}"/>
+              </a:ext>
+            </a:extLst>
+          </p:cNvPr>
+          <p:cNvSpPr txBox="1"/>
+          <p:nvPr/>
+        </p:nvSpPr>
+        <p:spPr>
+          <a:xfrm>
+            <a:off x="500849" y="1001252"/>
+            <a:ext cx="8881690" cy="307777"/>
+          </a:xfrm>
+          <a:prstGeom prst="rect">
+            <a:avLst/>
+          </a:prstGeom>
+          <a:noFill/>
+          <a:ln>
+            <a:noFill/>
+          </a:ln>
+        </p:spPr>
+        <p:txBody>
+          <a:bodyPr wrap="square" rtlCol="0">
+            <a:spAutoFit/>
+          </a:bodyPr>
+          <a:lstStyle/>
+          <a:p>
+            <a:r>
+              <a:rPr lang="ko-KR" altLang="en-US" sz="1400" b="1" dirty="0"/>
+              <a:t>손실함수</a:t>
+            </a:r>
+            <a:endParaRPr lang="en-US" altLang="ko-KR" sz="1400" b="1" dirty="0"/>
+          </a:p>
+        </p:txBody>
+      </p:sp>
+      <p:pic>
+        <p:nvPicPr>
+          <p:cNvPr id="6" name="그림 5">
+            <a:extLst>
+              <a:ext uri="{FF2B5EF4-FFF2-40B4-BE49-F238E27FC236}">
+                <a16:creationId xmlns:a16="http://schemas.microsoft.com/office/drawing/2014/main" id="{1FD177FA-DB5C-4D93-B2C7-EF9DBE9CBD06}"/>
+              </a:ext>
+            </a:extLst>
+          </p:cNvPr>
+          <p:cNvPicPr>
+            <a:picLocks noChangeAspect="1"/>
+          </p:cNvPicPr>
+          <p:nvPr/>
+        </p:nvPicPr>
+        <p:blipFill>
+          <a:blip r:embed="rId2"/>
+          <a:stretch>
+            <a:fillRect/>
+          </a:stretch>
+        </p:blipFill>
+        <p:spPr>
+          <a:xfrm>
+            <a:off x="500849" y="1309029"/>
+            <a:ext cx="2124075" cy="800100"/>
+          </a:xfrm>
+          <a:prstGeom prst="rect">
+            <a:avLst/>
+          </a:prstGeom>
+        </p:spPr>
+      </p:pic>
+      <p:pic>
+        <p:nvPicPr>
+          <p:cNvPr id="9" name="그림 8">
+            <a:extLst>
+              <a:ext uri="{FF2B5EF4-FFF2-40B4-BE49-F238E27FC236}">
+                <a16:creationId xmlns:a16="http://schemas.microsoft.com/office/drawing/2014/main" id="{B7CA7665-4276-435B-9874-496D713D2ECC}"/>
+              </a:ext>
+            </a:extLst>
+          </p:cNvPr>
+          <p:cNvPicPr>
+            <a:picLocks noChangeAspect="1"/>
+          </p:cNvPicPr>
+          <p:nvPr/>
+        </p:nvPicPr>
+        <p:blipFill>
+          <a:blip r:embed="rId3"/>
+          <a:stretch>
+            <a:fillRect/>
+          </a:stretch>
+        </p:blipFill>
+        <p:spPr>
+          <a:xfrm>
+            <a:off x="500849" y="2175167"/>
+            <a:ext cx="2333625" cy="714375"/>
+          </a:xfrm>
+          <a:prstGeom prst="rect">
+            <a:avLst/>
+          </a:prstGeom>
+        </p:spPr>
+      </p:pic>
+      <p:pic>
+        <p:nvPicPr>
+          <p:cNvPr id="12" name="그림 11">
+            <a:extLst>
+              <a:ext uri="{FF2B5EF4-FFF2-40B4-BE49-F238E27FC236}">
+                <a16:creationId xmlns:a16="http://schemas.microsoft.com/office/drawing/2014/main" id="{0661AD84-F6CD-4527-9732-5EF549E154AF}"/>
+              </a:ext>
+            </a:extLst>
+          </p:cNvPr>
+          <p:cNvPicPr>
+            <a:picLocks noChangeAspect="1"/>
+          </p:cNvPicPr>
+          <p:nvPr/>
+        </p:nvPicPr>
+        <p:blipFill>
+          <a:blip r:embed="rId4"/>
+          <a:stretch>
+            <a:fillRect/>
+          </a:stretch>
+        </p:blipFill>
+        <p:spPr>
+          <a:xfrm>
+            <a:off x="500849" y="2975267"/>
+            <a:ext cx="2495550" cy="666750"/>
+          </a:xfrm>
+          <a:prstGeom prst="rect">
+            <a:avLst/>
+          </a:prstGeom>
+        </p:spPr>
+      </p:pic>
+      <p:pic>
+        <p:nvPicPr>
+          <p:cNvPr id="13" name="그림 12">
+            <a:extLst>
+              <a:ext uri="{FF2B5EF4-FFF2-40B4-BE49-F238E27FC236}">
+                <a16:creationId xmlns:a16="http://schemas.microsoft.com/office/drawing/2014/main" id="{01198E64-7A9C-463F-8DF4-790193EB3878}"/>
+              </a:ext>
+            </a:extLst>
+          </p:cNvPr>
+          <p:cNvPicPr>
+            <a:picLocks noChangeAspect="1"/>
+          </p:cNvPicPr>
+          <p:nvPr/>
+        </p:nvPicPr>
+        <p:blipFill>
+          <a:blip r:embed="rId5"/>
+          <a:stretch>
+            <a:fillRect/>
+          </a:stretch>
+        </p:blipFill>
+        <p:spPr>
+          <a:xfrm>
+            <a:off x="1263171" y="3724187"/>
+            <a:ext cx="3105150" cy="514350"/>
+          </a:xfrm>
+          <a:prstGeom prst="rect">
+            <a:avLst/>
+          </a:prstGeom>
+        </p:spPr>
+      </p:pic>
+      <p:pic>
+        <p:nvPicPr>
+          <p:cNvPr id="14" name="그림 13">
+            <a:extLst>
+              <a:ext uri="{FF2B5EF4-FFF2-40B4-BE49-F238E27FC236}">
+                <a16:creationId xmlns:a16="http://schemas.microsoft.com/office/drawing/2014/main" id="{B132EB69-C65F-4F4B-A8D4-3CF0772B2656}"/>
+              </a:ext>
+            </a:extLst>
+          </p:cNvPr>
+          <p:cNvPicPr>
+            <a:picLocks noChangeAspect="1"/>
+          </p:cNvPicPr>
+          <p:nvPr/>
+        </p:nvPicPr>
+        <p:blipFill>
+          <a:blip r:embed="rId6"/>
+          <a:stretch>
+            <a:fillRect/>
+          </a:stretch>
+        </p:blipFill>
+        <p:spPr>
+          <a:xfrm>
+            <a:off x="1263171" y="4427974"/>
+            <a:ext cx="5248275" cy="476250"/>
+          </a:xfrm>
+          <a:prstGeom prst="rect">
+            <a:avLst/>
+          </a:prstGeom>
+        </p:spPr>
+      </p:pic>
+      <p:pic>
+        <p:nvPicPr>
+          <p:cNvPr id="15" name="그림 14">
+            <a:extLst>
+              <a:ext uri="{FF2B5EF4-FFF2-40B4-BE49-F238E27FC236}">
+                <a16:creationId xmlns:a16="http://schemas.microsoft.com/office/drawing/2014/main" id="{A8B66C6B-C471-414E-8D35-26CA1DB7C157}"/>
+              </a:ext>
+            </a:extLst>
+          </p:cNvPr>
+          <p:cNvPicPr>
+            <a:picLocks noChangeAspect="1"/>
+          </p:cNvPicPr>
+          <p:nvPr/>
+        </p:nvPicPr>
+        <p:blipFill>
+          <a:blip r:embed="rId7"/>
+          <a:stretch>
+            <a:fillRect/>
+          </a:stretch>
+        </p:blipFill>
+        <p:spPr>
+          <a:xfrm>
+            <a:off x="1263171" y="5093661"/>
+            <a:ext cx="4629150" cy="695325"/>
+          </a:xfrm>
+          <a:prstGeom prst="rect">
+            <a:avLst/>
+          </a:prstGeom>
+        </p:spPr>
+      </p:pic>
+      <p:pic>
+        <p:nvPicPr>
+          <p:cNvPr id="16" name="그림 15">
+            <a:extLst>
+              <a:ext uri="{FF2B5EF4-FFF2-40B4-BE49-F238E27FC236}">
+                <a16:creationId xmlns:a16="http://schemas.microsoft.com/office/drawing/2014/main" id="{D8A46297-5A81-4825-8254-0B16D663EE57}"/>
+              </a:ext>
+            </a:extLst>
+          </p:cNvPr>
+          <p:cNvPicPr>
+            <a:picLocks noChangeAspect="1"/>
+          </p:cNvPicPr>
+          <p:nvPr/>
+        </p:nvPicPr>
+        <p:blipFill>
+          <a:blip r:embed="rId8"/>
+          <a:stretch>
+            <a:fillRect/>
+          </a:stretch>
+        </p:blipFill>
+        <p:spPr>
+          <a:xfrm>
+            <a:off x="500849" y="5885553"/>
+            <a:ext cx="2943225" cy="752475"/>
+          </a:xfrm>
+          <a:prstGeom prst="rect">
+            <a:avLst/>
+          </a:prstGeom>
+        </p:spPr>
+      </p:pic>
+      <p:sp>
+        <p:nvSpPr>
+          <p:cNvPr id="18" name="TextBox 17">
+            <a:extLst>
+              <a:ext uri="{FF2B5EF4-FFF2-40B4-BE49-F238E27FC236}">
+                <a16:creationId xmlns:a16="http://schemas.microsoft.com/office/drawing/2014/main" id="{D8902BA7-BC1B-4619-B181-6B9FD2FE62FC}"/>
+              </a:ext>
+            </a:extLst>
+          </p:cNvPr>
+          <p:cNvSpPr txBox="1"/>
+          <p:nvPr/>
+        </p:nvSpPr>
+        <p:spPr>
+          <a:xfrm>
+            <a:off x="3009902" y="1474621"/>
+            <a:ext cx="8957198" cy="276999"/>
+          </a:xfrm>
+          <a:prstGeom prst="rect">
+            <a:avLst/>
+          </a:prstGeom>
+          <a:noFill/>
+          <a:ln>
+            <a:noFill/>
+          </a:ln>
+        </p:spPr>
+        <p:txBody>
+          <a:bodyPr wrap="square" rtlCol="0">
+            <a:spAutoFit/>
+          </a:bodyPr>
+          <a:lstStyle/>
+          <a:p>
+            <a:r>
+              <a:rPr lang="ko-KR" altLang="en-US" sz="1200" dirty="0"/>
+              <a:t>두 개의 중심단어가 주어지고 하나의 주변단어가 주어질 때 어떠한 함수 </a:t>
+            </a:r>
+            <a:r>
+              <a:rPr lang="en-US" altLang="ko-KR" sz="1200" dirty="0"/>
+              <a:t>F</a:t>
+            </a:r>
+            <a:r>
+              <a:rPr lang="ko-KR" altLang="en-US" sz="1200" dirty="0"/>
+              <a:t>를 통해 동시 발생 확률 비율을 도출</a:t>
+            </a:r>
+            <a:endParaRPr lang="en-US" altLang="ko-KR" sz="1000" dirty="0"/>
+          </a:p>
+        </p:txBody>
+      </p:sp>
+      <p:sp>
+        <p:nvSpPr>
+          <p:cNvPr id="19" name="TextBox 18">
+            <a:extLst>
+              <a:ext uri="{FF2B5EF4-FFF2-40B4-BE49-F238E27FC236}">
+                <a16:creationId xmlns:a16="http://schemas.microsoft.com/office/drawing/2014/main" id="{AE873A81-0781-4180-A78D-5F8F9B25F128}"/>
+              </a:ext>
+            </a:extLst>
+          </p:cNvPr>
+          <p:cNvSpPr txBox="1"/>
+          <p:nvPr/>
+        </p:nvSpPr>
+        <p:spPr>
+          <a:xfrm>
+            <a:off x="3124986" y="2631018"/>
+            <a:ext cx="8957198" cy="461665"/>
+          </a:xfrm>
+          <a:prstGeom prst="rect">
+            <a:avLst/>
+          </a:prstGeom>
+          <a:noFill/>
+          <a:ln>
+            <a:noFill/>
+          </a:ln>
+        </p:spPr>
+        <p:txBody>
+          <a:bodyPr wrap="square" rtlCol="0">
+            <a:spAutoFit/>
+          </a:bodyPr>
+          <a:lstStyle/>
+          <a:p>
+            <a:r>
+              <a:rPr lang="ko-KR" altLang="en-US" sz="1200" dirty="0"/>
+              <a:t>벡터 간 관계를 </a:t>
+            </a:r>
+            <a:r>
+              <a:rPr lang="ko-KR" altLang="en-US" sz="1200" dirty="0" err="1"/>
+              <a:t>따져보기</a:t>
+            </a:r>
+            <a:r>
+              <a:rPr lang="ko-KR" altLang="en-US" sz="1200" dirty="0"/>
+              <a:t> 위해 </a:t>
+            </a:r>
+            <a:r>
+              <a:rPr lang="en-US" altLang="ko-KR" sz="1200" dirty="0" err="1"/>
+              <a:t>w_i</a:t>
+            </a:r>
+            <a:r>
+              <a:rPr lang="ko-KR" altLang="en-US" sz="1200" dirty="0"/>
+              <a:t>와 </a:t>
+            </a:r>
+            <a:r>
+              <a:rPr lang="en-US" altLang="ko-KR" sz="1200" dirty="0" err="1"/>
+              <a:t>w_j</a:t>
+            </a:r>
+            <a:r>
+              <a:rPr lang="ko-KR" altLang="en-US" sz="1200" dirty="0"/>
+              <a:t>를 뺀 벡터에 </a:t>
+            </a:r>
+            <a:r>
+              <a:rPr lang="en-US" altLang="ko-KR" sz="1200" dirty="0" err="1"/>
+              <a:t>w_k</a:t>
+            </a:r>
+            <a:r>
+              <a:rPr lang="ko-KR" altLang="en-US" sz="1200" dirty="0"/>
+              <a:t>를 </a:t>
+            </a:r>
+            <a:r>
+              <a:rPr lang="ko-KR" altLang="en-US" sz="1200" dirty="0" err="1"/>
+              <a:t>내적함</a:t>
+            </a:r>
+            <a:r>
+              <a:rPr lang="en-US" altLang="ko-KR" sz="1200" dirty="0"/>
+              <a:t>.</a:t>
+            </a:r>
+          </a:p>
+          <a:p>
+            <a:r>
+              <a:rPr lang="en-US" altLang="ko-KR" sz="1200" dirty="0"/>
+              <a:t>(</a:t>
+            </a:r>
+            <a:r>
+              <a:rPr lang="ko-KR" altLang="en-US" sz="1200" dirty="0"/>
+              <a:t>빼는 이유는 추후 준동형</a:t>
+            </a:r>
+            <a:r>
+              <a:rPr lang="en-US" altLang="ko-KR" sz="1200" dirty="0"/>
+              <a:t>(Homomorphism)</a:t>
+            </a:r>
+            <a:r>
+              <a:rPr lang="ko-KR" altLang="en-US" sz="1200" dirty="0"/>
+              <a:t>이 성립 되어 손쉽게 처리할 수 있기 때문</a:t>
+            </a:r>
+            <a:r>
+              <a:rPr lang="en-US" altLang="ko-KR" sz="1200" dirty="0"/>
+              <a:t>)</a:t>
+            </a:r>
+            <a:endParaRPr lang="en-US" altLang="ko-KR" sz="1000" dirty="0"/>
+          </a:p>
+        </p:txBody>
+      </p:sp>
+      <p:sp>
+        <p:nvSpPr>
+          <p:cNvPr id="20" name="TextBox 19">
+            <a:extLst>
+              <a:ext uri="{FF2B5EF4-FFF2-40B4-BE49-F238E27FC236}">
+                <a16:creationId xmlns:a16="http://schemas.microsoft.com/office/drawing/2014/main" id="{B4F476E3-668A-467F-B7A1-D7CB02072D54}"/>
+              </a:ext>
+            </a:extLst>
+          </p:cNvPr>
+          <p:cNvSpPr txBox="1"/>
+          <p:nvPr/>
+        </p:nvSpPr>
+        <p:spPr>
+          <a:xfrm>
+            <a:off x="4465837" y="3827807"/>
+            <a:ext cx="4916702" cy="276999"/>
+          </a:xfrm>
+          <a:prstGeom prst="rect">
+            <a:avLst/>
+          </a:prstGeom>
+          <a:noFill/>
+          <a:ln>
+            <a:noFill/>
+          </a:ln>
+        </p:spPr>
+        <p:txBody>
+          <a:bodyPr wrap="square" rtlCol="0">
+            <a:spAutoFit/>
+          </a:bodyPr>
+          <a:lstStyle/>
+          <a:p>
+            <a:r>
+              <a:rPr lang="ko-KR" altLang="en-US" sz="1200" dirty="0"/>
+              <a:t>준동형</a:t>
+            </a:r>
+            <a:r>
+              <a:rPr lang="en-US" altLang="ko-KR" sz="1200" dirty="0"/>
+              <a:t>(Homomorphism)</a:t>
+            </a:r>
+            <a:r>
+              <a:rPr lang="ko-KR" altLang="en-US" sz="1200" dirty="0"/>
+              <a:t>식 </a:t>
+            </a:r>
+            <a:r>
+              <a:rPr lang="en-US" altLang="ko-KR" sz="1200" dirty="0"/>
+              <a:t>(F</a:t>
+            </a:r>
+            <a:r>
+              <a:rPr lang="ko-KR" altLang="en-US" sz="1200" dirty="0"/>
+              <a:t>는 준동형 식이라는 필수 조건 설정</a:t>
+            </a:r>
+            <a:r>
+              <a:rPr lang="en-US" altLang="ko-KR" sz="1200" dirty="0"/>
+              <a:t>)</a:t>
+            </a:r>
+            <a:endParaRPr lang="en-US" altLang="ko-KR" sz="1000" dirty="0"/>
+          </a:p>
+        </p:txBody>
+      </p:sp>
+      <p:sp>
+        <p:nvSpPr>
+          <p:cNvPr id="21" name="TextBox 20">
+            <a:extLst>
+              <a:ext uri="{FF2B5EF4-FFF2-40B4-BE49-F238E27FC236}">
+                <a16:creationId xmlns:a16="http://schemas.microsoft.com/office/drawing/2014/main" id="{EC355993-2D61-4860-8581-D3E8E663C4AD}"/>
+              </a:ext>
+            </a:extLst>
+          </p:cNvPr>
+          <p:cNvSpPr txBox="1"/>
+          <p:nvPr/>
+        </p:nvSpPr>
+        <p:spPr>
+          <a:xfrm>
+            <a:off x="6511446" y="4527599"/>
+            <a:ext cx="2871093" cy="276999"/>
+          </a:xfrm>
+          <a:prstGeom prst="rect">
+            <a:avLst/>
+          </a:prstGeom>
+          <a:noFill/>
+          <a:ln>
+            <a:noFill/>
+          </a:ln>
+        </p:spPr>
+        <p:txBody>
+          <a:bodyPr wrap="square" rtlCol="0">
+            <a:spAutoFit/>
+          </a:bodyPr>
+          <a:lstStyle/>
+          <a:p>
+            <a:r>
+              <a:rPr lang="ko-KR" altLang="en-US" sz="1200" dirty="0"/>
+              <a:t>준동형</a:t>
+            </a:r>
+            <a:r>
+              <a:rPr lang="en-US" altLang="ko-KR" sz="1200" dirty="0"/>
+              <a:t>(Homomorphism)</a:t>
+            </a:r>
+            <a:r>
+              <a:rPr lang="ko-KR" altLang="en-US" sz="1200" dirty="0"/>
+              <a:t>식 </a:t>
+            </a:r>
+            <a:r>
+              <a:rPr lang="en-US" altLang="ko-KR" sz="1200" dirty="0"/>
+              <a:t>– </a:t>
+            </a:r>
+            <a:r>
+              <a:rPr lang="ko-KR" altLang="en-US" sz="1200" dirty="0"/>
+              <a:t>벡터 값</a:t>
+            </a:r>
+            <a:endParaRPr lang="en-US" altLang="ko-KR" sz="1000" dirty="0"/>
+          </a:p>
+        </p:txBody>
+      </p:sp>
+      <p:sp>
+        <p:nvSpPr>
+          <p:cNvPr id="22" name="TextBox 21">
+            <a:extLst>
+              <a:ext uri="{FF2B5EF4-FFF2-40B4-BE49-F238E27FC236}">
+                <a16:creationId xmlns:a16="http://schemas.microsoft.com/office/drawing/2014/main" id="{7E54A330-10E4-4D28-BD49-54C453A1D7FE}"/>
+              </a:ext>
+            </a:extLst>
+          </p:cNvPr>
+          <p:cNvSpPr txBox="1"/>
+          <p:nvPr/>
+        </p:nvSpPr>
+        <p:spPr>
+          <a:xfrm>
+            <a:off x="5962510" y="5239105"/>
+            <a:ext cx="3615338" cy="276999"/>
+          </a:xfrm>
+          <a:prstGeom prst="rect">
+            <a:avLst/>
+          </a:prstGeom>
+          <a:noFill/>
+          <a:ln>
+            <a:noFill/>
+          </a:ln>
+        </p:spPr>
+        <p:txBody>
+          <a:bodyPr wrap="square" rtlCol="0">
+            <a:spAutoFit/>
+          </a:bodyPr>
+          <a:lstStyle/>
+          <a:p>
+            <a:r>
+              <a:rPr lang="ko-KR" altLang="en-US" sz="1200" dirty="0"/>
+              <a:t>준동형</a:t>
+            </a:r>
+            <a:r>
+              <a:rPr lang="en-US" altLang="ko-KR" sz="1200" dirty="0"/>
+              <a:t>(Homomorphism)</a:t>
+            </a:r>
+            <a:r>
+              <a:rPr lang="ko-KR" altLang="en-US" sz="1200" dirty="0"/>
+              <a:t>식 </a:t>
+            </a:r>
+            <a:r>
+              <a:rPr lang="en-US" altLang="ko-KR" sz="1200" dirty="0"/>
+              <a:t>– </a:t>
+            </a:r>
+            <a:r>
+              <a:rPr lang="ko-KR" altLang="en-US" sz="1200" dirty="0"/>
+              <a:t>벡터 값 뺄셈</a:t>
+            </a:r>
+            <a:endParaRPr lang="en-US" altLang="ko-KR" sz="1000" dirty="0"/>
+          </a:p>
+        </p:txBody>
+      </p:sp>
+      <p:sp>
+        <p:nvSpPr>
+          <p:cNvPr id="23" name="TextBox 22">
+            <a:extLst>
+              <a:ext uri="{FF2B5EF4-FFF2-40B4-BE49-F238E27FC236}">
+                <a16:creationId xmlns:a16="http://schemas.microsoft.com/office/drawing/2014/main" id="{38DAF335-010B-403F-93F5-D67FDC198158}"/>
+              </a:ext>
+            </a:extLst>
+          </p:cNvPr>
+          <p:cNvSpPr txBox="1"/>
+          <p:nvPr/>
+        </p:nvSpPr>
+        <p:spPr>
+          <a:xfrm>
+            <a:off x="4100837" y="6073689"/>
+            <a:ext cx="3615338" cy="276999"/>
+          </a:xfrm>
+          <a:prstGeom prst="rect">
+            <a:avLst/>
+          </a:prstGeom>
+          <a:noFill/>
+          <a:ln>
+            <a:noFill/>
+          </a:ln>
+        </p:spPr>
+        <p:txBody>
+          <a:bodyPr wrap="square" rtlCol="0">
+            <a:spAutoFit/>
+          </a:bodyPr>
+          <a:lstStyle/>
+          <a:p>
+            <a:r>
+              <a:rPr lang="ko-KR" altLang="en-US" sz="1200" dirty="0"/>
+              <a:t>준동형</a:t>
+            </a:r>
+            <a:r>
+              <a:rPr lang="en-US" altLang="ko-KR" sz="1200" dirty="0"/>
+              <a:t>(Homomorphism)</a:t>
+            </a:r>
+            <a:r>
+              <a:rPr lang="ko-KR" altLang="en-US" sz="1200" dirty="0"/>
+              <a:t>식을 </a:t>
+            </a:r>
+            <a:r>
+              <a:rPr lang="en-US" altLang="ko-KR" sz="1200" dirty="0" err="1"/>
+              <a:t>GloVe</a:t>
+            </a:r>
+            <a:r>
+              <a:rPr lang="ko-KR" altLang="en-US" sz="1200" dirty="0"/>
+              <a:t>식에 적용</a:t>
+            </a:r>
+            <a:endParaRPr lang="en-US" altLang="ko-KR" sz="1000" dirty="0"/>
+          </a:p>
+        </p:txBody>
+      </p:sp>
+    </p:spTree>
+    <p:extLst>
+      <p:ext uri="{BB962C8B-B14F-4D97-AF65-F5344CB8AC3E}">
+        <p14:creationId xmlns:p14="http://schemas.microsoft.com/office/powerpoint/2010/main" val="683415365"/>
+      </p:ext>
+    </p:extLst>
+  </p:cSld>
+  <p:clrMapOvr>
+    <a:masterClrMapping/>
+  </p:clrMapOvr>
+</p:sld>
+</file>
+
+<file path=ppt/slides/slide19.xml><?xml version="1.0" encoding="utf-8"?>
+<p:sld xmlns:a="http://schemas.openxmlformats.org/drawingml/2006/main" xmlns:r="http://schemas.openxmlformats.org/officeDocument/2006/relationships" xmlns:p="http://schemas.openxmlformats.org/presentationml/2006/main">
+  <p:cSld>
+    <p:spTree>
+      <p:nvGrpSpPr>
+        <p:cNvPr id="1" name=""/>
+        <p:cNvGrpSpPr/>
+        <p:nvPr/>
+      </p:nvGrpSpPr>
+      <p:grpSpPr>
+        <a:xfrm>
+          <a:off x="0" y="0"/>
+          <a:ext cx="0" cy="0"/>
+          <a:chOff x="0" y="0"/>
+          <a:chExt cx="0" cy="0"/>
+        </a:xfrm>
+      </p:grpSpPr>
+      <p:sp>
+        <p:nvSpPr>
+          <p:cNvPr id="8" name="제목 7">
+            <a:extLst>
+              <a:ext uri="{FF2B5EF4-FFF2-40B4-BE49-F238E27FC236}">
+                <a16:creationId xmlns:a16="http://schemas.microsoft.com/office/drawing/2014/main" id="{1EBC8A9E-6D7F-4DEE-8D5B-8555698ED38F}"/>
+              </a:ext>
+            </a:extLst>
+          </p:cNvPr>
+          <p:cNvSpPr>
+            <a:spLocks noGrp="1"/>
+          </p:cNvSpPr>
+          <p:nvPr>
+            <p:ph type="title"/>
+          </p:nvPr>
+        </p:nvSpPr>
+        <p:spPr>
+          <a:xfrm>
+            <a:off x="500849" y="193907"/>
+            <a:ext cx="10515600" cy="549274"/>
+          </a:xfrm>
+        </p:spPr>
+        <p:txBody>
+          <a:bodyPr vert="horz" lIns="91440" tIns="45720" rIns="91440" bIns="45720" rtlCol="0" anchor="ctr">
+            <a:normAutofit/>
+          </a:bodyPr>
+          <a:lstStyle/>
+          <a:p>
+            <a:r>
+              <a:rPr lang="ko-KR" altLang="en-US" sz="2400" dirty="0"/>
+              <a:t>글로브</a:t>
+            </a:r>
+            <a:r>
+              <a:rPr lang="en-US" altLang="ko-KR" sz="2400" dirty="0"/>
+              <a:t>(</a:t>
+            </a:r>
+            <a:r>
+              <a:rPr lang="en-US" altLang="ko-KR" sz="2400" dirty="0" err="1"/>
+              <a:t>GloVe</a:t>
+            </a:r>
+            <a:r>
+              <a:rPr lang="en-US" altLang="ko-KR" sz="2400" dirty="0"/>
+              <a:t>)</a:t>
+            </a:r>
+            <a:endParaRPr lang="ko-KR" altLang="en-US" sz="2400" dirty="0"/>
+          </a:p>
+        </p:txBody>
+      </p:sp>
+      <p:sp>
+        <p:nvSpPr>
+          <p:cNvPr id="10" name="TextBox 9">
+            <a:extLst>
+              <a:ext uri="{FF2B5EF4-FFF2-40B4-BE49-F238E27FC236}">
+                <a16:creationId xmlns:a16="http://schemas.microsoft.com/office/drawing/2014/main" id="{54D997CB-9CF1-42A0-ACA7-D383B272D2F0}"/>
+              </a:ext>
+            </a:extLst>
+          </p:cNvPr>
+          <p:cNvSpPr txBox="1"/>
+          <p:nvPr/>
+        </p:nvSpPr>
+        <p:spPr>
+          <a:xfrm>
+            <a:off x="500849" y="1001252"/>
+            <a:ext cx="8881690" cy="307777"/>
+          </a:xfrm>
+          <a:prstGeom prst="rect">
+            <a:avLst/>
+          </a:prstGeom>
+          <a:noFill/>
+          <a:ln>
+            <a:noFill/>
+          </a:ln>
+        </p:spPr>
+        <p:txBody>
+          <a:bodyPr wrap="square" rtlCol="0">
+            <a:spAutoFit/>
+          </a:bodyPr>
+          <a:lstStyle/>
+          <a:p>
+            <a:r>
+              <a:rPr lang="ko-KR" altLang="en-US" sz="1400" b="1" dirty="0"/>
+              <a:t>손실함수</a:t>
+            </a:r>
+            <a:endParaRPr lang="en-US" altLang="ko-KR" sz="1400" b="1" dirty="0"/>
+          </a:p>
+        </p:txBody>
+      </p:sp>
+      <p:pic>
+        <p:nvPicPr>
+          <p:cNvPr id="2" name="그림 1">
+            <a:extLst>
+              <a:ext uri="{FF2B5EF4-FFF2-40B4-BE49-F238E27FC236}">
+                <a16:creationId xmlns:a16="http://schemas.microsoft.com/office/drawing/2014/main" id="{42DE60A3-35B0-471E-9C98-207F04573EAF}"/>
+              </a:ext>
+            </a:extLst>
+          </p:cNvPr>
+          <p:cNvPicPr>
+            <a:picLocks noChangeAspect="1"/>
+          </p:cNvPicPr>
+          <p:nvPr/>
+        </p:nvPicPr>
+        <p:blipFill>
+          <a:blip r:embed="rId2"/>
+          <a:stretch>
+            <a:fillRect/>
+          </a:stretch>
+        </p:blipFill>
+        <p:spPr>
+          <a:xfrm>
+            <a:off x="500849" y="1454134"/>
+            <a:ext cx="1695450" cy="771525"/>
+          </a:xfrm>
+          <a:prstGeom prst="rect">
+            <a:avLst/>
+          </a:prstGeom>
+        </p:spPr>
+      </p:pic>
+      <p:pic>
+        <p:nvPicPr>
+          <p:cNvPr id="4" name="그림 3">
+            <a:extLst>
+              <a:ext uri="{FF2B5EF4-FFF2-40B4-BE49-F238E27FC236}">
+                <a16:creationId xmlns:a16="http://schemas.microsoft.com/office/drawing/2014/main" id="{65F1CAED-C10B-48A6-858C-04DFC20EE606}"/>
+              </a:ext>
+            </a:extLst>
+          </p:cNvPr>
+          <p:cNvPicPr>
+            <a:picLocks noChangeAspect="1"/>
+          </p:cNvPicPr>
+          <p:nvPr/>
+        </p:nvPicPr>
+        <p:blipFill>
+          <a:blip r:embed="rId3"/>
+          <a:stretch>
+            <a:fillRect/>
+          </a:stretch>
+        </p:blipFill>
+        <p:spPr>
+          <a:xfrm>
+            <a:off x="500849" y="2549768"/>
+            <a:ext cx="3057525" cy="742950"/>
+          </a:xfrm>
+          <a:prstGeom prst="rect">
+            <a:avLst/>
+          </a:prstGeom>
+        </p:spPr>
+      </p:pic>
+      <p:pic>
+        <p:nvPicPr>
+          <p:cNvPr id="5" name="그림 4">
+            <a:extLst>
+              <a:ext uri="{FF2B5EF4-FFF2-40B4-BE49-F238E27FC236}">
+                <a16:creationId xmlns:a16="http://schemas.microsoft.com/office/drawing/2014/main" id="{D8BA3D92-EB04-4E18-AA31-12A5D254C422}"/>
+              </a:ext>
+            </a:extLst>
+          </p:cNvPr>
+          <p:cNvPicPr>
+            <a:picLocks noChangeAspect="1"/>
+          </p:cNvPicPr>
+          <p:nvPr/>
+        </p:nvPicPr>
+        <p:blipFill>
+          <a:blip r:embed="rId4"/>
+          <a:stretch>
+            <a:fillRect/>
+          </a:stretch>
+        </p:blipFill>
+        <p:spPr>
+          <a:xfrm>
+            <a:off x="500849" y="3662340"/>
+            <a:ext cx="3324225" cy="771525"/>
+          </a:xfrm>
+          <a:prstGeom prst="rect">
+            <a:avLst/>
+          </a:prstGeom>
+        </p:spPr>
+      </p:pic>
+      <p:pic>
+        <p:nvPicPr>
+          <p:cNvPr id="7" name="그림 6">
+            <a:extLst>
+              <a:ext uri="{FF2B5EF4-FFF2-40B4-BE49-F238E27FC236}">
+                <a16:creationId xmlns:a16="http://schemas.microsoft.com/office/drawing/2014/main" id="{25BBFE0A-AB49-4C1F-AFEE-F00A1FF7930F}"/>
+              </a:ext>
+            </a:extLst>
+          </p:cNvPr>
+          <p:cNvPicPr>
+            <a:picLocks noChangeAspect="1"/>
+          </p:cNvPicPr>
+          <p:nvPr/>
+        </p:nvPicPr>
+        <p:blipFill>
+          <a:blip r:embed="rId5"/>
+          <a:stretch>
+            <a:fillRect/>
+          </a:stretch>
+        </p:blipFill>
+        <p:spPr>
+          <a:xfrm>
+            <a:off x="481799" y="5090277"/>
+            <a:ext cx="4352925" cy="552450"/>
+          </a:xfrm>
+          <a:prstGeom prst="rect">
+            <a:avLst/>
+          </a:prstGeom>
+        </p:spPr>
+      </p:pic>
+      <p:pic>
+        <p:nvPicPr>
+          <p:cNvPr id="11" name="그림 10">
+            <a:extLst>
+              <a:ext uri="{FF2B5EF4-FFF2-40B4-BE49-F238E27FC236}">
+                <a16:creationId xmlns:a16="http://schemas.microsoft.com/office/drawing/2014/main" id="{8892A523-B590-47DA-BAE3-8F421596F8A1}"/>
+              </a:ext>
+            </a:extLst>
+          </p:cNvPr>
+          <p:cNvPicPr>
+            <a:picLocks noChangeAspect="1"/>
+          </p:cNvPicPr>
+          <p:nvPr/>
+        </p:nvPicPr>
+        <p:blipFill>
+          <a:blip r:embed="rId6"/>
+          <a:stretch>
+            <a:fillRect/>
+          </a:stretch>
+        </p:blipFill>
+        <p:spPr>
+          <a:xfrm>
+            <a:off x="500849" y="5955815"/>
+            <a:ext cx="2419350" cy="447675"/>
+          </a:xfrm>
+          <a:prstGeom prst="rect">
+            <a:avLst/>
+          </a:prstGeom>
+        </p:spPr>
+      </p:pic>
+      <p:sp>
+        <p:nvSpPr>
+          <p:cNvPr id="18" name="TextBox 17">
+            <a:extLst>
+              <a:ext uri="{FF2B5EF4-FFF2-40B4-BE49-F238E27FC236}">
+                <a16:creationId xmlns:a16="http://schemas.microsoft.com/office/drawing/2014/main" id="{6F9A9790-2F81-4539-B572-055717EFD4E1}"/>
+              </a:ext>
+            </a:extLst>
+          </p:cNvPr>
+          <p:cNvSpPr txBox="1"/>
+          <p:nvPr/>
+        </p:nvSpPr>
+        <p:spPr>
+          <a:xfrm>
+            <a:off x="2480662" y="1702506"/>
+            <a:ext cx="3615338" cy="276999"/>
+          </a:xfrm>
+          <a:prstGeom prst="rect">
+            <a:avLst/>
+          </a:prstGeom>
+          <a:noFill/>
+          <a:ln>
+            <a:noFill/>
+          </a:ln>
+        </p:spPr>
+        <p:txBody>
+          <a:bodyPr wrap="square" rtlCol="0">
+            <a:spAutoFit/>
+          </a:bodyPr>
+          <a:lstStyle/>
+          <a:p>
+            <a:r>
+              <a:rPr lang="ko-KR" altLang="en-US" sz="1200" dirty="0"/>
+              <a:t>이전 식을 좌변에 대입</a:t>
+            </a:r>
+            <a:endParaRPr lang="en-US" altLang="ko-KR" sz="1000" dirty="0"/>
+          </a:p>
+        </p:txBody>
+      </p:sp>
+      <p:sp>
+        <p:nvSpPr>
+          <p:cNvPr id="19" name="TextBox 18">
+            <a:extLst>
+              <a:ext uri="{FF2B5EF4-FFF2-40B4-BE49-F238E27FC236}">
+                <a16:creationId xmlns:a16="http://schemas.microsoft.com/office/drawing/2014/main" id="{B5F31DB5-35CD-4E65-95D1-04722095024E}"/>
+              </a:ext>
+            </a:extLst>
+          </p:cNvPr>
+          <p:cNvSpPr txBox="1"/>
+          <p:nvPr/>
+        </p:nvSpPr>
+        <p:spPr>
+          <a:xfrm>
+            <a:off x="3858411" y="2755696"/>
+            <a:ext cx="3615338" cy="276999"/>
+          </a:xfrm>
+          <a:prstGeom prst="rect">
+            <a:avLst/>
+          </a:prstGeom>
+          <a:noFill/>
+          <a:ln>
+            <a:noFill/>
+          </a:ln>
+        </p:spPr>
+        <p:txBody>
+          <a:bodyPr wrap="square" rtlCol="0">
+            <a:spAutoFit/>
+          </a:bodyPr>
+          <a:lstStyle/>
+          <a:p>
+            <a:r>
+              <a:rPr lang="ko-KR" altLang="en-US" sz="1200" dirty="0"/>
+              <a:t>좌변을 풀어 쓰면</a:t>
+            </a:r>
+            <a:r>
+              <a:rPr lang="en-US" altLang="ko-KR" sz="1200" dirty="0"/>
+              <a:t>, </a:t>
+            </a:r>
+            <a:r>
+              <a:rPr lang="ko-KR" altLang="en-US" sz="1200" dirty="0"/>
+              <a:t>뺄셈에 대한 준동형식과 일치</a:t>
+            </a:r>
+            <a:endParaRPr lang="en-US" altLang="ko-KR" sz="1000" dirty="0"/>
+          </a:p>
+        </p:txBody>
+      </p:sp>
+      <p:sp>
+        <p:nvSpPr>
+          <p:cNvPr id="20" name="TextBox 19">
+            <a:extLst>
+              <a:ext uri="{FF2B5EF4-FFF2-40B4-BE49-F238E27FC236}">
+                <a16:creationId xmlns:a16="http://schemas.microsoft.com/office/drawing/2014/main" id="{17E036CA-C401-4498-BA9D-FB13F791457C}"/>
+              </a:ext>
+            </a:extLst>
+          </p:cNvPr>
+          <p:cNvSpPr txBox="1"/>
+          <p:nvPr/>
+        </p:nvSpPr>
+        <p:spPr>
+          <a:xfrm>
+            <a:off x="4055200" y="3909602"/>
+            <a:ext cx="5630338" cy="276999"/>
+          </a:xfrm>
+          <a:prstGeom prst="rect">
+            <a:avLst/>
+          </a:prstGeom>
+          <a:noFill/>
+          <a:ln>
+            <a:noFill/>
+          </a:ln>
+        </p:spPr>
+        <p:txBody>
+          <a:bodyPr wrap="square" rtlCol="0">
+            <a:spAutoFit/>
+          </a:bodyPr>
+          <a:lstStyle/>
+          <a:p>
+            <a:r>
+              <a:rPr lang="ko-KR" altLang="en-US" sz="1200" dirty="0"/>
+              <a:t>이러한 식을 만족하는 함수로 지수 함수</a:t>
+            </a:r>
+            <a:r>
+              <a:rPr lang="en-US" altLang="ko-KR" sz="1200" dirty="0"/>
+              <a:t>(exponential function)</a:t>
+            </a:r>
+            <a:r>
+              <a:rPr lang="ko-KR" altLang="en-US" sz="1200" dirty="0"/>
+              <a:t>이 있음</a:t>
+            </a:r>
+            <a:r>
+              <a:rPr lang="en-US" altLang="ko-KR" sz="1200" dirty="0"/>
+              <a:t>!</a:t>
+            </a:r>
+            <a:endParaRPr lang="en-US" altLang="ko-KR" sz="1000" dirty="0"/>
+          </a:p>
+        </p:txBody>
+      </p:sp>
+      <p:pic>
+        <p:nvPicPr>
+          <p:cNvPr id="21" name="그림 20">
+            <a:extLst>
+              <a:ext uri="{FF2B5EF4-FFF2-40B4-BE49-F238E27FC236}">
+                <a16:creationId xmlns:a16="http://schemas.microsoft.com/office/drawing/2014/main" id="{4B6B9EDD-DFB1-408A-A497-FAAEF66D1D15}"/>
+              </a:ext>
+            </a:extLst>
+          </p:cNvPr>
+          <p:cNvPicPr>
+            <a:picLocks noChangeAspect="1"/>
+          </p:cNvPicPr>
+          <p:nvPr/>
+        </p:nvPicPr>
+        <p:blipFill>
+          <a:blip r:embed="rId7"/>
+          <a:stretch>
+            <a:fillRect/>
+          </a:stretch>
+        </p:blipFill>
+        <p:spPr>
+          <a:xfrm>
+            <a:off x="481799" y="4318752"/>
+            <a:ext cx="2438400" cy="542925"/>
+          </a:xfrm>
+          <a:prstGeom prst="rect">
+            <a:avLst/>
+          </a:prstGeom>
+        </p:spPr>
+      </p:pic>
+      <p:sp>
+        <p:nvSpPr>
+          <p:cNvPr id="22" name="TextBox 21">
+            <a:extLst>
+              <a:ext uri="{FF2B5EF4-FFF2-40B4-BE49-F238E27FC236}">
+                <a16:creationId xmlns:a16="http://schemas.microsoft.com/office/drawing/2014/main" id="{7FC1E6AD-CDEA-4E23-8DE2-18C772600558}"/>
+              </a:ext>
+            </a:extLst>
+          </p:cNvPr>
+          <p:cNvSpPr txBox="1"/>
+          <p:nvPr/>
+        </p:nvSpPr>
+        <p:spPr>
+          <a:xfrm>
+            <a:off x="4055200" y="4861677"/>
+            <a:ext cx="5630338" cy="276999"/>
+          </a:xfrm>
+          <a:prstGeom prst="rect">
+            <a:avLst/>
+          </a:prstGeom>
+          <a:noFill/>
+          <a:ln>
+            <a:noFill/>
+          </a:ln>
+        </p:spPr>
+        <p:txBody>
+          <a:bodyPr wrap="square" rtlCol="0">
+            <a:spAutoFit/>
+          </a:bodyPr>
+          <a:lstStyle/>
+          <a:p>
+            <a:r>
+              <a:rPr lang="ko-KR" altLang="en-US" sz="1200" dirty="0"/>
+              <a:t>다음 식 도출 가능</a:t>
+            </a:r>
+            <a:endParaRPr lang="en-US" altLang="ko-KR" sz="1000" dirty="0"/>
+          </a:p>
+        </p:txBody>
+      </p:sp>
+      <p:sp>
+        <p:nvSpPr>
+          <p:cNvPr id="23" name="TextBox 22">
+            <a:extLst>
+              <a:ext uri="{FF2B5EF4-FFF2-40B4-BE49-F238E27FC236}">
+                <a16:creationId xmlns:a16="http://schemas.microsoft.com/office/drawing/2014/main" id="{01644619-9790-4897-840C-50EE2593D573}"/>
+              </a:ext>
+            </a:extLst>
+          </p:cNvPr>
+          <p:cNvSpPr txBox="1"/>
+          <p:nvPr/>
+        </p:nvSpPr>
+        <p:spPr>
+          <a:xfrm>
+            <a:off x="3558374" y="6042352"/>
+            <a:ext cx="5630338" cy="276999"/>
+          </a:xfrm>
+          <a:prstGeom prst="rect">
+            <a:avLst/>
+          </a:prstGeom>
+          <a:noFill/>
+          <a:ln>
+            <a:noFill/>
+          </a:ln>
+        </p:spPr>
+        <p:txBody>
+          <a:bodyPr wrap="square" rtlCol="0">
+            <a:spAutoFit/>
+          </a:bodyPr>
+          <a:lstStyle/>
+          <a:p>
+            <a:r>
+              <a:rPr lang="en-US" altLang="ko-KR" sz="1200" dirty="0"/>
+              <a:t>log </a:t>
+            </a:r>
+            <a:r>
+              <a:rPr lang="en-US" altLang="ko-KR" sz="1200" dirty="0" err="1"/>
+              <a:t>X_i</a:t>
+            </a:r>
+            <a:r>
+              <a:rPr lang="ko-KR" altLang="en-US" sz="1200" dirty="0"/>
+              <a:t>를 </a:t>
+            </a:r>
+            <a:r>
+              <a:rPr lang="en-US" altLang="ko-KR" sz="1200" dirty="0" err="1"/>
+              <a:t>b_i</a:t>
+            </a:r>
+            <a:r>
+              <a:rPr lang="ko-KR" altLang="en-US" sz="1200" dirty="0"/>
+              <a:t>와 </a:t>
+            </a:r>
+            <a:r>
+              <a:rPr lang="en-US" altLang="ko-KR" sz="1200" dirty="0" err="1"/>
+              <a:t>b_k</a:t>
+            </a:r>
+            <a:r>
+              <a:rPr lang="ko-KR" altLang="en-US" sz="1200" dirty="0"/>
+              <a:t>라는 편향 상수항으로 대체</a:t>
+            </a:r>
+            <a:r>
+              <a:rPr lang="en-US" altLang="ko-KR" sz="1200" dirty="0"/>
+              <a:t> </a:t>
+            </a:r>
+            <a:endParaRPr lang="en-US" altLang="ko-KR" sz="1000" dirty="0"/>
+          </a:p>
+        </p:txBody>
+      </p:sp>
+      <p:sp>
+        <p:nvSpPr>
+          <p:cNvPr id="24" name="TextBox 23">
+            <a:extLst>
+              <a:ext uri="{FF2B5EF4-FFF2-40B4-BE49-F238E27FC236}">
+                <a16:creationId xmlns:a16="http://schemas.microsoft.com/office/drawing/2014/main" id="{704830F6-41F2-4B39-BC1C-7BACA4B26BEB}"/>
+              </a:ext>
+            </a:extLst>
+          </p:cNvPr>
+          <p:cNvSpPr txBox="1"/>
+          <p:nvPr/>
+        </p:nvSpPr>
+        <p:spPr>
+          <a:xfrm>
+            <a:off x="3558374" y="6408563"/>
+            <a:ext cx="5630338" cy="276999"/>
+          </a:xfrm>
+          <a:prstGeom prst="rect">
+            <a:avLst/>
+          </a:prstGeom>
+          <a:noFill/>
+          <a:ln>
+            <a:noFill/>
+          </a:ln>
+        </p:spPr>
+        <p:txBody>
+          <a:bodyPr wrap="square" rtlCol="0">
+            <a:spAutoFit/>
+          </a:bodyPr>
+          <a:lstStyle/>
+          <a:p>
+            <a:r>
+              <a:rPr lang="ko-KR" altLang="en-US" sz="1200" dirty="0"/>
+              <a:t>좌변과 우변의 차를 손실 함수로 정의</a:t>
+            </a:r>
+            <a:endParaRPr lang="en-US" altLang="ko-KR" sz="1000" dirty="0"/>
+          </a:p>
+        </p:txBody>
+      </p:sp>
+    </p:spTree>
+    <p:extLst>
+      <p:ext uri="{BB962C8B-B14F-4D97-AF65-F5344CB8AC3E}">
+        <p14:creationId xmlns:p14="http://schemas.microsoft.com/office/powerpoint/2010/main" val="2923646308"/>
       </p:ext>
     </p:extLst>
   </p:cSld>
@@ -5635,6 +7473,4051 @@
 </p:sld>
 </file>
 
+<file path=ppt/slides/slide20.xml><?xml version="1.0" encoding="utf-8"?>
+<p:sld xmlns:a="http://schemas.openxmlformats.org/drawingml/2006/main" xmlns:r="http://schemas.openxmlformats.org/officeDocument/2006/relationships" xmlns:p="http://schemas.openxmlformats.org/presentationml/2006/main">
+  <p:cSld>
+    <p:spTree>
+      <p:nvGrpSpPr>
+        <p:cNvPr id="1" name=""/>
+        <p:cNvGrpSpPr/>
+        <p:nvPr/>
+      </p:nvGrpSpPr>
+      <p:grpSpPr>
+        <a:xfrm>
+          <a:off x="0" y="0"/>
+          <a:ext cx="0" cy="0"/>
+          <a:chOff x="0" y="0"/>
+          <a:chExt cx="0" cy="0"/>
+        </a:xfrm>
+      </p:grpSpPr>
+      <p:sp>
+        <p:nvSpPr>
+          <p:cNvPr id="8" name="제목 7">
+            <a:extLst>
+              <a:ext uri="{FF2B5EF4-FFF2-40B4-BE49-F238E27FC236}">
+                <a16:creationId xmlns:a16="http://schemas.microsoft.com/office/drawing/2014/main" id="{1EBC8A9E-6D7F-4DEE-8D5B-8555698ED38F}"/>
+              </a:ext>
+            </a:extLst>
+          </p:cNvPr>
+          <p:cNvSpPr>
+            <a:spLocks noGrp="1"/>
+          </p:cNvSpPr>
+          <p:nvPr>
+            <p:ph type="title"/>
+          </p:nvPr>
+        </p:nvSpPr>
+        <p:spPr>
+          <a:xfrm>
+            <a:off x="500849" y="193907"/>
+            <a:ext cx="10515600" cy="549274"/>
+          </a:xfrm>
+        </p:spPr>
+        <p:txBody>
+          <a:bodyPr vert="horz" lIns="91440" tIns="45720" rIns="91440" bIns="45720" rtlCol="0" anchor="ctr">
+            <a:normAutofit/>
+          </a:bodyPr>
+          <a:lstStyle/>
+          <a:p>
+            <a:r>
+              <a:rPr lang="ko-KR" altLang="en-US" sz="2400" dirty="0"/>
+              <a:t>글로브</a:t>
+            </a:r>
+            <a:r>
+              <a:rPr lang="en-US" altLang="ko-KR" sz="2400" dirty="0"/>
+              <a:t>(</a:t>
+            </a:r>
+            <a:r>
+              <a:rPr lang="en-US" altLang="ko-KR" sz="2400" dirty="0" err="1"/>
+              <a:t>GloVe</a:t>
+            </a:r>
+            <a:r>
+              <a:rPr lang="en-US" altLang="ko-KR" sz="2400" dirty="0"/>
+              <a:t>)</a:t>
+            </a:r>
+            <a:endParaRPr lang="ko-KR" altLang="en-US" sz="2400" dirty="0"/>
+          </a:p>
+        </p:txBody>
+      </p:sp>
+      <p:sp>
+        <p:nvSpPr>
+          <p:cNvPr id="10" name="TextBox 9">
+            <a:extLst>
+              <a:ext uri="{FF2B5EF4-FFF2-40B4-BE49-F238E27FC236}">
+                <a16:creationId xmlns:a16="http://schemas.microsoft.com/office/drawing/2014/main" id="{54D997CB-9CF1-42A0-ACA7-D383B272D2F0}"/>
+              </a:ext>
+            </a:extLst>
+          </p:cNvPr>
+          <p:cNvSpPr txBox="1"/>
+          <p:nvPr/>
+        </p:nvSpPr>
+        <p:spPr>
+          <a:xfrm>
+            <a:off x="500849" y="1001252"/>
+            <a:ext cx="8881690" cy="307777"/>
+          </a:xfrm>
+          <a:prstGeom prst="rect">
+            <a:avLst/>
+          </a:prstGeom>
+          <a:noFill/>
+          <a:ln>
+            <a:noFill/>
+          </a:ln>
+        </p:spPr>
+        <p:txBody>
+          <a:bodyPr wrap="square" rtlCol="0">
+            <a:spAutoFit/>
+          </a:bodyPr>
+          <a:lstStyle/>
+          <a:p>
+            <a:r>
+              <a:rPr lang="ko-KR" altLang="en-US" sz="1400" b="1" dirty="0"/>
+              <a:t>손실함수</a:t>
+            </a:r>
+            <a:endParaRPr lang="en-US" altLang="ko-KR" sz="1400" b="1" dirty="0"/>
+          </a:p>
+        </p:txBody>
+      </p:sp>
+      <p:pic>
+        <p:nvPicPr>
+          <p:cNvPr id="6" name="그림 5">
+            <a:extLst>
+              <a:ext uri="{FF2B5EF4-FFF2-40B4-BE49-F238E27FC236}">
+                <a16:creationId xmlns:a16="http://schemas.microsoft.com/office/drawing/2014/main" id="{33A09926-25A7-4071-A931-545EAED17232}"/>
+              </a:ext>
+            </a:extLst>
+          </p:cNvPr>
+          <p:cNvPicPr>
+            <a:picLocks noChangeAspect="1"/>
+          </p:cNvPicPr>
+          <p:nvPr/>
+        </p:nvPicPr>
+        <p:blipFill>
+          <a:blip r:embed="rId2"/>
+          <a:stretch>
+            <a:fillRect/>
+          </a:stretch>
+        </p:blipFill>
+        <p:spPr>
+          <a:xfrm>
+            <a:off x="500849" y="1403689"/>
+            <a:ext cx="5019675" cy="819150"/>
+          </a:xfrm>
+          <a:prstGeom prst="rect">
+            <a:avLst/>
+          </a:prstGeom>
+        </p:spPr>
+      </p:pic>
+      <p:pic>
+        <p:nvPicPr>
+          <p:cNvPr id="9" name="그림 8">
+            <a:extLst>
+              <a:ext uri="{FF2B5EF4-FFF2-40B4-BE49-F238E27FC236}">
+                <a16:creationId xmlns:a16="http://schemas.microsoft.com/office/drawing/2014/main" id="{8DBAD717-2998-44A7-8546-6902C624BB31}"/>
+              </a:ext>
+            </a:extLst>
+          </p:cNvPr>
+          <p:cNvPicPr>
+            <a:picLocks noChangeAspect="1"/>
+          </p:cNvPicPr>
+          <p:nvPr/>
+        </p:nvPicPr>
+        <p:blipFill>
+          <a:blip r:embed="rId3"/>
+          <a:stretch>
+            <a:fillRect/>
+          </a:stretch>
+        </p:blipFill>
+        <p:spPr>
+          <a:xfrm>
+            <a:off x="562993" y="2672074"/>
+            <a:ext cx="4171950" cy="2133600"/>
+          </a:xfrm>
+          <a:prstGeom prst="rect">
+            <a:avLst/>
+          </a:prstGeom>
+        </p:spPr>
+      </p:pic>
+      <p:pic>
+        <p:nvPicPr>
+          <p:cNvPr id="12" name="그림 11">
+            <a:extLst>
+              <a:ext uri="{FF2B5EF4-FFF2-40B4-BE49-F238E27FC236}">
+                <a16:creationId xmlns:a16="http://schemas.microsoft.com/office/drawing/2014/main" id="{AEBBAB91-B6B0-4207-91F1-3F2FAF522D3C}"/>
+              </a:ext>
+            </a:extLst>
+          </p:cNvPr>
+          <p:cNvPicPr>
+            <a:picLocks noChangeAspect="1"/>
+          </p:cNvPicPr>
+          <p:nvPr/>
+        </p:nvPicPr>
+        <p:blipFill>
+          <a:blip r:embed="rId4"/>
+          <a:stretch>
+            <a:fillRect/>
+          </a:stretch>
+        </p:blipFill>
+        <p:spPr>
+          <a:xfrm>
+            <a:off x="500849" y="4869217"/>
+            <a:ext cx="5905500" cy="723900"/>
+          </a:xfrm>
+          <a:prstGeom prst="rect">
+            <a:avLst/>
+          </a:prstGeom>
+        </p:spPr>
+      </p:pic>
+      <p:pic>
+        <p:nvPicPr>
+          <p:cNvPr id="13" name="그림 12">
+            <a:extLst>
+              <a:ext uri="{FF2B5EF4-FFF2-40B4-BE49-F238E27FC236}">
+                <a16:creationId xmlns:a16="http://schemas.microsoft.com/office/drawing/2014/main" id="{D8D9A537-9740-4D7C-8D61-1378BBB942BC}"/>
+              </a:ext>
+            </a:extLst>
+          </p:cNvPr>
+          <p:cNvPicPr>
+            <a:picLocks noChangeAspect="1"/>
+          </p:cNvPicPr>
+          <p:nvPr/>
+        </p:nvPicPr>
+        <p:blipFill>
+          <a:blip r:embed="rId5"/>
+          <a:stretch>
+            <a:fillRect/>
+          </a:stretch>
+        </p:blipFill>
+        <p:spPr>
+          <a:xfrm>
+            <a:off x="5520524" y="3505918"/>
+            <a:ext cx="2628900" cy="438150"/>
+          </a:xfrm>
+          <a:prstGeom prst="rect">
+            <a:avLst/>
+          </a:prstGeom>
+        </p:spPr>
+      </p:pic>
+      <p:sp>
+        <p:nvSpPr>
+          <p:cNvPr id="14" name="TextBox 13">
+            <a:extLst>
+              <a:ext uri="{FF2B5EF4-FFF2-40B4-BE49-F238E27FC236}">
+                <a16:creationId xmlns:a16="http://schemas.microsoft.com/office/drawing/2014/main" id="{DA89A948-53D2-45CA-8741-193A14EAC8C5}"/>
+              </a:ext>
+            </a:extLst>
+          </p:cNvPr>
+          <p:cNvSpPr txBox="1"/>
+          <p:nvPr/>
+        </p:nvSpPr>
+        <p:spPr>
+          <a:xfrm>
+            <a:off x="6612292" y="5163463"/>
+            <a:ext cx="2682628" cy="276999"/>
+          </a:xfrm>
+          <a:prstGeom prst="rect">
+            <a:avLst/>
+          </a:prstGeom>
+          <a:noFill/>
+          <a:ln>
+            <a:noFill/>
+          </a:ln>
+        </p:spPr>
+        <p:txBody>
+          <a:bodyPr wrap="square" rtlCol="0">
+            <a:spAutoFit/>
+          </a:bodyPr>
+          <a:lstStyle/>
+          <a:p>
+            <a:r>
+              <a:rPr lang="ko-KR" altLang="en-US" sz="1200" dirty="0"/>
+              <a:t>최종적인 일반화된 손실 함수</a:t>
+            </a:r>
+            <a:endParaRPr lang="en-US" altLang="ko-KR" sz="1000" dirty="0"/>
+          </a:p>
+        </p:txBody>
+      </p:sp>
+      <p:sp>
+        <p:nvSpPr>
+          <p:cNvPr id="15" name="TextBox 14">
+            <a:extLst>
+              <a:ext uri="{FF2B5EF4-FFF2-40B4-BE49-F238E27FC236}">
+                <a16:creationId xmlns:a16="http://schemas.microsoft.com/office/drawing/2014/main" id="{DF8DD426-9689-4F19-A260-B098A79FD06D}"/>
+              </a:ext>
+            </a:extLst>
+          </p:cNvPr>
+          <p:cNvSpPr txBox="1"/>
+          <p:nvPr/>
+        </p:nvSpPr>
+        <p:spPr>
+          <a:xfrm>
+            <a:off x="500849" y="2268974"/>
+            <a:ext cx="5630338" cy="276999"/>
+          </a:xfrm>
+          <a:prstGeom prst="rect">
+            <a:avLst/>
+          </a:prstGeom>
+          <a:noFill/>
+          <a:ln>
+            <a:noFill/>
+          </a:ln>
+        </p:spPr>
+        <p:txBody>
+          <a:bodyPr wrap="square" rtlCol="0">
+            <a:spAutoFit/>
+          </a:bodyPr>
+          <a:lstStyle/>
+          <a:p>
+            <a:r>
+              <a:rPr lang="ko-KR" altLang="en-US" sz="1200" dirty="0"/>
+              <a:t>단</a:t>
+            </a:r>
+            <a:r>
+              <a:rPr lang="en-US" altLang="ko-KR" sz="1200" dirty="0"/>
+              <a:t>,</a:t>
+            </a:r>
+            <a:r>
+              <a:rPr lang="ko-KR" altLang="en-US" sz="1200" dirty="0"/>
+              <a:t> </a:t>
+            </a:r>
+            <a:r>
+              <a:rPr lang="en-US" altLang="ko-KR" sz="1200" dirty="0" err="1"/>
+              <a:t>X_ik</a:t>
+            </a:r>
+            <a:r>
+              <a:rPr lang="ko-KR" altLang="en-US" sz="1200" dirty="0"/>
+              <a:t> 가 </a:t>
+            </a:r>
+            <a:r>
+              <a:rPr lang="en-US" altLang="ko-KR" sz="1200" dirty="0"/>
+              <a:t>0</a:t>
+            </a:r>
+            <a:r>
+              <a:rPr lang="ko-KR" altLang="en-US" sz="1200" dirty="0"/>
+              <a:t>이 될 수 있음 </a:t>
+            </a:r>
+            <a:r>
+              <a:rPr lang="en-US" altLang="ko-KR" sz="1200" dirty="0">
+                <a:sym typeface="Wingdings" panose="05000000000000000000" pitchFamily="2" charset="2"/>
+              </a:rPr>
+              <a:t> </a:t>
+            </a:r>
+            <a:r>
+              <a:rPr lang="ko-KR" altLang="en-US" sz="1200" dirty="0">
+                <a:sym typeface="Wingdings" panose="05000000000000000000" pitchFamily="2" charset="2"/>
+              </a:rPr>
+              <a:t>가중치 함수 </a:t>
+            </a:r>
+            <a:r>
+              <a:rPr lang="en-US" altLang="ko-KR" sz="1200" dirty="0">
+                <a:sym typeface="Wingdings" panose="05000000000000000000" pitchFamily="2" charset="2"/>
+              </a:rPr>
+              <a:t>f(</a:t>
+            </a:r>
+            <a:r>
+              <a:rPr lang="en-US" altLang="ko-KR" sz="1200" dirty="0" err="1">
+                <a:sym typeface="Wingdings" panose="05000000000000000000" pitchFamily="2" charset="2"/>
+              </a:rPr>
+              <a:t>Xi_ij</a:t>
+            </a:r>
+            <a:r>
+              <a:rPr lang="en-US" altLang="ko-KR" sz="1200" dirty="0">
+                <a:sym typeface="Wingdings" panose="05000000000000000000" pitchFamily="2" charset="2"/>
+              </a:rPr>
+              <a:t>)</a:t>
+            </a:r>
+            <a:r>
+              <a:rPr lang="ko-KR" altLang="en-US" sz="1200" dirty="0">
+                <a:sym typeface="Wingdings" panose="05000000000000000000" pitchFamily="2" charset="2"/>
+              </a:rPr>
+              <a:t>를 도입</a:t>
+            </a:r>
+            <a:endParaRPr lang="en-US" altLang="ko-KR" sz="1000" dirty="0"/>
+          </a:p>
+        </p:txBody>
+      </p:sp>
+    </p:spTree>
+    <p:extLst>
+      <p:ext uri="{BB962C8B-B14F-4D97-AF65-F5344CB8AC3E}">
+        <p14:creationId xmlns:p14="http://schemas.microsoft.com/office/powerpoint/2010/main" val="1562034826"/>
+      </p:ext>
+    </p:extLst>
+  </p:cSld>
+  <p:clrMapOvr>
+    <a:masterClrMapping/>
+  </p:clrMapOvr>
+</p:sld>
+</file>
+
+<file path=ppt/slides/slide21.xml><?xml version="1.0" encoding="utf-8"?>
+<p:sld xmlns:a="http://schemas.openxmlformats.org/drawingml/2006/main" xmlns:r="http://schemas.openxmlformats.org/officeDocument/2006/relationships" xmlns:p="http://schemas.openxmlformats.org/presentationml/2006/main">
+  <p:cSld>
+    <p:spTree>
+      <p:nvGrpSpPr>
+        <p:cNvPr id="1" name=""/>
+        <p:cNvGrpSpPr/>
+        <p:nvPr/>
+      </p:nvGrpSpPr>
+      <p:grpSpPr>
+        <a:xfrm>
+          <a:off x="0" y="0"/>
+          <a:ext cx="0" cy="0"/>
+          <a:chOff x="0" y="0"/>
+          <a:chExt cx="0" cy="0"/>
+        </a:xfrm>
+      </p:grpSpPr>
+      <p:sp>
+        <p:nvSpPr>
+          <p:cNvPr id="8" name="제목 7">
+            <a:extLst>
+              <a:ext uri="{FF2B5EF4-FFF2-40B4-BE49-F238E27FC236}">
+                <a16:creationId xmlns:a16="http://schemas.microsoft.com/office/drawing/2014/main" id="{1EBC8A9E-6D7F-4DEE-8D5B-8555698ED38F}"/>
+              </a:ext>
+            </a:extLst>
+          </p:cNvPr>
+          <p:cNvSpPr>
+            <a:spLocks noGrp="1"/>
+          </p:cNvSpPr>
+          <p:nvPr>
+            <p:ph type="title"/>
+          </p:nvPr>
+        </p:nvSpPr>
+        <p:spPr>
+          <a:xfrm>
+            <a:off x="500849" y="193907"/>
+            <a:ext cx="10515600" cy="549274"/>
+          </a:xfrm>
+        </p:spPr>
+        <p:txBody>
+          <a:bodyPr vert="horz" lIns="91440" tIns="45720" rIns="91440" bIns="45720" rtlCol="0" anchor="ctr">
+            <a:normAutofit/>
+          </a:bodyPr>
+          <a:lstStyle/>
+          <a:p>
+            <a:r>
+              <a:rPr lang="ko-KR" altLang="en-US" sz="2400" dirty="0"/>
+              <a:t>글로브</a:t>
+            </a:r>
+            <a:r>
+              <a:rPr lang="en-US" altLang="ko-KR" sz="2400" dirty="0"/>
+              <a:t>(</a:t>
+            </a:r>
+            <a:r>
+              <a:rPr lang="en-US" altLang="ko-KR" sz="2400" dirty="0" err="1"/>
+              <a:t>GloVe</a:t>
+            </a:r>
+            <a:r>
+              <a:rPr lang="en-US" altLang="ko-KR" sz="2400" dirty="0"/>
+              <a:t>)</a:t>
+            </a:r>
+            <a:endParaRPr lang="ko-KR" altLang="en-US" sz="2400" dirty="0"/>
+          </a:p>
+        </p:txBody>
+      </p:sp>
+      <p:pic>
+        <p:nvPicPr>
+          <p:cNvPr id="2" name="그림 1">
+            <a:extLst>
+              <a:ext uri="{FF2B5EF4-FFF2-40B4-BE49-F238E27FC236}">
+                <a16:creationId xmlns:a16="http://schemas.microsoft.com/office/drawing/2014/main" id="{043B5C53-6560-402C-B2DD-3F9B67635BD8}"/>
+              </a:ext>
+            </a:extLst>
+          </p:cNvPr>
+          <p:cNvPicPr>
+            <a:picLocks noChangeAspect="1"/>
+          </p:cNvPicPr>
+          <p:nvPr/>
+        </p:nvPicPr>
+        <p:blipFill>
+          <a:blip r:embed="rId2"/>
+          <a:stretch>
+            <a:fillRect/>
+          </a:stretch>
+        </p:blipFill>
+        <p:spPr>
+          <a:xfrm>
+            <a:off x="571500" y="1228540"/>
+            <a:ext cx="5524500" cy="2838450"/>
+          </a:xfrm>
+          <a:prstGeom prst="rect">
+            <a:avLst/>
+          </a:prstGeom>
+        </p:spPr>
+      </p:pic>
+    </p:spTree>
+    <p:extLst>
+      <p:ext uri="{BB962C8B-B14F-4D97-AF65-F5344CB8AC3E}">
+        <p14:creationId xmlns:p14="http://schemas.microsoft.com/office/powerpoint/2010/main" val="1724417982"/>
+      </p:ext>
+    </p:extLst>
+  </p:cSld>
+  <p:clrMapOvr>
+    <a:masterClrMapping/>
+  </p:clrMapOvr>
+</p:sld>
+</file>
+
+<file path=ppt/slides/slide22.xml><?xml version="1.0" encoding="utf-8"?>
+<p:sld xmlns:a="http://schemas.openxmlformats.org/drawingml/2006/main" xmlns:r="http://schemas.openxmlformats.org/officeDocument/2006/relationships" xmlns:p="http://schemas.openxmlformats.org/presentationml/2006/main">
+  <p:cSld>
+    <p:spTree>
+      <p:nvGrpSpPr>
+        <p:cNvPr id="1" name=""/>
+        <p:cNvGrpSpPr/>
+        <p:nvPr/>
+      </p:nvGrpSpPr>
+      <p:grpSpPr>
+        <a:xfrm>
+          <a:off x="0" y="0"/>
+          <a:ext cx="0" cy="0"/>
+          <a:chOff x="0" y="0"/>
+          <a:chExt cx="0" cy="0"/>
+        </a:xfrm>
+      </p:grpSpPr>
+      <p:sp>
+        <p:nvSpPr>
+          <p:cNvPr id="8" name="제목 7">
+            <a:extLst>
+              <a:ext uri="{FF2B5EF4-FFF2-40B4-BE49-F238E27FC236}">
+                <a16:creationId xmlns:a16="http://schemas.microsoft.com/office/drawing/2014/main" id="{1EBC8A9E-6D7F-4DEE-8D5B-8555698ED38F}"/>
+              </a:ext>
+            </a:extLst>
+          </p:cNvPr>
+          <p:cNvSpPr>
+            <a:spLocks noGrp="1"/>
+          </p:cNvSpPr>
+          <p:nvPr>
+            <p:ph type="title"/>
+          </p:nvPr>
+        </p:nvSpPr>
+        <p:spPr>
+          <a:xfrm>
+            <a:off x="500849" y="193907"/>
+            <a:ext cx="10515600" cy="549274"/>
+          </a:xfrm>
+        </p:spPr>
+        <p:txBody>
+          <a:bodyPr vert="horz" lIns="91440" tIns="45720" rIns="91440" bIns="45720" rtlCol="0" anchor="ctr">
+            <a:normAutofit/>
+          </a:bodyPr>
+          <a:lstStyle/>
+          <a:p>
+            <a:r>
+              <a:rPr lang="ko-KR" altLang="en-US" sz="2400" dirty="0" err="1"/>
+              <a:t>패스트텍스트</a:t>
+            </a:r>
+            <a:r>
+              <a:rPr lang="en-US" altLang="ko-KR" sz="2400" dirty="0"/>
+              <a:t>(</a:t>
+            </a:r>
+            <a:r>
+              <a:rPr lang="en-US" altLang="ko-KR" sz="2400" dirty="0" err="1"/>
+              <a:t>FastText</a:t>
+            </a:r>
+            <a:r>
+              <a:rPr lang="en-US" altLang="ko-KR" sz="2400" dirty="0"/>
+              <a:t>)</a:t>
+            </a:r>
+            <a:endParaRPr lang="ko-KR" altLang="en-US" sz="2400" dirty="0"/>
+          </a:p>
+        </p:txBody>
+      </p:sp>
+      <p:sp>
+        <p:nvSpPr>
+          <p:cNvPr id="9" name="내용 개체 틀 8">
+            <a:extLst>
+              <a:ext uri="{FF2B5EF4-FFF2-40B4-BE49-F238E27FC236}">
+                <a16:creationId xmlns:a16="http://schemas.microsoft.com/office/drawing/2014/main" id="{AC52E4BD-EAD4-49EF-BC01-909989F863A1}"/>
+              </a:ext>
+            </a:extLst>
+          </p:cNvPr>
+          <p:cNvSpPr>
+            <a:spLocks noGrp="1"/>
+          </p:cNvSpPr>
+          <p:nvPr>
+            <p:ph idx="1"/>
+          </p:nvPr>
+        </p:nvSpPr>
+        <p:spPr>
+          <a:xfrm>
+            <a:off x="500849" y="941033"/>
+            <a:ext cx="10852951" cy="5442011"/>
+          </a:xfrm>
+        </p:spPr>
+        <p:txBody>
+          <a:bodyPr>
+            <a:normAutofit/>
+          </a:bodyPr>
+          <a:lstStyle/>
+          <a:p>
+            <a:pPr marL="0" indent="0">
+              <a:buNone/>
+            </a:pPr>
+            <a:r>
+              <a:rPr lang="ko-KR" altLang="en-US" sz="1800" dirty="0" err="1"/>
+              <a:t>패스트텍스트</a:t>
+            </a:r>
+            <a:r>
+              <a:rPr lang="en-US" altLang="ko-KR" sz="1800" dirty="0"/>
+              <a:t>(</a:t>
+            </a:r>
+            <a:r>
+              <a:rPr lang="en-US" altLang="ko-KR" sz="1800" dirty="0" err="1"/>
+              <a:t>FastText</a:t>
+            </a:r>
+            <a:r>
+              <a:rPr lang="en-US" altLang="ko-KR" sz="1800" dirty="0"/>
+              <a:t>) (2015, </a:t>
+            </a:r>
+            <a:r>
+              <a:rPr lang="en-US" altLang="ko-KR" sz="1800" dirty="0" err="1"/>
+              <a:t>facebook</a:t>
+            </a:r>
+            <a:r>
+              <a:rPr lang="en-US" altLang="ko-KR" sz="1800" dirty="0"/>
+              <a:t>)</a:t>
+            </a:r>
+          </a:p>
+          <a:p>
+            <a:pPr marL="0" indent="0">
+              <a:buNone/>
+            </a:pPr>
+            <a:r>
+              <a:rPr lang="en-US" altLang="ko-KR" sz="1800" dirty="0"/>
+              <a:t>Word2Vec</a:t>
+            </a:r>
+            <a:r>
+              <a:rPr lang="ko-KR" altLang="en-US" sz="1800" dirty="0"/>
+              <a:t>의 확장</a:t>
+            </a:r>
+            <a:r>
+              <a:rPr lang="en-US" altLang="ko-KR" sz="1800" dirty="0"/>
+              <a:t>, </a:t>
+            </a:r>
+            <a:r>
+              <a:rPr lang="ko-KR" altLang="en-US" sz="1800" dirty="0"/>
+              <a:t>단 </a:t>
+            </a:r>
+            <a:r>
+              <a:rPr lang="ko-KR" altLang="en-US" sz="1800" b="1" dirty="0"/>
+              <a:t>하나의 단어에도 여러 단어들이 존재</a:t>
+            </a:r>
+            <a:r>
+              <a:rPr lang="ko-KR" altLang="en-US" sz="1800" dirty="0"/>
+              <a:t>하는 것으로 간주</a:t>
+            </a:r>
+            <a:r>
+              <a:rPr lang="en-US" altLang="ko-KR" sz="1800" dirty="0"/>
+              <a:t>. </a:t>
+            </a:r>
+            <a:r>
+              <a:rPr lang="ko-KR" altLang="en-US" sz="1800" dirty="0"/>
+              <a:t>즉</a:t>
+            </a:r>
+            <a:r>
+              <a:rPr lang="en-US" altLang="ko-KR" sz="1800" dirty="0"/>
+              <a:t>, </a:t>
+            </a:r>
+            <a:r>
+              <a:rPr lang="ko-KR" altLang="en-US" sz="1800" b="1" dirty="0" err="1"/>
+              <a:t>서브워드</a:t>
+            </a:r>
+            <a:r>
+              <a:rPr lang="en-US" altLang="ko-KR" sz="1800" b="1" dirty="0"/>
+              <a:t>(</a:t>
+            </a:r>
+            <a:r>
+              <a:rPr lang="en-US" altLang="ko-KR" sz="1800" b="1" dirty="0" err="1"/>
+              <a:t>subword</a:t>
+            </a:r>
+            <a:r>
+              <a:rPr lang="en-US" altLang="ko-KR" sz="1800" b="1" dirty="0"/>
+              <a:t>)</a:t>
+            </a:r>
+            <a:r>
+              <a:rPr lang="ko-KR" altLang="en-US" sz="1800" dirty="0"/>
+              <a:t>를 고려하여 학습</a:t>
+            </a:r>
+            <a:endParaRPr lang="en-US" altLang="ko-KR" sz="1800" dirty="0"/>
+          </a:p>
+          <a:p>
+            <a:pPr marL="0" indent="0">
+              <a:buNone/>
+            </a:pPr>
+            <a:endParaRPr lang="en-US" altLang="ko-KR" sz="1800" dirty="0"/>
+          </a:p>
+          <a:p>
+            <a:pPr marL="0" indent="0">
+              <a:buNone/>
+            </a:pPr>
+            <a:r>
+              <a:rPr lang="ko-KR" altLang="en-US" sz="1800" b="1" dirty="0" err="1"/>
+              <a:t>서브워드</a:t>
+            </a:r>
+            <a:r>
+              <a:rPr lang="en-US" altLang="ko-KR" sz="1800" b="1" dirty="0"/>
+              <a:t>(</a:t>
+            </a:r>
+            <a:r>
+              <a:rPr lang="en-US" altLang="ko-KR" sz="1800" b="1" dirty="0" err="1"/>
+              <a:t>subword</a:t>
+            </a:r>
+            <a:r>
+              <a:rPr lang="en-US" altLang="ko-KR" sz="1800" b="1" dirty="0"/>
+              <a:t>) </a:t>
+            </a:r>
+          </a:p>
+          <a:p>
+            <a:pPr>
+              <a:buFontTx/>
+              <a:buChar char="-"/>
+            </a:pPr>
+            <a:r>
+              <a:rPr lang="ko-KR" altLang="en-US" sz="1600" dirty="0"/>
+              <a:t>각 단어를 글자 단위 </a:t>
+            </a:r>
+            <a:r>
+              <a:rPr lang="en-US" altLang="ko-KR" sz="1600" dirty="0"/>
+              <a:t>n-gram</a:t>
+            </a:r>
+            <a:r>
+              <a:rPr lang="ko-KR" altLang="en-US" sz="1600" dirty="0"/>
+              <a:t>의</a:t>
+            </a:r>
+            <a:r>
+              <a:rPr lang="en-US" altLang="ko-KR" sz="1600" dirty="0"/>
+              <a:t> </a:t>
+            </a:r>
+            <a:r>
+              <a:rPr lang="ko-KR" altLang="en-US" sz="1600" dirty="0"/>
+              <a:t>구성을 취급</a:t>
+            </a:r>
+            <a:endParaRPr lang="en-US" altLang="ko-KR" sz="1600" dirty="0"/>
+          </a:p>
+          <a:p>
+            <a:pPr>
+              <a:buFontTx/>
+              <a:buChar char="-"/>
+            </a:pPr>
+            <a:r>
+              <a:rPr lang="ko-KR" altLang="en-US" sz="1600" dirty="0"/>
+              <a:t>단 시작과 끝인 </a:t>
+            </a:r>
+            <a:r>
+              <a:rPr lang="en-US" altLang="ko-KR" sz="1600" dirty="0"/>
+              <a:t>&lt;, &gt;, </a:t>
+            </a:r>
+            <a:r>
+              <a:rPr lang="ko-KR" altLang="en-US" sz="1600" dirty="0"/>
+              <a:t>그리고 기존 단어 토큰 </a:t>
+            </a:r>
+            <a:r>
+              <a:rPr lang="en-US" altLang="ko-KR" sz="1600" dirty="0"/>
+              <a:t>&lt;word&gt;</a:t>
+            </a:r>
+            <a:r>
+              <a:rPr lang="ko-KR" altLang="en-US" sz="1600" dirty="0"/>
+              <a:t>를 추가</a:t>
+            </a:r>
+            <a:endParaRPr lang="en-US" altLang="ko-KR" sz="1600" dirty="0"/>
+          </a:p>
+          <a:p>
+            <a:pPr>
+              <a:buFontTx/>
+              <a:buChar char="-"/>
+            </a:pPr>
+            <a:endParaRPr lang="en-US" altLang="ko-KR" sz="1800" dirty="0"/>
+          </a:p>
+          <a:p>
+            <a:pPr marL="0" indent="0">
+              <a:buNone/>
+            </a:pPr>
+            <a:endParaRPr lang="en-US" altLang="ko-KR" sz="1800" dirty="0"/>
+          </a:p>
+          <a:p>
+            <a:pPr>
+              <a:buFontTx/>
+              <a:buChar char="-"/>
+            </a:pPr>
+            <a:r>
+              <a:rPr lang="ko-KR" altLang="en-US" sz="1600" dirty="0"/>
+              <a:t>기본 값으로 최소</a:t>
+            </a:r>
+            <a:r>
+              <a:rPr lang="en-US" altLang="ko-KR" sz="1600" dirty="0"/>
+              <a:t>=3, </a:t>
+            </a:r>
+            <a:r>
+              <a:rPr lang="ko-KR" altLang="en-US" sz="1600" dirty="0"/>
+              <a:t>최대</a:t>
+            </a:r>
+            <a:r>
+              <a:rPr lang="en-US" altLang="ko-KR" sz="1600" dirty="0"/>
+              <a:t>=6</a:t>
+            </a:r>
+            <a:r>
+              <a:rPr lang="ko-KR" altLang="en-US" sz="1600" dirty="0"/>
+              <a:t>으로 설정 되어 있음</a:t>
+            </a:r>
+            <a:r>
+              <a:rPr lang="en-US" altLang="ko-KR" sz="1600" dirty="0"/>
+              <a:t>. </a:t>
+            </a:r>
+          </a:p>
+          <a:p>
+            <a:pPr>
+              <a:buFontTx/>
+              <a:buChar char="-"/>
+            </a:pPr>
+            <a:r>
+              <a:rPr lang="ko-KR" altLang="en-US" sz="1600" dirty="0"/>
+              <a:t>이 때</a:t>
+            </a:r>
+            <a:r>
+              <a:rPr lang="en-US" altLang="ko-KR" sz="1600" dirty="0"/>
+              <a:t>, </a:t>
+            </a:r>
+            <a:r>
+              <a:rPr lang="ko-KR" altLang="en-US" sz="1600" dirty="0" err="1"/>
+              <a:t>서브워드를</a:t>
+            </a:r>
+            <a:r>
+              <a:rPr lang="ko-KR" altLang="en-US" sz="1600" dirty="0"/>
+              <a:t> 벡터화하고</a:t>
+            </a:r>
+            <a:r>
+              <a:rPr lang="en-US" altLang="ko-KR" sz="1600" dirty="0"/>
+              <a:t>, </a:t>
+            </a:r>
+          </a:p>
+          <a:p>
+            <a:pPr>
+              <a:buFontTx/>
+              <a:buChar char="-"/>
+            </a:pPr>
+            <a:r>
+              <a:rPr lang="ko-KR" altLang="en-US" sz="1600" dirty="0"/>
+              <a:t>단어</a:t>
+            </a:r>
+            <a:r>
+              <a:rPr lang="en-US" altLang="ko-KR" sz="1600" dirty="0"/>
+              <a:t>(ex. apple)</a:t>
+            </a:r>
+            <a:r>
+              <a:rPr lang="ko-KR" altLang="en-US" sz="1600" dirty="0"/>
+              <a:t>의 </a:t>
+            </a:r>
+            <a:r>
+              <a:rPr lang="ko-KR" altLang="en-US" sz="1600" dirty="0" err="1"/>
+              <a:t>벡터값은</a:t>
+            </a:r>
+            <a:r>
+              <a:rPr lang="ko-KR" altLang="en-US" sz="1600" dirty="0"/>
+              <a:t> </a:t>
+            </a:r>
+            <a:r>
+              <a:rPr lang="ko-KR" altLang="en-US" sz="1600" dirty="0" err="1"/>
+              <a:t>벡터값들의</a:t>
+            </a:r>
+            <a:r>
+              <a:rPr lang="ko-KR" altLang="en-US" sz="1600" dirty="0"/>
+              <a:t> 총 합으로 구성함</a:t>
+            </a:r>
+            <a:endParaRPr lang="en-US" altLang="ko-KR" sz="1600" dirty="0"/>
+          </a:p>
+        </p:txBody>
+      </p:sp>
+      <p:pic>
+        <p:nvPicPr>
+          <p:cNvPr id="2" name="그림 1">
+            <a:extLst>
+              <a:ext uri="{FF2B5EF4-FFF2-40B4-BE49-F238E27FC236}">
+                <a16:creationId xmlns:a16="http://schemas.microsoft.com/office/drawing/2014/main" id="{A167954E-E0D8-4850-B835-8C248EC6A7C6}"/>
+              </a:ext>
+            </a:extLst>
+          </p:cNvPr>
+          <p:cNvPicPr>
+            <a:picLocks noChangeAspect="1"/>
+          </p:cNvPicPr>
+          <p:nvPr/>
+        </p:nvPicPr>
+        <p:blipFill>
+          <a:blip r:embed="rId2"/>
+          <a:stretch>
+            <a:fillRect/>
+          </a:stretch>
+        </p:blipFill>
+        <p:spPr>
+          <a:xfrm>
+            <a:off x="7049517" y="2433313"/>
+            <a:ext cx="3171825" cy="1228725"/>
+          </a:xfrm>
+          <a:prstGeom prst="rect">
+            <a:avLst/>
+          </a:prstGeom>
+        </p:spPr>
+      </p:pic>
+      <p:pic>
+        <p:nvPicPr>
+          <p:cNvPr id="4" name="그림 3">
+            <a:extLst>
+              <a:ext uri="{FF2B5EF4-FFF2-40B4-BE49-F238E27FC236}">
+                <a16:creationId xmlns:a16="http://schemas.microsoft.com/office/drawing/2014/main" id="{DCF77EA8-03DA-483A-B354-4B33CA971F63}"/>
+              </a:ext>
+            </a:extLst>
+          </p:cNvPr>
+          <p:cNvPicPr>
+            <a:picLocks noChangeAspect="1"/>
+          </p:cNvPicPr>
+          <p:nvPr/>
+        </p:nvPicPr>
+        <p:blipFill>
+          <a:blip r:embed="rId3"/>
+          <a:stretch>
+            <a:fillRect/>
+          </a:stretch>
+        </p:blipFill>
+        <p:spPr>
+          <a:xfrm>
+            <a:off x="701984" y="5227468"/>
+            <a:ext cx="6686550" cy="609600"/>
+          </a:xfrm>
+          <a:prstGeom prst="rect">
+            <a:avLst/>
+          </a:prstGeom>
+        </p:spPr>
+      </p:pic>
+      <p:pic>
+        <p:nvPicPr>
+          <p:cNvPr id="5" name="그림 4">
+            <a:extLst>
+              <a:ext uri="{FF2B5EF4-FFF2-40B4-BE49-F238E27FC236}">
+                <a16:creationId xmlns:a16="http://schemas.microsoft.com/office/drawing/2014/main" id="{92F48CB8-C88F-49E1-8F0E-7EC0FBEFF580}"/>
+              </a:ext>
+            </a:extLst>
+          </p:cNvPr>
+          <p:cNvPicPr>
+            <a:picLocks noChangeAspect="1"/>
+          </p:cNvPicPr>
+          <p:nvPr/>
+        </p:nvPicPr>
+        <p:blipFill>
+          <a:blip r:embed="rId4"/>
+          <a:stretch>
+            <a:fillRect/>
+          </a:stretch>
+        </p:blipFill>
+        <p:spPr>
+          <a:xfrm>
+            <a:off x="701984" y="6023313"/>
+            <a:ext cx="7953375" cy="361950"/>
+          </a:xfrm>
+          <a:prstGeom prst="rect">
+            <a:avLst/>
+          </a:prstGeom>
+        </p:spPr>
+      </p:pic>
+      <p:pic>
+        <p:nvPicPr>
+          <p:cNvPr id="10" name="그림 9">
+            <a:extLst>
+              <a:ext uri="{FF2B5EF4-FFF2-40B4-BE49-F238E27FC236}">
+                <a16:creationId xmlns:a16="http://schemas.microsoft.com/office/drawing/2014/main" id="{691467B4-63E9-4EE3-B691-7126628B3366}"/>
+              </a:ext>
+            </a:extLst>
+          </p:cNvPr>
+          <p:cNvPicPr>
+            <a:picLocks noChangeAspect="1"/>
+          </p:cNvPicPr>
+          <p:nvPr/>
+        </p:nvPicPr>
+        <p:blipFill>
+          <a:blip r:embed="rId5"/>
+          <a:stretch>
+            <a:fillRect/>
+          </a:stretch>
+        </p:blipFill>
+        <p:spPr>
+          <a:xfrm>
+            <a:off x="7900849" y="4169466"/>
+            <a:ext cx="3995230" cy="1577236"/>
+          </a:xfrm>
+          <a:prstGeom prst="rect">
+            <a:avLst/>
+          </a:prstGeom>
+        </p:spPr>
+      </p:pic>
+    </p:spTree>
+    <p:extLst>
+      <p:ext uri="{BB962C8B-B14F-4D97-AF65-F5344CB8AC3E}">
+        <p14:creationId xmlns:p14="http://schemas.microsoft.com/office/powerpoint/2010/main" val="3616207350"/>
+      </p:ext>
+    </p:extLst>
+  </p:cSld>
+  <p:clrMapOvr>
+    <a:masterClrMapping/>
+  </p:clrMapOvr>
+</p:sld>
+</file>
+
+<file path=ppt/slides/slide23.xml><?xml version="1.0" encoding="utf-8"?>
+<p:sld xmlns:a="http://schemas.openxmlformats.org/drawingml/2006/main" xmlns:r="http://schemas.openxmlformats.org/officeDocument/2006/relationships" xmlns:p="http://schemas.openxmlformats.org/presentationml/2006/main">
+  <p:cSld>
+    <p:spTree>
+      <p:nvGrpSpPr>
+        <p:cNvPr id="1" name=""/>
+        <p:cNvGrpSpPr/>
+        <p:nvPr/>
+      </p:nvGrpSpPr>
+      <p:grpSpPr>
+        <a:xfrm>
+          <a:off x="0" y="0"/>
+          <a:ext cx="0" cy="0"/>
+          <a:chOff x="0" y="0"/>
+          <a:chExt cx="0" cy="0"/>
+        </a:xfrm>
+      </p:grpSpPr>
+      <p:sp>
+        <p:nvSpPr>
+          <p:cNvPr id="8" name="제목 7">
+            <a:extLst>
+              <a:ext uri="{FF2B5EF4-FFF2-40B4-BE49-F238E27FC236}">
+                <a16:creationId xmlns:a16="http://schemas.microsoft.com/office/drawing/2014/main" id="{1EBC8A9E-6D7F-4DEE-8D5B-8555698ED38F}"/>
+              </a:ext>
+            </a:extLst>
+          </p:cNvPr>
+          <p:cNvSpPr>
+            <a:spLocks noGrp="1"/>
+          </p:cNvSpPr>
+          <p:nvPr>
+            <p:ph type="title"/>
+          </p:nvPr>
+        </p:nvSpPr>
+        <p:spPr>
+          <a:xfrm>
+            <a:off x="500849" y="193907"/>
+            <a:ext cx="10515600" cy="549274"/>
+          </a:xfrm>
+        </p:spPr>
+        <p:txBody>
+          <a:bodyPr vert="horz" lIns="91440" tIns="45720" rIns="91440" bIns="45720" rtlCol="0" anchor="ctr">
+            <a:normAutofit/>
+          </a:bodyPr>
+          <a:lstStyle/>
+          <a:p>
+            <a:r>
+              <a:rPr lang="ko-KR" altLang="en-US" sz="2400" dirty="0" err="1"/>
+              <a:t>패스트텍스트</a:t>
+            </a:r>
+            <a:r>
+              <a:rPr lang="en-US" altLang="ko-KR" sz="2400" dirty="0"/>
+              <a:t>(</a:t>
+            </a:r>
+            <a:r>
+              <a:rPr lang="en-US" altLang="ko-KR" sz="2400" dirty="0" err="1"/>
+              <a:t>FastText</a:t>
+            </a:r>
+            <a:r>
+              <a:rPr lang="en-US" altLang="ko-KR" sz="2400" dirty="0"/>
+              <a:t>)</a:t>
+            </a:r>
+            <a:endParaRPr lang="ko-KR" altLang="en-US" sz="2400" dirty="0"/>
+          </a:p>
+        </p:txBody>
+      </p:sp>
+      <p:sp>
+        <p:nvSpPr>
+          <p:cNvPr id="9" name="내용 개체 틀 8">
+            <a:extLst>
+              <a:ext uri="{FF2B5EF4-FFF2-40B4-BE49-F238E27FC236}">
+                <a16:creationId xmlns:a16="http://schemas.microsoft.com/office/drawing/2014/main" id="{AC52E4BD-EAD4-49EF-BC01-909989F863A1}"/>
+              </a:ext>
+            </a:extLst>
+          </p:cNvPr>
+          <p:cNvSpPr>
+            <a:spLocks noGrp="1"/>
+          </p:cNvSpPr>
+          <p:nvPr>
+            <p:ph idx="1"/>
+          </p:nvPr>
+        </p:nvSpPr>
+        <p:spPr>
+          <a:xfrm>
+            <a:off x="500849" y="941033"/>
+            <a:ext cx="10852951" cy="5442011"/>
+          </a:xfrm>
+        </p:spPr>
+        <p:txBody>
+          <a:bodyPr>
+            <a:normAutofit/>
+          </a:bodyPr>
+          <a:lstStyle/>
+          <a:p>
+            <a:pPr marL="0" indent="0">
+              <a:buNone/>
+            </a:pPr>
+            <a:r>
+              <a:rPr lang="ko-KR" altLang="en-US" sz="1800" b="1" dirty="0"/>
+              <a:t>모르는 단어</a:t>
+            </a:r>
+            <a:r>
+              <a:rPr lang="en-US" altLang="ko-KR" sz="1800" b="1" dirty="0"/>
+              <a:t>(out of vocabulary, OOV)</a:t>
+            </a:r>
+            <a:r>
+              <a:rPr lang="ko-KR" altLang="en-US" sz="1800" dirty="0"/>
+              <a:t>에 대한 대응</a:t>
+            </a:r>
+            <a:endParaRPr lang="en-US" altLang="ko-KR" sz="1800" dirty="0"/>
+          </a:p>
+          <a:p>
+            <a:pPr>
+              <a:buFontTx/>
+              <a:buChar char="-"/>
+            </a:pPr>
+            <a:r>
+              <a:rPr lang="en-US" altLang="ko-KR" sz="1600" dirty="0" err="1"/>
+              <a:t>FastText</a:t>
+            </a:r>
+            <a:r>
+              <a:rPr lang="ko-KR" altLang="en-US" sz="1600" dirty="0"/>
+              <a:t>의 인공 신경망을 학습한 후에는 데이터 셋의 모든 단어의 각 </a:t>
+            </a:r>
+            <a:r>
+              <a:rPr lang="en-US" altLang="ko-KR" sz="1600" dirty="0"/>
+              <a:t>n-gram</a:t>
+            </a:r>
+            <a:r>
+              <a:rPr lang="ko-KR" altLang="en-US" sz="1600" dirty="0"/>
+              <a:t>에 대해서 워드 </a:t>
+            </a:r>
+            <a:r>
+              <a:rPr lang="ko-KR" altLang="en-US" sz="1600" dirty="0" err="1"/>
+              <a:t>임베딩이</a:t>
+            </a:r>
+            <a:r>
+              <a:rPr lang="ko-KR" altLang="en-US" sz="1600" dirty="0"/>
+              <a:t> 됨</a:t>
+            </a:r>
+            <a:r>
+              <a:rPr lang="en-US" altLang="ko-KR" sz="1600" dirty="0"/>
+              <a:t>.</a:t>
+            </a:r>
+          </a:p>
+          <a:p>
+            <a:pPr>
+              <a:buFontTx/>
+              <a:buChar char="-"/>
+            </a:pPr>
+            <a:r>
+              <a:rPr lang="en-US" altLang="ko-KR" sz="1600" dirty="0" err="1"/>
+              <a:t>subword</a:t>
+            </a:r>
+            <a:r>
+              <a:rPr lang="ko-KR" altLang="en-US" sz="1600" dirty="0"/>
+              <a:t>를 통해 모르는 단어</a:t>
+            </a:r>
+            <a:r>
+              <a:rPr lang="en-US" altLang="ko-KR" sz="1600" dirty="0"/>
+              <a:t>(OOV)</a:t>
+            </a:r>
+            <a:r>
+              <a:rPr lang="ko-KR" altLang="en-US" sz="1600" dirty="0"/>
+              <a:t>에 대해서도 다른 단어와의 유사도를 계산할 수 있음</a:t>
+            </a:r>
+            <a:r>
+              <a:rPr lang="en-US" altLang="ko-KR" sz="1600" dirty="0"/>
+              <a:t>.</a:t>
+            </a:r>
+          </a:p>
+          <a:p>
+            <a:pPr>
+              <a:buFontTx/>
+              <a:buChar char="-"/>
+            </a:pPr>
+            <a:r>
+              <a:rPr lang="en-US" altLang="ko-KR" sz="1600" dirty="0"/>
+              <a:t>Ex. ‘birthplace’</a:t>
+            </a:r>
+            <a:r>
+              <a:rPr lang="ko-KR" altLang="en-US" sz="1600" dirty="0"/>
+              <a:t>는 학습되지 않고</a:t>
+            </a:r>
+            <a:r>
+              <a:rPr lang="en-US" altLang="ko-KR" sz="1600" dirty="0"/>
+              <a:t>, ‘birth’</a:t>
+            </a:r>
+            <a:r>
+              <a:rPr lang="ko-KR" altLang="en-US" sz="1600" dirty="0"/>
+              <a:t>와 </a:t>
+            </a:r>
+            <a:r>
+              <a:rPr lang="en-US" altLang="ko-KR" sz="1600" dirty="0"/>
+              <a:t>‘place’</a:t>
+            </a:r>
+            <a:r>
+              <a:rPr lang="ko-KR" altLang="en-US" sz="1600" dirty="0"/>
+              <a:t>는</a:t>
+            </a:r>
+            <a:r>
+              <a:rPr lang="en-US" altLang="ko-KR" sz="1600" dirty="0"/>
+              <a:t> </a:t>
+            </a:r>
+            <a:r>
+              <a:rPr lang="ko-KR" altLang="en-US" sz="1600" dirty="0"/>
+              <a:t>되었다면</a:t>
+            </a:r>
+            <a:r>
+              <a:rPr lang="en-US" altLang="ko-KR" sz="1600" dirty="0"/>
+              <a:t>, </a:t>
+            </a:r>
+            <a:r>
+              <a:rPr lang="en-US" altLang="ko-KR" sz="1600" dirty="0" err="1"/>
+              <a:t>FastText</a:t>
+            </a:r>
+            <a:r>
+              <a:rPr lang="ko-KR" altLang="en-US" sz="1600" dirty="0"/>
+              <a:t>는 </a:t>
+            </a:r>
+            <a:r>
+              <a:rPr lang="en-US" altLang="ko-KR" sz="1600" dirty="0"/>
+              <a:t>‘birthplace’ </a:t>
+            </a:r>
+            <a:r>
+              <a:rPr lang="ko-KR" altLang="en-US" sz="1600" dirty="0"/>
+              <a:t>벡터를 얻을 수 있음</a:t>
+            </a:r>
+            <a:r>
+              <a:rPr lang="en-US" altLang="ko-KR" sz="1600" dirty="0"/>
+              <a:t>.</a:t>
+            </a:r>
+          </a:p>
+          <a:p>
+            <a:pPr>
+              <a:buFontTx/>
+              <a:buChar char="-"/>
+            </a:pPr>
+            <a:endParaRPr lang="en-US" altLang="ko-KR" sz="1600" dirty="0"/>
+          </a:p>
+          <a:p>
+            <a:pPr>
+              <a:buFontTx/>
+              <a:buChar char="-"/>
+            </a:pPr>
+            <a:endParaRPr lang="en-US" altLang="ko-KR" sz="1600" dirty="0"/>
+          </a:p>
+        </p:txBody>
+      </p:sp>
+      <p:pic>
+        <p:nvPicPr>
+          <p:cNvPr id="3" name="그림 2">
+            <a:extLst>
+              <a:ext uri="{FF2B5EF4-FFF2-40B4-BE49-F238E27FC236}">
+                <a16:creationId xmlns:a16="http://schemas.microsoft.com/office/drawing/2014/main" id="{FDF29893-7AD3-4DCB-B4B0-35BE438FFAD8}"/>
+              </a:ext>
+            </a:extLst>
+          </p:cNvPr>
+          <p:cNvPicPr>
+            <a:picLocks noChangeAspect="1"/>
+          </p:cNvPicPr>
+          <p:nvPr/>
+        </p:nvPicPr>
+        <p:blipFill>
+          <a:blip r:embed="rId2"/>
+          <a:stretch>
+            <a:fillRect/>
+          </a:stretch>
+        </p:blipFill>
+        <p:spPr>
+          <a:xfrm>
+            <a:off x="500849" y="4284354"/>
+            <a:ext cx="3627268" cy="457284"/>
+          </a:xfrm>
+          <a:prstGeom prst="rect">
+            <a:avLst/>
+          </a:prstGeom>
+        </p:spPr>
+      </p:pic>
+      <p:pic>
+        <p:nvPicPr>
+          <p:cNvPr id="6" name="그림 5">
+            <a:extLst>
+              <a:ext uri="{FF2B5EF4-FFF2-40B4-BE49-F238E27FC236}">
+                <a16:creationId xmlns:a16="http://schemas.microsoft.com/office/drawing/2014/main" id="{BD650E5C-4084-4BC5-A3F8-6C632793CEFA}"/>
+              </a:ext>
+            </a:extLst>
+          </p:cNvPr>
+          <p:cNvPicPr>
+            <a:picLocks noChangeAspect="1"/>
+          </p:cNvPicPr>
+          <p:nvPr/>
+        </p:nvPicPr>
+        <p:blipFill>
+          <a:blip r:embed="rId3"/>
+          <a:stretch>
+            <a:fillRect/>
+          </a:stretch>
+        </p:blipFill>
+        <p:spPr>
+          <a:xfrm>
+            <a:off x="500849" y="4901960"/>
+            <a:ext cx="6885372" cy="1762133"/>
+          </a:xfrm>
+          <a:prstGeom prst="rect">
+            <a:avLst/>
+          </a:prstGeom>
+        </p:spPr>
+      </p:pic>
+      <p:sp>
+        <p:nvSpPr>
+          <p:cNvPr id="11" name="TextBox 10">
+            <a:extLst>
+              <a:ext uri="{FF2B5EF4-FFF2-40B4-BE49-F238E27FC236}">
+                <a16:creationId xmlns:a16="http://schemas.microsoft.com/office/drawing/2014/main" id="{F8BD5E7A-D103-4219-9E18-6B93FC7B1B8F}"/>
+              </a:ext>
+            </a:extLst>
+          </p:cNvPr>
+          <p:cNvSpPr txBox="1"/>
+          <p:nvPr/>
+        </p:nvSpPr>
+        <p:spPr>
+          <a:xfrm>
+            <a:off x="7501217" y="5015168"/>
+            <a:ext cx="1466710" cy="261610"/>
+          </a:xfrm>
+          <a:prstGeom prst="rect">
+            <a:avLst/>
+          </a:prstGeom>
+          <a:noFill/>
+          <a:ln>
+            <a:noFill/>
+          </a:ln>
+        </p:spPr>
+        <p:txBody>
+          <a:bodyPr wrap="square" rtlCol="0">
+            <a:spAutoFit/>
+          </a:bodyPr>
+          <a:lstStyle/>
+          <a:p>
+            <a:r>
+              <a:rPr lang="en-US" altLang="ko-KR" sz="1100" b="1" dirty="0" err="1"/>
+              <a:t>FastText</a:t>
+            </a:r>
+            <a:endParaRPr lang="en-US" altLang="ko-KR" sz="1100" b="1" dirty="0"/>
+          </a:p>
+        </p:txBody>
+      </p:sp>
+      <p:sp>
+        <p:nvSpPr>
+          <p:cNvPr id="12" name="TextBox 11">
+            <a:extLst>
+              <a:ext uri="{FF2B5EF4-FFF2-40B4-BE49-F238E27FC236}">
+                <a16:creationId xmlns:a16="http://schemas.microsoft.com/office/drawing/2014/main" id="{2D64BAB7-8D75-4EE6-9C96-F5A892618342}"/>
+              </a:ext>
+            </a:extLst>
+          </p:cNvPr>
+          <p:cNvSpPr txBox="1"/>
+          <p:nvPr/>
+        </p:nvSpPr>
+        <p:spPr>
+          <a:xfrm>
+            <a:off x="4197243" y="4374496"/>
+            <a:ext cx="1466710" cy="261610"/>
+          </a:xfrm>
+          <a:prstGeom prst="rect">
+            <a:avLst/>
+          </a:prstGeom>
+          <a:noFill/>
+          <a:ln>
+            <a:noFill/>
+          </a:ln>
+        </p:spPr>
+        <p:txBody>
+          <a:bodyPr wrap="square" rtlCol="0">
+            <a:spAutoFit/>
+          </a:bodyPr>
+          <a:lstStyle/>
+          <a:p>
+            <a:r>
+              <a:rPr lang="en-US" altLang="ko-KR" sz="1100" b="1" dirty="0"/>
+              <a:t>Word2Vec</a:t>
+            </a:r>
+          </a:p>
+        </p:txBody>
+      </p:sp>
+      <p:pic>
+        <p:nvPicPr>
+          <p:cNvPr id="2" name="그림 1">
+            <a:extLst>
+              <a:ext uri="{FF2B5EF4-FFF2-40B4-BE49-F238E27FC236}">
+                <a16:creationId xmlns:a16="http://schemas.microsoft.com/office/drawing/2014/main" id="{9B9F77CE-B2F5-4507-B5E4-4822961BF2AE}"/>
+              </a:ext>
+            </a:extLst>
+          </p:cNvPr>
+          <p:cNvPicPr>
+            <a:picLocks noChangeAspect="1"/>
+          </p:cNvPicPr>
+          <p:nvPr/>
+        </p:nvPicPr>
+        <p:blipFill>
+          <a:blip r:embed="rId4"/>
+          <a:stretch>
+            <a:fillRect/>
+          </a:stretch>
+        </p:blipFill>
+        <p:spPr>
+          <a:xfrm>
+            <a:off x="410222" y="2295169"/>
+            <a:ext cx="4987401" cy="1881475"/>
+          </a:xfrm>
+          <a:prstGeom prst="rect">
+            <a:avLst/>
+          </a:prstGeom>
+        </p:spPr>
+      </p:pic>
+    </p:spTree>
+    <p:extLst>
+      <p:ext uri="{BB962C8B-B14F-4D97-AF65-F5344CB8AC3E}">
+        <p14:creationId xmlns:p14="http://schemas.microsoft.com/office/powerpoint/2010/main" val="2651907431"/>
+      </p:ext>
+    </p:extLst>
+  </p:cSld>
+  <p:clrMapOvr>
+    <a:masterClrMapping/>
+  </p:clrMapOvr>
+</p:sld>
+</file>
+
+<file path=ppt/slides/slide24.xml><?xml version="1.0" encoding="utf-8"?>
+<p:sld xmlns:a="http://schemas.openxmlformats.org/drawingml/2006/main" xmlns:r="http://schemas.openxmlformats.org/officeDocument/2006/relationships" xmlns:p="http://schemas.openxmlformats.org/presentationml/2006/main">
+  <p:cSld>
+    <p:spTree>
+      <p:nvGrpSpPr>
+        <p:cNvPr id="1" name=""/>
+        <p:cNvGrpSpPr/>
+        <p:nvPr/>
+      </p:nvGrpSpPr>
+      <p:grpSpPr>
+        <a:xfrm>
+          <a:off x="0" y="0"/>
+          <a:ext cx="0" cy="0"/>
+          <a:chOff x="0" y="0"/>
+          <a:chExt cx="0" cy="0"/>
+        </a:xfrm>
+      </p:grpSpPr>
+      <p:sp>
+        <p:nvSpPr>
+          <p:cNvPr id="8" name="제목 7">
+            <a:extLst>
+              <a:ext uri="{FF2B5EF4-FFF2-40B4-BE49-F238E27FC236}">
+                <a16:creationId xmlns:a16="http://schemas.microsoft.com/office/drawing/2014/main" id="{1EBC8A9E-6D7F-4DEE-8D5B-8555698ED38F}"/>
+              </a:ext>
+            </a:extLst>
+          </p:cNvPr>
+          <p:cNvSpPr>
+            <a:spLocks noGrp="1"/>
+          </p:cNvSpPr>
+          <p:nvPr>
+            <p:ph type="title"/>
+          </p:nvPr>
+        </p:nvSpPr>
+        <p:spPr>
+          <a:xfrm>
+            <a:off x="500849" y="193907"/>
+            <a:ext cx="10515600" cy="549274"/>
+          </a:xfrm>
+        </p:spPr>
+        <p:txBody>
+          <a:bodyPr vert="horz" lIns="91440" tIns="45720" rIns="91440" bIns="45720" rtlCol="0" anchor="ctr">
+            <a:normAutofit/>
+          </a:bodyPr>
+          <a:lstStyle/>
+          <a:p>
+            <a:r>
+              <a:rPr lang="ko-KR" altLang="en-US" sz="2400" dirty="0" err="1"/>
+              <a:t>패스트텍스트</a:t>
+            </a:r>
+            <a:r>
+              <a:rPr lang="en-US" altLang="ko-KR" sz="2400" dirty="0"/>
+              <a:t>(</a:t>
+            </a:r>
+            <a:r>
+              <a:rPr lang="en-US" altLang="ko-KR" sz="2400" dirty="0" err="1"/>
+              <a:t>FastText</a:t>
+            </a:r>
+            <a:r>
+              <a:rPr lang="en-US" altLang="ko-KR" sz="2400" dirty="0"/>
+              <a:t>)</a:t>
+            </a:r>
+            <a:endParaRPr lang="ko-KR" altLang="en-US" sz="2400" dirty="0"/>
+          </a:p>
+        </p:txBody>
+      </p:sp>
+      <p:sp>
+        <p:nvSpPr>
+          <p:cNvPr id="9" name="내용 개체 틀 8">
+            <a:extLst>
+              <a:ext uri="{FF2B5EF4-FFF2-40B4-BE49-F238E27FC236}">
+                <a16:creationId xmlns:a16="http://schemas.microsoft.com/office/drawing/2014/main" id="{AC52E4BD-EAD4-49EF-BC01-909989F863A1}"/>
+              </a:ext>
+            </a:extLst>
+          </p:cNvPr>
+          <p:cNvSpPr>
+            <a:spLocks noGrp="1"/>
+          </p:cNvSpPr>
+          <p:nvPr>
+            <p:ph idx="1"/>
+          </p:nvPr>
+        </p:nvSpPr>
+        <p:spPr>
+          <a:xfrm>
+            <a:off x="500849" y="941033"/>
+            <a:ext cx="10852951" cy="5442011"/>
+          </a:xfrm>
+        </p:spPr>
+        <p:txBody>
+          <a:bodyPr>
+            <a:normAutofit/>
+          </a:bodyPr>
+          <a:lstStyle/>
+          <a:p>
+            <a:pPr marL="0" indent="0">
+              <a:buNone/>
+            </a:pPr>
+            <a:r>
+              <a:rPr lang="ko-KR" altLang="en-US" sz="1800" b="1" dirty="0"/>
+              <a:t>빈도 수가 적었던 단어</a:t>
+            </a:r>
+            <a:r>
+              <a:rPr lang="en-US" altLang="ko-KR" sz="1800" b="1" dirty="0"/>
+              <a:t>(rare word)</a:t>
+            </a:r>
+            <a:r>
+              <a:rPr lang="ko-KR" altLang="en-US" sz="1800" dirty="0"/>
+              <a:t>에 대한 대응</a:t>
+            </a:r>
+            <a:endParaRPr lang="en-US" altLang="ko-KR" sz="1800" dirty="0"/>
+          </a:p>
+          <a:p>
+            <a:pPr>
+              <a:buFontTx/>
+              <a:buChar char="-"/>
+            </a:pPr>
+            <a:r>
+              <a:rPr lang="en-US" altLang="ko-KR" sz="1600" dirty="0"/>
+              <a:t>Word2Vec</a:t>
+            </a:r>
+            <a:r>
+              <a:rPr lang="ko-KR" altLang="en-US" sz="1600" dirty="0"/>
+              <a:t>은 등장 빈도가 적은 단어에 대해 </a:t>
+            </a:r>
+            <a:r>
+              <a:rPr lang="ko-KR" altLang="en-US" sz="1600" dirty="0" err="1"/>
+              <a:t>임베딩</a:t>
+            </a:r>
+            <a:r>
+              <a:rPr lang="ko-KR" altLang="en-US" sz="1600" dirty="0"/>
+              <a:t> 정확도가 낮음</a:t>
+            </a:r>
+            <a:r>
+              <a:rPr lang="en-US" altLang="ko-KR" sz="1600" dirty="0"/>
+              <a:t>.</a:t>
+            </a:r>
+          </a:p>
+          <a:p>
+            <a:pPr>
+              <a:buFontTx/>
+              <a:buChar char="-"/>
+            </a:pPr>
+            <a:r>
+              <a:rPr lang="ko-KR" altLang="en-US" sz="1600" dirty="0"/>
+              <a:t>하지만 </a:t>
+            </a:r>
+            <a:r>
+              <a:rPr lang="en-US" altLang="ko-KR" sz="1600" dirty="0" err="1"/>
+              <a:t>FastText</a:t>
+            </a:r>
+            <a:r>
+              <a:rPr lang="ko-KR" altLang="en-US" sz="1600" dirty="0"/>
+              <a:t>는 그 단어의 </a:t>
+            </a:r>
+            <a:r>
+              <a:rPr lang="en-US" altLang="ko-KR" sz="1600" dirty="0"/>
+              <a:t>n-gram</a:t>
+            </a:r>
+            <a:r>
+              <a:rPr lang="ko-KR" altLang="en-US" sz="1600" dirty="0"/>
+              <a:t>이 다른 단어의 </a:t>
+            </a:r>
+            <a:r>
+              <a:rPr lang="en-US" altLang="ko-KR" sz="1600" dirty="0"/>
+              <a:t>n-gram</a:t>
+            </a:r>
+            <a:r>
+              <a:rPr lang="ko-KR" altLang="en-US" sz="1600" dirty="0"/>
+              <a:t>과 겹치면 정확도 상승</a:t>
+            </a:r>
+            <a:endParaRPr lang="en-US" altLang="ko-KR" sz="1600" dirty="0"/>
+          </a:p>
+          <a:p>
+            <a:pPr>
+              <a:buFontTx/>
+              <a:buChar char="-"/>
+            </a:pPr>
+            <a:r>
+              <a:rPr lang="ko-KR" altLang="en-US" sz="1600" dirty="0"/>
+              <a:t>또한 노이즈</a:t>
+            </a:r>
+            <a:r>
+              <a:rPr lang="en-US" altLang="ko-KR" sz="1600" dirty="0"/>
+              <a:t>(</a:t>
+            </a:r>
+            <a:r>
+              <a:rPr lang="ko-KR" altLang="en-US" sz="1600" dirty="0"/>
+              <a:t>오타 등</a:t>
+            </a:r>
+            <a:r>
+              <a:rPr lang="en-US" altLang="ko-KR" sz="1600" dirty="0"/>
+              <a:t>)</a:t>
+            </a:r>
+            <a:r>
+              <a:rPr lang="ko-KR" altLang="en-US" sz="1600" dirty="0"/>
+              <a:t>가 많은 코퍼스에서 강점을 가짐</a:t>
+            </a:r>
+            <a:r>
+              <a:rPr lang="en-US" altLang="ko-KR" sz="1600" dirty="0"/>
+              <a:t>. (ex. </a:t>
+            </a:r>
+            <a:r>
+              <a:rPr lang="en-US" altLang="ko-KR" sz="1600" dirty="0" err="1"/>
+              <a:t>oranze</a:t>
+            </a:r>
+            <a:r>
+              <a:rPr lang="en-US" altLang="ko-KR" sz="1600" dirty="0"/>
+              <a:t>)</a:t>
+            </a:r>
+          </a:p>
+          <a:p>
+            <a:pPr>
+              <a:buFontTx/>
+              <a:buChar char="-"/>
+            </a:pPr>
+            <a:endParaRPr lang="en-US" altLang="ko-KR" sz="1600" dirty="0"/>
+          </a:p>
+        </p:txBody>
+      </p:sp>
+      <p:pic>
+        <p:nvPicPr>
+          <p:cNvPr id="10" name="그림 9">
+            <a:extLst>
+              <a:ext uri="{FF2B5EF4-FFF2-40B4-BE49-F238E27FC236}">
+                <a16:creationId xmlns:a16="http://schemas.microsoft.com/office/drawing/2014/main" id="{6CBC6C4F-D8B6-4726-8A41-C5B274EE8F6A}"/>
+              </a:ext>
+            </a:extLst>
+          </p:cNvPr>
+          <p:cNvPicPr>
+            <a:picLocks noChangeAspect="1"/>
+          </p:cNvPicPr>
+          <p:nvPr/>
+        </p:nvPicPr>
+        <p:blipFill>
+          <a:blip r:embed="rId2"/>
+          <a:stretch>
+            <a:fillRect/>
+          </a:stretch>
+        </p:blipFill>
+        <p:spPr>
+          <a:xfrm>
+            <a:off x="838200" y="2334724"/>
+            <a:ext cx="4896821" cy="1939978"/>
+          </a:xfrm>
+          <a:prstGeom prst="rect">
+            <a:avLst/>
+          </a:prstGeom>
+        </p:spPr>
+      </p:pic>
+    </p:spTree>
+    <p:extLst>
+      <p:ext uri="{BB962C8B-B14F-4D97-AF65-F5344CB8AC3E}">
+        <p14:creationId xmlns:p14="http://schemas.microsoft.com/office/powerpoint/2010/main" val="34283695"/>
+      </p:ext>
+    </p:extLst>
+  </p:cSld>
+  <p:clrMapOvr>
+    <a:masterClrMapping/>
+  </p:clrMapOvr>
+</p:sld>
+</file>
+
+<file path=ppt/slides/slide25.xml><?xml version="1.0" encoding="utf-8"?>
+<p:sld xmlns:a="http://schemas.openxmlformats.org/drawingml/2006/main" xmlns:r="http://schemas.openxmlformats.org/officeDocument/2006/relationships" xmlns:p="http://schemas.openxmlformats.org/presentationml/2006/main">
+  <p:cSld>
+    <p:spTree>
+      <p:nvGrpSpPr>
+        <p:cNvPr id="1" name=""/>
+        <p:cNvGrpSpPr/>
+        <p:nvPr/>
+      </p:nvGrpSpPr>
+      <p:grpSpPr>
+        <a:xfrm>
+          <a:off x="0" y="0"/>
+          <a:ext cx="0" cy="0"/>
+          <a:chOff x="0" y="0"/>
+          <a:chExt cx="0" cy="0"/>
+        </a:xfrm>
+      </p:grpSpPr>
+      <p:sp>
+        <p:nvSpPr>
+          <p:cNvPr id="8" name="제목 7">
+            <a:extLst>
+              <a:ext uri="{FF2B5EF4-FFF2-40B4-BE49-F238E27FC236}">
+                <a16:creationId xmlns:a16="http://schemas.microsoft.com/office/drawing/2014/main" id="{1EBC8A9E-6D7F-4DEE-8D5B-8555698ED38F}"/>
+              </a:ext>
+            </a:extLst>
+          </p:cNvPr>
+          <p:cNvSpPr>
+            <a:spLocks noGrp="1"/>
+          </p:cNvSpPr>
+          <p:nvPr>
+            <p:ph type="title"/>
+          </p:nvPr>
+        </p:nvSpPr>
+        <p:spPr>
+          <a:xfrm>
+            <a:off x="500849" y="193907"/>
+            <a:ext cx="10515600" cy="549274"/>
+          </a:xfrm>
+        </p:spPr>
+        <p:txBody>
+          <a:bodyPr vert="horz" lIns="91440" tIns="45720" rIns="91440" bIns="45720" rtlCol="0" anchor="ctr">
+            <a:normAutofit/>
+          </a:bodyPr>
+          <a:lstStyle/>
+          <a:p>
+            <a:r>
+              <a:rPr lang="ko-KR" altLang="en-US" sz="2400" dirty="0" err="1"/>
+              <a:t>패스트텍스트</a:t>
+            </a:r>
+            <a:r>
+              <a:rPr lang="en-US" altLang="ko-KR" sz="2400" dirty="0"/>
+              <a:t>(</a:t>
+            </a:r>
+            <a:r>
+              <a:rPr lang="en-US" altLang="ko-KR" sz="2400" dirty="0" err="1"/>
+              <a:t>FastText</a:t>
+            </a:r>
+            <a:r>
+              <a:rPr lang="en-US" altLang="ko-KR" sz="2400" dirty="0"/>
+              <a:t>)</a:t>
+            </a:r>
+            <a:endParaRPr lang="ko-KR" altLang="en-US" sz="2400" dirty="0"/>
+          </a:p>
+        </p:txBody>
+      </p:sp>
+      <p:sp>
+        <p:nvSpPr>
+          <p:cNvPr id="9" name="내용 개체 틀 8">
+            <a:extLst>
+              <a:ext uri="{FF2B5EF4-FFF2-40B4-BE49-F238E27FC236}">
+                <a16:creationId xmlns:a16="http://schemas.microsoft.com/office/drawing/2014/main" id="{AC52E4BD-EAD4-49EF-BC01-909989F863A1}"/>
+              </a:ext>
+            </a:extLst>
+          </p:cNvPr>
+          <p:cNvSpPr>
+            <a:spLocks noGrp="1"/>
+          </p:cNvSpPr>
+          <p:nvPr>
+            <p:ph idx="1"/>
+          </p:nvPr>
+        </p:nvSpPr>
+        <p:spPr>
+          <a:xfrm>
+            <a:off x="500849" y="941033"/>
+            <a:ext cx="10852951" cy="5442011"/>
+          </a:xfrm>
+        </p:spPr>
+        <p:txBody>
+          <a:bodyPr>
+            <a:normAutofit/>
+          </a:bodyPr>
+          <a:lstStyle/>
+          <a:p>
+            <a:pPr marL="0" indent="0">
+              <a:buNone/>
+            </a:pPr>
+            <a:r>
+              <a:rPr lang="ko-KR" altLang="en-US" sz="1800" b="1" dirty="0"/>
+              <a:t>한국어 </a:t>
+            </a:r>
+            <a:r>
+              <a:rPr lang="en-US" altLang="ko-KR" sz="1800" b="1" dirty="0" err="1"/>
+              <a:t>FastText</a:t>
+            </a:r>
+            <a:endParaRPr lang="en-US" altLang="ko-KR" sz="1800" b="1" dirty="0"/>
+          </a:p>
+          <a:p>
+            <a:pPr marL="0" indent="0">
+              <a:buNone/>
+            </a:pPr>
+            <a:endParaRPr lang="en-US" altLang="ko-KR" sz="1800" b="1" dirty="0"/>
+          </a:p>
+          <a:p>
+            <a:pPr marL="0" indent="0">
+              <a:buNone/>
+            </a:pPr>
+            <a:r>
+              <a:rPr lang="ko-KR" altLang="en-US" sz="1800" b="1" dirty="0"/>
+              <a:t>음절 단위</a:t>
+            </a:r>
+            <a:endParaRPr lang="en-US" altLang="ko-KR" sz="1800" b="1" dirty="0"/>
+          </a:p>
+          <a:p>
+            <a:pPr marL="0" indent="0">
+              <a:buNone/>
+            </a:pPr>
+            <a:r>
+              <a:rPr lang="en-US" altLang="ko-KR" sz="1800" dirty="0"/>
+              <a:t>‘</a:t>
+            </a:r>
+            <a:r>
+              <a:rPr lang="ko-KR" altLang="en-US" sz="1800" dirty="0"/>
+              <a:t>자연어처리</a:t>
+            </a:r>
+            <a:r>
+              <a:rPr lang="en-US" altLang="ko-KR" sz="1800" dirty="0"/>
+              <a:t>’ n=3</a:t>
+            </a:r>
+          </a:p>
+          <a:p>
+            <a:pPr marL="0" indent="0">
+              <a:buNone/>
+            </a:pPr>
+            <a:endParaRPr lang="en-US" altLang="ko-KR" sz="1800" dirty="0"/>
+          </a:p>
+          <a:p>
+            <a:pPr marL="0" indent="0">
+              <a:buNone/>
+            </a:pPr>
+            <a:endParaRPr lang="en-US" altLang="ko-KR" sz="1800" dirty="0"/>
+          </a:p>
+          <a:p>
+            <a:pPr marL="0" indent="0">
+              <a:buNone/>
+            </a:pPr>
+            <a:r>
+              <a:rPr lang="ko-KR" altLang="en-US" sz="1800" b="1" dirty="0"/>
+              <a:t>자모</a:t>
+            </a:r>
+            <a:r>
+              <a:rPr lang="en-US" altLang="ko-KR" sz="1800" b="1" dirty="0"/>
+              <a:t> </a:t>
+            </a:r>
+            <a:r>
+              <a:rPr lang="ko-KR" altLang="en-US" sz="1800" b="1" dirty="0"/>
+              <a:t>단위</a:t>
+            </a:r>
+            <a:endParaRPr lang="en-US" altLang="ko-KR" sz="1800" b="1" dirty="0"/>
+          </a:p>
+          <a:p>
+            <a:pPr>
+              <a:buFontTx/>
+              <a:buChar char="-"/>
+            </a:pPr>
+            <a:r>
+              <a:rPr lang="ko-KR" altLang="en-US" sz="1600" dirty="0"/>
+              <a:t>자모 단위로 가게 되면 오타나 노이즈 측면에서 더 강한 </a:t>
+            </a:r>
+            <a:r>
+              <a:rPr lang="ko-KR" altLang="en-US" sz="1600" dirty="0" err="1"/>
+              <a:t>임베딩을</a:t>
+            </a:r>
+            <a:r>
+              <a:rPr lang="ko-KR" altLang="en-US" sz="1600" dirty="0"/>
+              <a:t> 기대</a:t>
+            </a:r>
+            <a:endParaRPr lang="en-US" altLang="ko-KR" sz="1600" dirty="0"/>
+          </a:p>
+          <a:p>
+            <a:pPr>
+              <a:buFontTx/>
+              <a:buChar char="-"/>
+            </a:pPr>
+            <a:r>
+              <a:rPr lang="ko-KR" altLang="en-US" sz="1600" dirty="0"/>
+              <a:t>한국어의 </a:t>
+            </a:r>
+            <a:r>
+              <a:rPr lang="ko-KR" altLang="en-US" sz="1600" dirty="0" err="1"/>
+              <a:t>오탈자는</a:t>
+            </a:r>
+            <a:r>
+              <a:rPr lang="ko-KR" altLang="en-US" sz="1600" dirty="0"/>
+              <a:t> 초</a:t>
+            </a:r>
+            <a:r>
+              <a:rPr lang="en-US" altLang="ko-KR" sz="1600" dirty="0"/>
+              <a:t>/</a:t>
+            </a:r>
+            <a:r>
+              <a:rPr lang="ko-KR" altLang="en-US" sz="1600" dirty="0"/>
+              <a:t>중</a:t>
+            </a:r>
+            <a:r>
+              <a:rPr lang="en-US" altLang="ko-KR" sz="1600" dirty="0"/>
+              <a:t>/</a:t>
+            </a:r>
+            <a:r>
+              <a:rPr lang="ko-KR" altLang="en-US" sz="1600" dirty="0"/>
+              <a:t>종성에서 한군데 정도가 틀리기 때문에 자음</a:t>
+            </a:r>
+            <a:r>
+              <a:rPr lang="en-US" altLang="ko-KR" sz="1600" dirty="0"/>
+              <a:t>/</a:t>
+            </a:r>
+            <a:r>
+              <a:rPr lang="ko-KR" altLang="en-US" sz="1600" dirty="0"/>
+              <a:t>모음을 풀어서 </a:t>
+            </a:r>
+            <a:r>
+              <a:rPr lang="en-US" altLang="ko-KR" sz="1600" dirty="0" err="1"/>
+              <a:t>FastText</a:t>
+            </a:r>
+            <a:r>
+              <a:rPr lang="ko-KR" altLang="en-US" sz="1600" dirty="0"/>
+              <a:t>를 학습하는게 좋음</a:t>
+            </a:r>
+            <a:endParaRPr lang="en-US" altLang="ko-KR" sz="1600" dirty="0"/>
+          </a:p>
+          <a:p>
+            <a:pPr>
+              <a:buFontTx/>
+              <a:buChar char="-"/>
+            </a:pPr>
+            <a:r>
+              <a:rPr lang="ko-KR" altLang="en-US" sz="1600" dirty="0" err="1"/>
+              <a:t>파이썬</a:t>
+            </a:r>
+            <a:r>
+              <a:rPr lang="ko-KR" altLang="en-US" sz="1600" dirty="0"/>
+              <a:t> </a:t>
+            </a:r>
+            <a:r>
+              <a:rPr lang="en-US" altLang="ko-KR" sz="1600" i="1" dirty="0" err="1"/>
+              <a:t>hgtk</a:t>
+            </a:r>
+            <a:r>
+              <a:rPr lang="ko-KR" altLang="en-US" sz="1600" dirty="0"/>
+              <a:t> 패키지 사용</a:t>
+            </a:r>
+            <a:endParaRPr lang="en-US" altLang="ko-KR" sz="1600" dirty="0"/>
+          </a:p>
+        </p:txBody>
+      </p:sp>
+      <p:pic>
+        <p:nvPicPr>
+          <p:cNvPr id="2" name="그림 1">
+            <a:extLst>
+              <a:ext uri="{FF2B5EF4-FFF2-40B4-BE49-F238E27FC236}">
+                <a16:creationId xmlns:a16="http://schemas.microsoft.com/office/drawing/2014/main" id="{EED22333-5052-4E1B-A298-90E39893536E}"/>
+              </a:ext>
+            </a:extLst>
+          </p:cNvPr>
+          <p:cNvPicPr>
+            <a:picLocks noChangeAspect="1"/>
+          </p:cNvPicPr>
+          <p:nvPr/>
+        </p:nvPicPr>
+        <p:blipFill>
+          <a:blip r:embed="rId2"/>
+          <a:stretch>
+            <a:fillRect/>
+          </a:stretch>
+        </p:blipFill>
+        <p:spPr>
+          <a:xfrm>
+            <a:off x="2706395" y="1841007"/>
+            <a:ext cx="2637962" cy="472228"/>
+          </a:xfrm>
+          <a:prstGeom prst="rect">
+            <a:avLst/>
+          </a:prstGeom>
+        </p:spPr>
+      </p:pic>
+      <p:pic>
+        <p:nvPicPr>
+          <p:cNvPr id="4" name="그림 3">
+            <a:extLst>
+              <a:ext uri="{FF2B5EF4-FFF2-40B4-BE49-F238E27FC236}">
+                <a16:creationId xmlns:a16="http://schemas.microsoft.com/office/drawing/2014/main" id="{7E904535-2B4C-402A-8BF0-FB955095C930}"/>
+              </a:ext>
+            </a:extLst>
+          </p:cNvPr>
+          <p:cNvPicPr>
+            <a:picLocks noChangeAspect="1"/>
+          </p:cNvPicPr>
+          <p:nvPr/>
+        </p:nvPicPr>
+        <p:blipFill>
+          <a:blip r:embed="rId3"/>
+          <a:stretch>
+            <a:fillRect/>
+          </a:stretch>
+        </p:blipFill>
+        <p:spPr>
+          <a:xfrm>
+            <a:off x="706676" y="4793479"/>
+            <a:ext cx="4828393" cy="674610"/>
+          </a:xfrm>
+          <a:prstGeom prst="rect">
+            <a:avLst/>
+          </a:prstGeom>
+        </p:spPr>
+      </p:pic>
+      <p:pic>
+        <p:nvPicPr>
+          <p:cNvPr id="5" name="그림 4">
+            <a:extLst>
+              <a:ext uri="{FF2B5EF4-FFF2-40B4-BE49-F238E27FC236}">
+                <a16:creationId xmlns:a16="http://schemas.microsoft.com/office/drawing/2014/main" id="{A9B4DA74-429F-48B6-A49D-738E095AB24A}"/>
+              </a:ext>
+            </a:extLst>
+          </p:cNvPr>
+          <p:cNvPicPr>
+            <a:picLocks noChangeAspect="1"/>
+          </p:cNvPicPr>
+          <p:nvPr/>
+        </p:nvPicPr>
+        <p:blipFill>
+          <a:blip r:embed="rId4"/>
+          <a:stretch>
+            <a:fillRect/>
+          </a:stretch>
+        </p:blipFill>
+        <p:spPr>
+          <a:xfrm>
+            <a:off x="5758649" y="1615158"/>
+            <a:ext cx="3989033" cy="863697"/>
+          </a:xfrm>
+          <a:prstGeom prst="rect">
+            <a:avLst/>
+          </a:prstGeom>
+        </p:spPr>
+      </p:pic>
+      <p:pic>
+        <p:nvPicPr>
+          <p:cNvPr id="6" name="그림 5">
+            <a:extLst>
+              <a:ext uri="{FF2B5EF4-FFF2-40B4-BE49-F238E27FC236}">
+                <a16:creationId xmlns:a16="http://schemas.microsoft.com/office/drawing/2014/main" id="{F2A01C36-E9F0-4D3C-9544-31DC1C386DEC}"/>
+              </a:ext>
+            </a:extLst>
+          </p:cNvPr>
+          <p:cNvPicPr>
+            <a:picLocks noChangeAspect="1"/>
+          </p:cNvPicPr>
+          <p:nvPr/>
+        </p:nvPicPr>
+        <p:blipFill>
+          <a:blip r:embed="rId5"/>
+          <a:stretch>
+            <a:fillRect/>
+          </a:stretch>
+        </p:blipFill>
+        <p:spPr>
+          <a:xfrm>
+            <a:off x="6261949" y="4615880"/>
+            <a:ext cx="3583387" cy="1512626"/>
+          </a:xfrm>
+          <a:prstGeom prst="rect">
+            <a:avLst/>
+          </a:prstGeom>
+        </p:spPr>
+      </p:pic>
+    </p:spTree>
+    <p:extLst>
+      <p:ext uri="{BB962C8B-B14F-4D97-AF65-F5344CB8AC3E}">
+        <p14:creationId xmlns:p14="http://schemas.microsoft.com/office/powerpoint/2010/main" val="3635041902"/>
+      </p:ext>
+    </p:extLst>
+  </p:cSld>
+  <p:clrMapOvr>
+    <a:masterClrMapping/>
+  </p:clrMapOvr>
+</p:sld>
+</file>
+
+<file path=ppt/slides/slide26.xml><?xml version="1.0" encoding="utf-8"?>
+<p:sld xmlns:a="http://schemas.openxmlformats.org/drawingml/2006/main" xmlns:r="http://schemas.openxmlformats.org/officeDocument/2006/relationships" xmlns:p="http://schemas.openxmlformats.org/presentationml/2006/main">
+  <p:cSld>
+    <p:spTree>
+      <p:nvGrpSpPr>
+        <p:cNvPr id="1" name=""/>
+        <p:cNvGrpSpPr/>
+        <p:nvPr/>
+      </p:nvGrpSpPr>
+      <p:grpSpPr>
+        <a:xfrm>
+          <a:off x="0" y="0"/>
+          <a:ext cx="0" cy="0"/>
+          <a:chOff x="0" y="0"/>
+          <a:chExt cx="0" cy="0"/>
+        </a:xfrm>
+      </p:grpSpPr>
+      <p:sp>
+        <p:nvSpPr>
+          <p:cNvPr id="8" name="제목 7">
+            <a:extLst>
+              <a:ext uri="{FF2B5EF4-FFF2-40B4-BE49-F238E27FC236}">
+                <a16:creationId xmlns:a16="http://schemas.microsoft.com/office/drawing/2014/main" id="{1EBC8A9E-6D7F-4DEE-8D5B-8555698ED38F}"/>
+              </a:ext>
+            </a:extLst>
+          </p:cNvPr>
+          <p:cNvSpPr>
+            <a:spLocks noGrp="1"/>
+          </p:cNvSpPr>
+          <p:nvPr>
+            <p:ph type="title"/>
+          </p:nvPr>
+        </p:nvSpPr>
+        <p:spPr>
+          <a:xfrm>
+            <a:off x="500849" y="193907"/>
+            <a:ext cx="10515600" cy="549274"/>
+          </a:xfrm>
+        </p:spPr>
+        <p:txBody>
+          <a:bodyPr vert="horz" lIns="91440" tIns="45720" rIns="91440" bIns="45720" rtlCol="0" anchor="ctr">
+            <a:normAutofit/>
+          </a:bodyPr>
+          <a:lstStyle/>
+          <a:p>
+            <a:r>
+              <a:rPr lang="ko-KR" altLang="en-US" sz="2400" dirty="0" err="1"/>
+              <a:t>엘모</a:t>
+            </a:r>
+            <a:r>
+              <a:rPr lang="en-US" altLang="ko-KR" sz="2400" dirty="0"/>
+              <a:t>(</a:t>
+            </a:r>
+            <a:r>
+              <a:rPr lang="en-US" altLang="ko-KR" sz="2400" dirty="0" err="1"/>
+              <a:t>ELMo</a:t>
+            </a:r>
+            <a:r>
+              <a:rPr lang="en-US" altLang="ko-KR" sz="2400" dirty="0"/>
+              <a:t>)</a:t>
+            </a:r>
+            <a:endParaRPr lang="ko-KR" altLang="en-US" sz="2400" dirty="0"/>
+          </a:p>
+        </p:txBody>
+      </p:sp>
+      <p:sp>
+        <p:nvSpPr>
+          <p:cNvPr id="9" name="내용 개체 틀 8">
+            <a:extLst>
+              <a:ext uri="{FF2B5EF4-FFF2-40B4-BE49-F238E27FC236}">
+                <a16:creationId xmlns:a16="http://schemas.microsoft.com/office/drawing/2014/main" id="{AC52E4BD-EAD4-49EF-BC01-909989F863A1}"/>
+              </a:ext>
+            </a:extLst>
+          </p:cNvPr>
+          <p:cNvSpPr>
+            <a:spLocks noGrp="1"/>
+          </p:cNvSpPr>
+          <p:nvPr>
+            <p:ph idx="1"/>
+          </p:nvPr>
+        </p:nvSpPr>
+        <p:spPr>
+          <a:xfrm>
+            <a:off x="500849" y="941033"/>
+            <a:ext cx="10852951" cy="5442011"/>
+          </a:xfrm>
+        </p:spPr>
+        <p:txBody>
+          <a:bodyPr>
+            <a:normAutofit/>
+          </a:bodyPr>
+          <a:lstStyle/>
+          <a:p>
+            <a:pPr marL="0" indent="0">
+              <a:buNone/>
+            </a:pPr>
+            <a:r>
+              <a:rPr lang="en-US" altLang="ko-KR" sz="1800" b="1" dirty="0" err="1"/>
+              <a:t>ELMo</a:t>
+            </a:r>
+            <a:r>
+              <a:rPr lang="en-US" altLang="ko-KR" sz="1800" b="1" dirty="0"/>
+              <a:t>(Embeddings from Language Model)</a:t>
+            </a:r>
+          </a:p>
+          <a:p>
+            <a:pPr>
+              <a:buFontTx/>
+              <a:buChar char="-"/>
+            </a:pPr>
+            <a:r>
+              <a:rPr lang="ko-KR" altLang="en-US" sz="1600" dirty="0"/>
+              <a:t>문맥을 반영한 워드 </a:t>
+            </a:r>
+            <a:r>
+              <a:rPr lang="ko-KR" altLang="en-US" sz="1600" dirty="0" err="1"/>
+              <a:t>임베딩</a:t>
+            </a:r>
+            <a:r>
+              <a:rPr lang="en-US" altLang="ko-KR" sz="1600" dirty="0"/>
+              <a:t>(Contextualized Word Embedding)</a:t>
+            </a:r>
+          </a:p>
+          <a:p>
+            <a:pPr>
+              <a:buFontTx/>
+              <a:buChar char="-"/>
+            </a:pPr>
+            <a:r>
+              <a:rPr lang="en-US" altLang="ko-KR" sz="1600" dirty="0"/>
+              <a:t>Ex. Bank</a:t>
+            </a:r>
+            <a:r>
+              <a:rPr lang="ko-KR" altLang="en-US" sz="1600" dirty="0"/>
+              <a:t>는 </a:t>
+            </a:r>
+            <a:r>
+              <a:rPr lang="en-US" altLang="ko-KR" sz="1600" dirty="0"/>
+              <a:t>Bank Account(</a:t>
+            </a:r>
+            <a:r>
+              <a:rPr lang="ko-KR" altLang="en-US" sz="1600" dirty="0"/>
+              <a:t>은행 계좌</a:t>
+            </a:r>
+            <a:r>
+              <a:rPr lang="en-US" altLang="ko-KR" sz="1600" dirty="0"/>
+              <a:t>)</a:t>
+            </a:r>
+            <a:r>
+              <a:rPr lang="ko-KR" altLang="en-US" sz="1600" dirty="0"/>
+              <a:t>와 </a:t>
+            </a:r>
+            <a:r>
+              <a:rPr lang="en-US" altLang="ko-KR" sz="1600" dirty="0"/>
+              <a:t>River Bank(</a:t>
+            </a:r>
+            <a:r>
+              <a:rPr lang="ko-KR" altLang="en-US" sz="1600" dirty="0"/>
+              <a:t>강둑</a:t>
+            </a:r>
+            <a:r>
+              <a:rPr lang="en-US" altLang="ko-KR" sz="1600" dirty="0"/>
+              <a:t>)</a:t>
+            </a:r>
+            <a:r>
+              <a:rPr lang="ko-KR" altLang="en-US" sz="1600" dirty="0"/>
+              <a:t>에서 전혀 다른 의미를 가짐</a:t>
+            </a:r>
+            <a:r>
+              <a:rPr lang="en-US" altLang="ko-KR" sz="1600" dirty="0"/>
+              <a:t>. </a:t>
+            </a:r>
+            <a:r>
+              <a:rPr lang="ko-KR" altLang="en-US" sz="1600" dirty="0"/>
+              <a:t>이 때 </a:t>
+            </a:r>
+            <a:r>
+              <a:rPr lang="en-US" altLang="ko-KR" sz="1600" dirty="0"/>
+              <a:t>Word2Vec</a:t>
+            </a:r>
+            <a:r>
+              <a:rPr lang="ko-KR" altLang="en-US" sz="1600" dirty="0"/>
+              <a:t>이나 </a:t>
+            </a:r>
+            <a:r>
+              <a:rPr lang="en-US" altLang="ko-KR" sz="1600" dirty="0" err="1"/>
+              <a:t>GloVe</a:t>
+            </a:r>
+            <a:r>
+              <a:rPr lang="en-US" altLang="ko-KR" sz="1600" dirty="0"/>
+              <a:t> </a:t>
+            </a:r>
+            <a:r>
+              <a:rPr lang="ko-KR" altLang="en-US" sz="1600" dirty="0"/>
+              <a:t>등으로 표현된 </a:t>
+            </a:r>
+            <a:r>
+              <a:rPr lang="ko-KR" altLang="en-US" sz="1600" dirty="0" err="1"/>
+              <a:t>임베딩</a:t>
+            </a:r>
+            <a:r>
+              <a:rPr lang="ko-KR" altLang="en-US" sz="1600" dirty="0"/>
+              <a:t> 벡터들은 이를 제대로 반영하지 못함</a:t>
+            </a:r>
+            <a:r>
+              <a:rPr lang="en-US" altLang="ko-KR" sz="1600" dirty="0"/>
+              <a:t>.</a:t>
+            </a:r>
+          </a:p>
+          <a:p>
+            <a:pPr>
+              <a:buFontTx/>
+              <a:buChar char="-"/>
+            </a:pPr>
+            <a:endParaRPr lang="en-US" altLang="ko-KR" sz="1600" dirty="0"/>
+          </a:p>
+          <a:p>
+            <a:pPr marL="0" indent="0">
+              <a:buNone/>
+            </a:pPr>
+            <a:r>
+              <a:rPr lang="en-US" altLang="ko-KR" sz="1600" dirty="0" err="1"/>
+              <a:t>biLM</a:t>
+            </a:r>
+            <a:r>
+              <a:rPr lang="en-US" altLang="ko-KR" sz="1600" dirty="0"/>
+              <a:t>(Bidirectional Language Model)</a:t>
+            </a:r>
+          </a:p>
+          <a:p>
+            <a:pPr>
+              <a:buFontTx/>
+              <a:buChar char="-"/>
+            </a:pPr>
+            <a:r>
+              <a:rPr lang="en-US" altLang="ko-KR" sz="1600" dirty="0" err="1"/>
+              <a:t>ELMo</a:t>
+            </a:r>
+            <a:r>
+              <a:rPr lang="ko-KR" altLang="en-US" sz="1600" dirty="0"/>
+              <a:t>는 순방향 </a:t>
+            </a:r>
+            <a:r>
+              <a:rPr lang="en-US" altLang="ko-KR" sz="1600" dirty="0"/>
+              <a:t>RNN </a:t>
+            </a:r>
+            <a:r>
+              <a:rPr lang="ko-KR" altLang="en-US" sz="1600" dirty="0"/>
+              <a:t>뿐만 아니라</a:t>
+            </a:r>
+            <a:r>
+              <a:rPr lang="en-US" altLang="ko-KR" sz="1600" dirty="0"/>
+              <a:t>, </a:t>
+            </a:r>
+            <a:r>
+              <a:rPr lang="ko-KR" altLang="en-US" sz="1600" dirty="0"/>
+              <a:t>위의 그림과는 반대 방향으로 문장을 스캔하는 역방향 </a:t>
+            </a:r>
+            <a:r>
+              <a:rPr lang="en-US" altLang="ko-KR" sz="1600" dirty="0"/>
+              <a:t>RNN </a:t>
+            </a:r>
+            <a:r>
+              <a:rPr lang="ko-KR" altLang="en-US" sz="1600" dirty="0"/>
+              <a:t>또한 활용</a:t>
+            </a:r>
+            <a:r>
+              <a:rPr lang="en-US" altLang="ko-KR" sz="1600" dirty="0"/>
+              <a:t>. </a:t>
+            </a:r>
+            <a:r>
+              <a:rPr lang="ko-KR" altLang="en-US" sz="1600" dirty="0"/>
+              <a:t>즉</a:t>
+            </a:r>
+            <a:r>
+              <a:rPr lang="en-US" altLang="ko-KR" sz="1600" dirty="0"/>
+              <a:t>, </a:t>
+            </a:r>
+            <a:r>
+              <a:rPr lang="en-US" altLang="ko-KR" sz="1600" dirty="0" err="1"/>
+              <a:t>ELMo</a:t>
+            </a:r>
+            <a:r>
+              <a:rPr lang="ko-KR" altLang="en-US" sz="1600" dirty="0"/>
+              <a:t>는 양쪽 방향의 언어 모델을 둘 다 학습하여 활용</a:t>
+            </a:r>
+            <a:endParaRPr lang="en-US" altLang="ko-KR" sz="1050" dirty="0"/>
+          </a:p>
+        </p:txBody>
+      </p:sp>
+      <p:pic>
+        <p:nvPicPr>
+          <p:cNvPr id="1026" name="Picture 2" descr="https://wikidocs.net/images/page/33930/deepbilm.PNG">
+            <a:extLst>
+              <a:ext uri="{FF2B5EF4-FFF2-40B4-BE49-F238E27FC236}">
+                <a16:creationId xmlns:a16="http://schemas.microsoft.com/office/drawing/2014/main" id="{0A6C6620-460B-4F5B-B4E2-7E4B3836367A}"/>
+              </a:ext>
+            </a:extLst>
+          </p:cNvPr>
+          <p:cNvPicPr>
+            <a:picLocks noChangeAspect="1" noChangeArrowheads="1"/>
+          </p:cNvPicPr>
+          <p:nvPr/>
+        </p:nvPicPr>
+        <p:blipFill>
+          <a:blip r:embed="rId2">
+            <a:extLst>
+              <a:ext uri="{28A0092B-C50C-407E-A947-70E740481C1C}">
+                <a14:useLocalDpi xmlns:a14="http://schemas.microsoft.com/office/drawing/2010/main" val="0"/>
+              </a:ext>
+            </a:extLst>
+          </a:blip>
+          <a:srcRect/>
+          <a:stretch>
+            <a:fillRect/>
+          </a:stretch>
+        </p:blipFill>
+        <p:spPr bwMode="auto">
+          <a:xfrm>
+            <a:off x="1295032" y="3588377"/>
+            <a:ext cx="2273793" cy="2258430"/>
+          </a:xfrm>
+          <a:prstGeom prst="rect">
+            <a:avLst/>
+          </a:prstGeom>
+          <a:noFill/>
+          <a:extLst>
+            <a:ext uri="{909E8E84-426E-40DD-AFC4-6F175D3DCCD1}">
+              <a14:hiddenFill xmlns:a14="http://schemas.microsoft.com/office/drawing/2010/main">
+                <a:solidFill>
+                  <a:srgbClr val="FFFFFF"/>
+                </a:solidFill>
+              </a14:hiddenFill>
+            </a:ext>
+          </a:extLst>
+        </p:spPr>
+      </p:pic>
+      <p:pic>
+        <p:nvPicPr>
+          <p:cNvPr id="1028" name="Picture 4" descr="https://wikidocs.net/images/page/33930/forwardbackwordlm2.PNG">
+            <a:extLst>
+              <a:ext uri="{FF2B5EF4-FFF2-40B4-BE49-F238E27FC236}">
+                <a16:creationId xmlns:a16="http://schemas.microsoft.com/office/drawing/2014/main" id="{CCBAA5CC-E79F-4D34-9072-05359CA1DCDB}"/>
+              </a:ext>
+            </a:extLst>
+          </p:cNvPr>
+          <p:cNvPicPr>
+            <a:picLocks noChangeAspect="1" noChangeArrowheads="1"/>
+          </p:cNvPicPr>
+          <p:nvPr/>
+        </p:nvPicPr>
+        <p:blipFill>
+          <a:blip r:embed="rId3">
+            <a:extLst>
+              <a:ext uri="{28A0092B-C50C-407E-A947-70E740481C1C}">
+                <a14:useLocalDpi xmlns:a14="http://schemas.microsoft.com/office/drawing/2010/main" val="0"/>
+              </a:ext>
+            </a:extLst>
+          </a:blip>
+          <a:srcRect/>
+          <a:stretch>
+            <a:fillRect/>
+          </a:stretch>
+        </p:blipFill>
+        <p:spPr bwMode="auto">
+          <a:xfrm>
+            <a:off x="5022958" y="3854469"/>
+            <a:ext cx="4352925" cy="2152650"/>
+          </a:xfrm>
+          <a:prstGeom prst="rect">
+            <a:avLst/>
+          </a:prstGeom>
+          <a:noFill/>
+          <a:extLst>
+            <a:ext uri="{909E8E84-426E-40DD-AFC4-6F175D3DCCD1}">
+              <a14:hiddenFill xmlns:a14="http://schemas.microsoft.com/office/drawing/2010/main">
+                <a:solidFill>
+                  <a:srgbClr val="FFFFFF"/>
+                </a:solidFill>
+              </a14:hiddenFill>
+            </a:ext>
+          </a:extLst>
+        </p:spPr>
+      </p:pic>
+      <p:sp>
+        <p:nvSpPr>
+          <p:cNvPr id="6" name="TextBox 5">
+            <a:extLst>
+              <a:ext uri="{FF2B5EF4-FFF2-40B4-BE49-F238E27FC236}">
+                <a16:creationId xmlns:a16="http://schemas.microsoft.com/office/drawing/2014/main" id="{BC616F35-47E2-4F7E-BD14-7554B0BEAB1A}"/>
+              </a:ext>
+            </a:extLst>
+          </p:cNvPr>
+          <p:cNvSpPr txBox="1"/>
+          <p:nvPr/>
+        </p:nvSpPr>
+        <p:spPr>
+          <a:xfrm>
+            <a:off x="1676307" y="6044659"/>
+            <a:ext cx="1697207" cy="276999"/>
+          </a:xfrm>
+          <a:prstGeom prst="rect">
+            <a:avLst/>
+          </a:prstGeom>
+          <a:noFill/>
+          <a:ln>
+            <a:noFill/>
+          </a:ln>
+        </p:spPr>
+        <p:txBody>
+          <a:bodyPr wrap="square" rtlCol="0">
+            <a:spAutoFit/>
+          </a:bodyPr>
+          <a:lstStyle/>
+          <a:p>
+            <a:pPr algn="ctr"/>
+            <a:r>
+              <a:rPr lang="ko-KR" altLang="en-US" sz="1200" dirty="0"/>
+              <a:t>순방향 </a:t>
+            </a:r>
+            <a:r>
+              <a:rPr lang="en-US" altLang="ko-KR" sz="1200" dirty="0"/>
+              <a:t>RNN</a:t>
+            </a:r>
+            <a:endParaRPr lang="en-US" altLang="ko-KR" sz="1000" dirty="0"/>
+          </a:p>
+        </p:txBody>
+      </p:sp>
+      <p:sp>
+        <p:nvSpPr>
+          <p:cNvPr id="7" name="TextBox 6">
+            <a:extLst>
+              <a:ext uri="{FF2B5EF4-FFF2-40B4-BE49-F238E27FC236}">
+                <a16:creationId xmlns:a16="http://schemas.microsoft.com/office/drawing/2014/main" id="{BC606B2B-BCBE-46D9-B8E4-8FC811F5545C}"/>
+              </a:ext>
+            </a:extLst>
+          </p:cNvPr>
+          <p:cNvSpPr txBox="1"/>
+          <p:nvPr/>
+        </p:nvSpPr>
+        <p:spPr>
+          <a:xfrm>
+            <a:off x="5022958" y="6106045"/>
+            <a:ext cx="5081773" cy="276999"/>
+          </a:xfrm>
+          <a:prstGeom prst="rect">
+            <a:avLst/>
+          </a:prstGeom>
+          <a:noFill/>
+          <a:ln>
+            <a:noFill/>
+          </a:ln>
+        </p:spPr>
+        <p:txBody>
+          <a:bodyPr wrap="square" rtlCol="0">
+            <a:spAutoFit/>
+          </a:bodyPr>
+          <a:lstStyle/>
+          <a:p>
+            <a:r>
+              <a:rPr lang="en-US" altLang="ko-KR" sz="1200" dirty="0" err="1"/>
+              <a:t>biLM</a:t>
+            </a:r>
+            <a:r>
+              <a:rPr lang="en-US" altLang="ko-KR" sz="1200" dirty="0"/>
+              <a:t>, </a:t>
+            </a:r>
+            <a:r>
+              <a:rPr lang="ko-KR" altLang="en-US" sz="1200" dirty="0"/>
+              <a:t>다층 구조</a:t>
+            </a:r>
+            <a:r>
+              <a:rPr lang="en-US" altLang="ko-KR" sz="1200" dirty="0"/>
+              <a:t>(Multi-layer)(</a:t>
+            </a:r>
+            <a:r>
+              <a:rPr lang="ko-KR" altLang="en-US" sz="1200" dirty="0"/>
+              <a:t>은닉층이 최소 </a:t>
+            </a:r>
+            <a:r>
+              <a:rPr lang="en-US" altLang="ko-KR" sz="1200" dirty="0"/>
+              <a:t>2</a:t>
+            </a:r>
+            <a:r>
+              <a:rPr lang="ko-KR" altLang="en-US" sz="1200" dirty="0"/>
+              <a:t>개 이상</a:t>
+            </a:r>
+            <a:r>
+              <a:rPr lang="en-US" altLang="ko-KR" sz="1200" dirty="0"/>
+              <a:t>)</a:t>
+            </a:r>
+            <a:r>
+              <a:rPr lang="ko-KR" altLang="en-US" sz="1200" dirty="0"/>
+              <a:t>를 전제로 함</a:t>
+            </a:r>
+            <a:endParaRPr lang="en-US" altLang="ko-KR" sz="1000" dirty="0"/>
+          </a:p>
+        </p:txBody>
+      </p:sp>
+    </p:spTree>
+    <p:extLst>
+      <p:ext uri="{BB962C8B-B14F-4D97-AF65-F5344CB8AC3E}">
+        <p14:creationId xmlns:p14="http://schemas.microsoft.com/office/powerpoint/2010/main" val="2413593126"/>
+      </p:ext>
+    </p:extLst>
+  </p:cSld>
+  <p:clrMapOvr>
+    <a:masterClrMapping/>
+  </p:clrMapOvr>
+</p:sld>
+</file>
+
+<file path=ppt/slides/slide27.xml><?xml version="1.0" encoding="utf-8"?>
+<p:sld xmlns:a="http://schemas.openxmlformats.org/drawingml/2006/main" xmlns:r="http://schemas.openxmlformats.org/officeDocument/2006/relationships" xmlns:p="http://schemas.openxmlformats.org/presentationml/2006/main">
+  <p:cSld>
+    <p:spTree>
+      <p:nvGrpSpPr>
+        <p:cNvPr id="1" name=""/>
+        <p:cNvGrpSpPr/>
+        <p:nvPr/>
+      </p:nvGrpSpPr>
+      <p:grpSpPr>
+        <a:xfrm>
+          <a:off x="0" y="0"/>
+          <a:ext cx="0" cy="0"/>
+          <a:chOff x="0" y="0"/>
+          <a:chExt cx="0" cy="0"/>
+        </a:xfrm>
+      </p:grpSpPr>
+      <p:sp>
+        <p:nvSpPr>
+          <p:cNvPr id="8" name="제목 7">
+            <a:extLst>
+              <a:ext uri="{FF2B5EF4-FFF2-40B4-BE49-F238E27FC236}">
+                <a16:creationId xmlns:a16="http://schemas.microsoft.com/office/drawing/2014/main" id="{1EBC8A9E-6D7F-4DEE-8D5B-8555698ED38F}"/>
+              </a:ext>
+            </a:extLst>
+          </p:cNvPr>
+          <p:cNvSpPr>
+            <a:spLocks noGrp="1"/>
+          </p:cNvSpPr>
+          <p:nvPr>
+            <p:ph type="title"/>
+          </p:nvPr>
+        </p:nvSpPr>
+        <p:spPr>
+          <a:xfrm>
+            <a:off x="500849" y="193907"/>
+            <a:ext cx="10515600" cy="549274"/>
+          </a:xfrm>
+        </p:spPr>
+        <p:txBody>
+          <a:bodyPr vert="horz" lIns="91440" tIns="45720" rIns="91440" bIns="45720" rtlCol="0" anchor="ctr">
+            <a:normAutofit/>
+          </a:bodyPr>
+          <a:lstStyle/>
+          <a:p>
+            <a:r>
+              <a:rPr lang="ko-KR" altLang="en-US" sz="2400" dirty="0" err="1"/>
+              <a:t>엘모</a:t>
+            </a:r>
+            <a:r>
+              <a:rPr lang="en-US" altLang="ko-KR" sz="2400" dirty="0"/>
+              <a:t>(</a:t>
+            </a:r>
+            <a:r>
+              <a:rPr lang="en-US" altLang="ko-KR" sz="2400" dirty="0" err="1"/>
+              <a:t>ELMo</a:t>
+            </a:r>
+            <a:r>
+              <a:rPr lang="en-US" altLang="ko-KR" sz="2400" dirty="0"/>
+              <a:t>)</a:t>
+            </a:r>
+            <a:endParaRPr lang="ko-KR" altLang="en-US" sz="2400" dirty="0"/>
+          </a:p>
+        </p:txBody>
+      </p:sp>
+      <p:sp>
+        <p:nvSpPr>
+          <p:cNvPr id="9" name="내용 개체 틀 8">
+            <a:extLst>
+              <a:ext uri="{FF2B5EF4-FFF2-40B4-BE49-F238E27FC236}">
+                <a16:creationId xmlns:a16="http://schemas.microsoft.com/office/drawing/2014/main" id="{AC52E4BD-EAD4-49EF-BC01-909989F863A1}"/>
+              </a:ext>
+            </a:extLst>
+          </p:cNvPr>
+          <p:cNvSpPr>
+            <a:spLocks noGrp="1"/>
+          </p:cNvSpPr>
+          <p:nvPr>
+            <p:ph idx="1"/>
+          </p:nvPr>
+        </p:nvSpPr>
+        <p:spPr>
+          <a:xfrm>
+            <a:off x="500849" y="941033"/>
+            <a:ext cx="10852951" cy="5442011"/>
+          </a:xfrm>
+        </p:spPr>
+        <p:txBody>
+          <a:bodyPr>
+            <a:normAutofit/>
+          </a:bodyPr>
+          <a:lstStyle/>
+          <a:p>
+            <a:pPr marL="0" indent="0">
+              <a:buNone/>
+            </a:pPr>
+            <a:r>
+              <a:rPr lang="en-US" altLang="ko-KR" sz="1600" dirty="0" err="1"/>
+              <a:t>biLM</a:t>
+            </a:r>
+            <a:r>
+              <a:rPr lang="en-US" altLang="ko-KR" sz="1600" dirty="0"/>
+              <a:t>(Bidirectional Language Model)</a:t>
+            </a:r>
+          </a:p>
+          <a:p>
+            <a:pPr>
+              <a:buFontTx/>
+              <a:buChar char="-"/>
+            </a:pPr>
+            <a:r>
+              <a:rPr lang="en-US" altLang="ko-KR" sz="1600" dirty="0" err="1"/>
+              <a:t>biLM</a:t>
+            </a:r>
+            <a:r>
+              <a:rPr lang="ko-KR" altLang="en-US" sz="1600" dirty="0"/>
+              <a:t>의 각 시점의 입력이 되는 단어 벡터는 </a:t>
+            </a:r>
+            <a:r>
+              <a:rPr lang="ko-KR" altLang="en-US" sz="1600" b="1" dirty="0" err="1"/>
+              <a:t>합성곱</a:t>
+            </a:r>
+            <a:r>
+              <a:rPr lang="ko-KR" altLang="en-US" sz="1600" b="1" dirty="0"/>
+              <a:t> 신경망</a:t>
+            </a:r>
+            <a:r>
+              <a:rPr lang="ko-KR" altLang="en-US" sz="1600" dirty="0"/>
+              <a:t>을 이용한 </a:t>
+            </a:r>
+            <a:r>
+              <a:rPr lang="ko-KR" altLang="en-US" sz="1600" b="1" dirty="0"/>
+              <a:t>문자 </a:t>
+            </a:r>
+            <a:r>
+              <a:rPr lang="ko-KR" altLang="en-US" sz="1600" b="1" dirty="0" err="1"/>
+              <a:t>임베딩</a:t>
+            </a:r>
+            <a:r>
+              <a:rPr lang="en-US" altLang="ko-KR" sz="1600" b="1" dirty="0"/>
+              <a:t>(character embedding)</a:t>
+            </a:r>
+            <a:r>
+              <a:rPr lang="ko-KR" altLang="en-US" sz="1600" dirty="0"/>
+              <a:t>을 통해 얻은 단어 벡터임</a:t>
+            </a:r>
+            <a:r>
+              <a:rPr lang="en-US" altLang="ko-KR" sz="1600" dirty="0"/>
+              <a:t>. </a:t>
+            </a:r>
+          </a:p>
+          <a:p>
+            <a:pPr lvl="1">
+              <a:buFontTx/>
+              <a:buChar char="-"/>
+            </a:pPr>
+            <a:r>
+              <a:rPr lang="ko-KR" altLang="en-US" sz="1600" dirty="0"/>
+              <a:t>문자 </a:t>
+            </a:r>
+            <a:r>
+              <a:rPr lang="ko-KR" altLang="en-US" sz="1600" dirty="0" err="1"/>
+              <a:t>임베딩은</a:t>
+            </a:r>
+            <a:r>
+              <a:rPr lang="ko-KR" altLang="en-US" sz="1600" dirty="0"/>
+              <a:t> 마치 서브단어</a:t>
+            </a:r>
+            <a:r>
+              <a:rPr lang="en-US" altLang="ko-KR" sz="1600" dirty="0"/>
+              <a:t>(</a:t>
+            </a:r>
+            <a:r>
+              <a:rPr lang="en-US" altLang="ko-KR" sz="1600" dirty="0" err="1"/>
+              <a:t>subword</a:t>
+            </a:r>
+            <a:r>
+              <a:rPr lang="en-US" altLang="ko-KR" sz="1600" dirty="0"/>
+              <a:t>)</a:t>
+            </a:r>
+            <a:r>
+              <a:rPr lang="ko-KR" altLang="en-US" sz="1600" dirty="0"/>
+              <a:t>의 정보를 참고하는 것처럼 문맥과 상관없이 </a:t>
+            </a:r>
+            <a:r>
+              <a:rPr lang="en-US" altLang="ko-KR" sz="1600" dirty="0"/>
+              <a:t>dog</a:t>
+            </a:r>
+            <a:r>
+              <a:rPr lang="ko-KR" altLang="en-US" sz="1600" dirty="0"/>
+              <a:t>란 단어와 </a:t>
+            </a:r>
+            <a:r>
+              <a:rPr lang="en-US" altLang="ko-KR" sz="1600" dirty="0"/>
+              <a:t>doggy</a:t>
+            </a:r>
+            <a:r>
+              <a:rPr lang="ko-KR" altLang="en-US" sz="1600" dirty="0"/>
+              <a:t>란 단어의 연관성을 찾아낼 수 있음</a:t>
+            </a:r>
+            <a:r>
+              <a:rPr lang="en-US" altLang="ko-KR" sz="1600" dirty="0"/>
+              <a:t>.</a:t>
+            </a:r>
+          </a:p>
+          <a:p>
+            <a:pPr>
+              <a:buFontTx/>
+              <a:buChar char="-"/>
+            </a:pPr>
+            <a:r>
+              <a:rPr lang="ko-KR" altLang="en-US" sz="1600" dirty="0"/>
+              <a:t>양방향 </a:t>
+            </a:r>
+            <a:r>
+              <a:rPr lang="en-US" altLang="ko-KR" sz="1600" dirty="0"/>
+              <a:t>RNN</a:t>
+            </a:r>
+            <a:r>
+              <a:rPr lang="ko-KR" altLang="en-US" sz="1600" dirty="0"/>
+              <a:t> </a:t>
+            </a:r>
+            <a:r>
+              <a:rPr lang="en-US" altLang="ko-KR" sz="1600" dirty="0"/>
+              <a:t>vs.</a:t>
+            </a:r>
+            <a:r>
+              <a:rPr lang="ko-KR" altLang="en-US" sz="1600" dirty="0"/>
+              <a:t> </a:t>
+            </a:r>
+            <a:r>
+              <a:rPr lang="en-US" altLang="ko-KR" sz="1600" dirty="0" err="1"/>
+              <a:t>ELMo</a:t>
+            </a:r>
+            <a:r>
+              <a:rPr lang="ko-KR" altLang="en-US" sz="1600" dirty="0"/>
+              <a:t>의 </a:t>
+            </a:r>
+            <a:r>
+              <a:rPr lang="en-US" altLang="ko-KR" sz="1600" dirty="0" err="1"/>
+              <a:t>biLM</a:t>
+            </a:r>
+            <a:endParaRPr lang="en-US" altLang="ko-KR" sz="1600" dirty="0"/>
+          </a:p>
+          <a:p>
+            <a:pPr lvl="1">
+              <a:buFontTx/>
+              <a:buChar char="-"/>
+            </a:pPr>
+            <a:r>
+              <a:rPr lang="ko-KR" altLang="en-US" sz="1600" dirty="0"/>
+              <a:t>양방향 </a:t>
+            </a:r>
+            <a:r>
+              <a:rPr lang="en-US" altLang="ko-KR" sz="1600" dirty="0"/>
+              <a:t>RNN</a:t>
+            </a:r>
+            <a:r>
+              <a:rPr lang="ko-KR" altLang="en-US" sz="1600" dirty="0"/>
+              <a:t>은 순방향 </a:t>
+            </a:r>
+            <a:r>
+              <a:rPr lang="en-US" altLang="ko-KR" sz="1600" dirty="0"/>
+              <a:t>RNN</a:t>
+            </a:r>
+            <a:r>
+              <a:rPr lang="ko-KR" altLang="en-US" sz="1600" dirty="0"/>
+              <a:t>의 은닉 상태와 역방향의 </a:t>
+            </a:r>
+            <a:r>
+              <a:rPr lang="en-US" altLang="ko-KR" sz="1600" dirty="0"/>
+              <a:t>RNN</a:t>
+            </a:r>
+            <a:r>
+              <a:rPr lang="ko-KR" altLang="en-US" sz="1600" dirty="0"/>
+              <a:t>의 은닉 상태를 연결</a:t>
+            </a:r>
+            <a:r>
+              <a:rPr lang="en-US" altLang="ko-KR" sz="1600" dirty="0"/>
+              <a:t>(concatenate)</a:t>
+            </a:r>
+            <a:r>
+              <a:rPr lang="ko-KR" altLang="en-US" sz="1600" dirty="0"/>
+              <a:t>하여 다음층의 입력으로 사용</a:t>
+            </a:r>
+            <a:endParaRPr lang="en-US" altLang="ko-KR" sz="1600" dirty="0"/>
+          </a:p>
+          <a:p>
+            <a:pPr lvl="1">
+              <a:buFontTx/>
+              <a:buChar char="-"/>
+            </a:pPr>
+            <a:r>
+              <a:rPr lang="ko-KR" altLang="en-US" sz="1600" dirty="0"/>
+              <a:t>반면</a:t>
+            </a:r>
+            <a:r>
+              <a:rPr lang="en-US" altLang="ko-KR" sz="1600" dirty="0"/>
+              <a:t>, </a:t>
+            </a:r>
+            <a:r>
+              <a:rPr lang="en-US" altLang="ko-KR" sz="1600" b="1" dirty="0" err="1"/>
+              <a:t>biLM</a:t>
+            </a:r>
+            <a:r>
+              <a:rPr lang="ko-KR" altLang="en-US" sz="1600" b="1" dirty="0"/>
+              <a:t>의 순방향 언어모델과 역방향 언어모델이라는 두 개의 언어 모델을 별개의 모델로 보고 학습</a:t>
+            </a:r>
+            <a:endParaRPr lang="en-US" altLang="ko-KR" sz="900" b="1" dirty="0"/>
+          </a:p>
+        </p:txBody>
+      </p:sp>
+    </p:spTree>
+    <p:extLst>
+      <p:ext uri="{BB962C8B-B14F-4D97-AF65-F5344CB8AC3E}">
+        <p14:creationId xmlns:p14="http://schemas.microsoft.com/office/powerpoint/2010/main" val="2874079328"/>
+      </p:ext>
+    </p:extLst>
+  </p:cSld>
+  <p:clrMapOvr>
+    <a:masterClrMapping/>
+  </p:clrMapOvr>
+</p:sld>
+</file>
+
+<file path=ppt/slides/slide28.xml><?xml version="1.0" encoding="utf-8"?>
+<p:sld xmlns:a="http://schemas.openxmlformats.org/drawingml/2006/main" xmlns:r="http://schemas.openxmlformats.org/officeDocument/2006/relationships" xmlns:p="http://schemas.openxmlformats.org/presentationml/2006/main">
+  <p:cSld>
+    <p:spTree>
+      <p:nvGrpSpPr>
+        <p:cNvPr id="1" name=""/>
+        <p:cNvGrpSpPr/>
+        <p:nvPr/>
+      </p:nvGrpSpPr>
+      <p:grpSpPr>
+        <a:xfrm>
+          <a:off x="0" y="0"/>
+          <a:ext cx="0" cy="0"/>
+          <a:chOff x="0" y="0"/>
+          <a:chExt cx="0" cy="0"/>
+        </a:xfrm>
+      </p:grpSpPr>
+      <p:sp>
+        <p:nvSpPr>
+          <p:cNvPr id="8" name="제목 7">
+            <a:extLst>
+              <a:ext uri="{FF2B5EF4-FFF2-40B4-BE49-F238E27FC236}">
+                <a16:creationId xmlns:a16="http://schemas.microsoft.com/office/drawing/2014/main" id="{1EBC8A9E-6D7F-4DEE-8D5B-8555698ED38F}"/>
+              </a:ext>
+            </a:extLst>
+          </p:cNvPr>
+          <p:cNvSpPr>
+            <a:spLocks noGrp="1"/>
+          </p:cNvSpPr>
+          <p:nvPr>
+            <p:ph type="title"/>
+          </p:nvPr>
+        </p:nvSpPr>
+        <p:spPr>
+          <a:xfrm>
+            <a:off x="500849" y="193907"/>
+            <a:ext cx="10515600" cy="549274"/>
+          </a:xfrm>
+        </p:spPr>
+        <p:txBody>
+          <a:bodyPr vert="horz" lIns="91440" tIns="45720" rIns="91440" bIns="45720" rtlCol="0" anchor="ctr">
+            <a:normAutofit/>
+          </a:bodyPr>
+          <a:lstStyle/>
+          <a:p>
+            <a:r>
+              <a:rPr lang="ko-KR" altLang="en-US" sz="2400" dirty="0" err="1"/>
+              <a:t>엘모</a:t>
+            </a:r>
+            <a:r>
+              <a:rPr lang="en-US" altLang="ko-KR" sz="2400" dirty="0"/>
+              <a:t>(</a:t>
+            </a:r>
+            <a:r>
+              <a:rPr lang="en-US" altLang="ko-KR" sz="2400" dirty="0" err="1"/>
+              <a:t>ELMo</a:t>
+            </a:r>
+            <a:r>
+              <a:rPr lang="en-US" altLang="ko-KR" sz="2400" dirty="0"/>
+              <a:t>)</a:t>
+            </a:r>
+            <a:endParaRPr lang="ko-KR" altLang="en-US" sz="2400" dirty="0"/>
+          </a:p>
+        </p:txBody>
+      </p:sp>
+      <p:sp>
+        <p:nvSpPr>
+          <p:cNvPr id="9" name="내용 개체 틀 8">
+            <a:extLst>
+              <a:ext uri="{FF2B5EF4-FFF2-40B4-BE49-F238E27FC236}">
+                <a16:creationId xmlns:a16="http://schemas.microsoft.com/office/drawing/2014/main" id="{AC52E4BD-EAD4-49EF-BC01-909989F863A1}"/>
+              </a:ext>
+            </a:extLst>
+          </p:cNvPr>
+          <p:cNvSpPr>
+            <a:spLocks noGrp="1"/>
+          </p:cNvSpPr>
+          <p:nvPr>
+            <p:ph idx="1"/>
+          </p:nvPr>
+        </p:nvSpPr>
+        <p:spPr>
+          <a:xfrm>
+            <a:off x="500849" y="941033"/>
+            <a:ext cx="10852951" cy="5442011"/>
+          </a:xfrm>
+        </p:spPr>
+        <p:txBody>
+          <a:bodyPr>
+            <a:normAutofit/>
+          </a:bodyPr>
+          <a:lstStyle/>
+          <a:p>
+            <a:pPr marL="0" indent="0">
+              <a:buNone/>
+            </a:pPr>
+            <a:r>
+              <a:rPr lang="en-US" altLang="ko-KR" sz="1600" dirty="0" err="1"/>
+              <a:t>biLM</a:t>
+            </a:r>
+            <a:r>
+              <a:rPr lang="ko-KR" altLang="en-US" sz="1600" dirty="0"/>
+              <a:t>의 활용</a:t>
+            </a:r>
+            <a:endParaRPr lang="en-US" altLang="ko-KR" sz="1600" dirty="0"/>
+          </a:p>
+          <a:p>
+            <a:pPr marL="0" indent="0">
+              <a:buNone/>
+            </a:pPr>
+            <a:endParaRPr lang="en-US" altLang="ko-KR" sz="900" b="1" dirty="0"/>
+          </a:p>
+        </p:txBody>
+      </p:sp>
+      <p:pic>
+        <p:nvPicPr>
+          <p:cNvPr id="2" name="그림 1">
+            <a:extLst>
+              <a:ext uri="{FF2B5EF4-FFF2-40B4-BE49-F238E27FC236}">
+                <a16:creationId xmlns:a16="http://schemas.microsoft.com/office/drawing/2014/main" id="{E0377D62-1FDD-4168-8E84-731D31A57D24}"/>
+              </a:ext>
+            </a:extLst>
+          </p:cNvPr>
+          <p:cNvPicPr>
+            <a:picLocks noChangeAspect="1"/>
+          </p:cNvPicPr>
+          <p:nvPr/>
+        </p:nvPicPr>
+        <p:blipFill>
+          <a:blip r:embed="rId2"/>
+          <a:stretch>
+            <a:fillRect/>
+          </a:stretch>
+        </p:blipFill>
+        <p:spPr>
+          <a:xfrm>
+            <a:off x="438705" y="1311021"/>
+            <a:ext cx="4050853" cy="2351017"/>
+          </a:xfrm>
+          <a:prstGeom prst="rect">
+            <a:avLst/>
+          </a:prstGeom>
+        </p:spPr>
+      </p:pic>
+      <p:sp>
+        <p:nvSpPr>
+          <p:cNvPr id="5" name="TextBox 4">
+            <a:extLst>
+              <a:ext uri="{FF2B5EF4-FFF2-40B4-BE49-F238E27FC236}">
+                <a16:creationId xmlns:a16="http://schemas.microsoft.com/office/drawing/2014/main" id="{C65FD931-A849-442A-B79F-6B5D5961F6FB}"/>
+              </a:ext>
+            </a:extLst>
+          </p:cNvPr>
+          <p:cNvSpPr txBox="1"/>
+          <p:nvPr/>
+        </p:nvSpPr>
+        <p:spPr>
+          <a:xfrm>
+            <a:off x="4873427" y="1311021"/>
+            <a:ext cx="7031528" cy="2200602"/>
+          </a:xfrm>
+          <a:prstGeom prst="rect">
+            <a:avLst/>
+          </a:prstGeom>
+          <a:noFill/>
+          <a:ln>
+            <a:noFill/>
+          </a:ln>
+        </p:spPr>
+        <p:txBody>
+          <a:bodyPr wrap="square" rtlCol="0">
+            <a:spAutoFit/>
+          </a:bodyPr>
+          <a:lstStyle/>
+          <a:p>
+            <a:r>
+              <a:rPr lang="en-US" altLang="ko-KR" sz="1400" dirty="0"/>
+              <a:t>play</a:t>
+            </a:r>
+            <a:r>
+              <a:rPr lang="ko-KR" altLang="en-US" sz="1400" dirty="0"/>
+              <a:t>라는 단어를 </a:t>
+            </a:r>
+            <a:r>
+              <a:rPr lang="ko-KR" altLang="en-US" sz="1400" dirty="0" err="1"/>
+              <a:t>임베딩</a:t>
+            </a:r>
+            <a:r>
+              <a:rPr lang="ko-KR" altLang="en-US" sz="1400" dirty="0"/>
+              <a:t> 하기 위해 점선 사각형 내부의 각 층의 결과값을 재료로 사용</a:t>
+            </a:r>
+            <a:endParaRPr lang="en-US" altLang="ko-KR" sz="1400" dirty="0"/>
+          </a:p>
+          <a:p>
+            <a:r>
+              <a:rPr lang="ko-KR" altLang="en-US" sz="1400" dirty="0"/>
+              <a:t>즉</a:t>
+            </a:r>
+            <a:r>
+              <a:rPr lang="en-US" altLang="ko-KR" sz="1400" dirty="0"/>
+              <a:t>, </a:t>
+            </a:r>
+            <a:r>
+              <a:rPr lang="ko-KR" altLang="en-US" sz="1400" dirty="0"/>
+              <a:t>해당 시점</a:t>
+            </a:r>
+            <a:r>
+              <a:rPr lang="en-US" altLang="ko-KR" sz="1400" dirty="0"/>
+              <a:t>(time step)</a:t>
+            </a:r>
+            <a:r>
+              <a:rPr lang="ko-KR" altLang="en-US" sz="1400" dirty="0"/>
+              <a:t>의 </a:t>
+            </a:r>
+            <a:r>
+              <a:rPr lang="en-US" altLang="ko-KR" sz="1400" dirty="0" err="1"/>
+              <a:t>BiLM</a:t>
+            </a:r>
+            <a:r>
+              <a:rPr lang="ko-KR" altLang="en-US" sz="1400" dirty="0"/>
+              <a:t>의 각 층의 </a:t>
+            </a:r>
+            <a:r>
+              <a:rPr lang="ko-KR" altLang="en-US" sz="1400" dirty="0" err="1"/>
+              <a:t>출력값을</a:t>
+            </a:r>
+            <a:r>
+              <a:rPr lang="ko-KR" altLang="en-US" sz="1400" dirty="0"/>
+              <a:t> 가져옴</a:t>
+            </a:r>
+            <a:endParaRPr lang="en-US" altLang="ko-KR" sz="1400" dirty="0"/>
+          </a:p>
+          <a:p>
+            <a:endParaRPr lang="en-US" altLang="ko-KR" sz="1400" dirty="0"/>
+          </a:p>
+          <a:p>
+            <a:r>
+              <a:rPr lang="ko-KR" altLang="en-US" sz="1400" dirty="0"/>
+              <a:t>그리고 </a:t>
+            </a:r>
+            <a:r>
+              <a:rPr lang="ko-KR" altLang="en-US" sz="1400" b="1" dirty="0"/>
+              <a:t>순방향 언어 모델과 역방향 언어 모델의 각 층의 </a:t>
+            </a:r>
+            <a:r>
+              <a:rPr lang="ko-KR" altLang="en-US" sz="1400" b="1" dirty="0" err="1"/>
+              <a:t>출력값을</a:t>
+            </a:r>
+            <a:r>
+              <a:rPr lang="ko-KR" altLang="en-US" sz="1400" b="1" dirty="0"/>
+              <a:t> 연</a:t>
+            </a:r>
+            <a:r>
+              <a:rPr lang="ko-KR" altLang="en-US" sz="1400" dirty="0"/>
+              <a:t>결</a:t>
+            </a:r>
+            <a:endParaRPr lang="en-US" altLang="ko-KR" sz="1400" dirty="0"/>
+          </a:p>
+          <a:p>
+            <a:r>
+              <a:rPr lang="ko-KR" altLang="en-US" sz="1400" dirty="0"/>
+              <a:t>여기서 각 층의 </a:t>
+            </a:r>
+            <a:r>
+              <a:rPr lang="ko-KR" altLang="en-US" sz="1400" dirty="0" err="1"/>
+              <a:t>출력값이란</a:t>
+            </a:r>
+            <a:r>
+              <a:rPr lang="ko-KR" altLang="en-US" sz="1400" dirty="0"/>
+              <a:t> 첫번째는 </a:t>
+            </a:r>
+            <a:r>
+              <a:rPr lang="ko-KR" altLang="en-US" sz="1400" dirty="0" err="1"/>
+              <a:t>임베딩</a:t>
+            </a:r>
+            <a:r>
+              <a:rPr lang="ko-KR" altLang="en-US" sz="1400" dirty="0"/>
+              <a:t> 층을 말하며</a:t>
+            </a:r>
+            <a:r>
+              <a:rPr lang="en-US" altLang="ko-KR" sz="1400" dirty="0"/>
+              <a:t>, </a:t>
+            </a:r>
+            <a:r>
+              <a:rPr lang="ko-KR" altLang="en-US" sz="1400" dirty="0"/>
+              <a:t>나머지 층은 각 층의 은닉 상태를 말함</a:t>
+            </a:r>
+            <a:r>
+              <a:rPr lang="en-US" altLang="ko-KR" sz="1400" dirty="0"/>
+              <a:t>. </a:t>
+            </a:r>
+          </a:p>
+          <a:p>
+            <a:endParaRPr lang="en-US" altLang="ko-KR" sz="1400" dirty="0"/>
+          </a:p>
+          <a:p>
+            <a:r>
+              <a:rPr lang="en-US" altLang="ko-KR" sz="1400" dirty="0" err="1"/>
+              <a:t>ELMo</a:t>
+            </a:r>
+            <a:r>
+              <a:rPr lang="ko-KR" altLang="en-US" sz="1400" dirty="0"/>
+              <a:t>의 직관적인 아이디어는 </a:t>
+            </a:r>
+            <a:r>
+              <a:rPr lang="ko-KR" altLang="en-US" sz="1400" b="1" dirty="0"/>
+              <a:t>각 층의 </a:t>
+            </a:r>
+            <a:r>
+              <a:rPr lang="ko-KR" altLang="en-US" sz="1400" b="1" dirty="0" err="1"/>
+              <a:t>출력값이</a:t>
+            </a:r>
+            <a:r>
+              <a:rPr lang="ko-KR" altLang="en-US" sz="1400" b="1" dirty="0"/>
+              <a:t> 가진 정보는 전부 서로 다른 종류의 정보</a:t>
+            </a:r>
+            <a:r>
+              <a:rPr lang="ko-KR" altLang="en-US" sz="1400" dirty="0"/>
+              <a:t>를 갖고 있을 것이므로</a:t>
+            </a:r>
+            <a:r>
+              <a:rPr lang="en-US" altLang="ko-KR" sz="1400" dirty="0"/>
+              <a:t>, </a:t>
+            </a:r>
+            <a:r>
+              <a:rPr lang="ko-KR" altLang="en-US" sz="1400" dirty="0"/>
+              <a:t>이들을 모두 활용한다는 점</a:t>
+            </a:r>
+            <a:endParaRPr lang="en-US" altLang="ko-KR" sz="1400" dirty="0"/>
+          </a:p>
+          <a:p>
+            <a:endParaRPr lang="en-US" altLang="ko-KR" sz="1100" b="1" dirty="0"/>
+          </a:p>
+        </p:txBody>
+      </p:sp>
+      <p:sp>
+        <p:nvSpPr>
+          <p:cNvPr id="7" name="TextBox 6">
+            <a:extLst>
+              <a:ext uri="{FF2B5EF4-FFF2-40B4-BE49-F238E27FC236}">
+                <a16:creationId xmlns:a16="http://schemas.microsoft.com/office/drawing/2014/main" id="{0C9C2530-132F-461C-BC93-522E56CAB38D}"/>
+              </a:ext>
+            </a:extLst>
+          </p:cNvPr>
+          <p:cNvSpPr txBox="1"/>
+          <p:nvPr/>
+        </p:nvSpPr>
+        <p:spPr>
+          <a:xfrm>
+            <a:off x="4746572" y="4073370"/>
+            <a:ext cx="7031528" cy="2031325"/>
+          </a:xfrm>
+          <a:prstGeom prst="rect">
+            <a:avLst/>
+          </a:prstGeom>
+          <a:noFill/>
+          <a:ln>
+            <a:noFill/>
+          </a:ln>
+        </p:spPr>
+        <p:txBody>
+          <a:bodyPr wrap="square" rtlCol="0">
+            <a:spAutoFit/>
+          </a:bodyPr>
+          <a:lstStyle/>
+          <a:p>
+            <a:r>
+              <a:rPr lang="en-US" altLang="ko-KR" sz="1400" dirty="0"/>
+              <a:t>1) </a:t>
+            </a:r>
+            <a:r>
+              <a:rPr lang="ko-KR" altLang="en-US" sz="1400" dirty="0"/>
+              <a:t>각 층의 </a:t>
+            </a:r>
+            <a:r>
+              <a:rPr lang="ko-KR" altLang="en-US" sz="1400" dirty="0" err="1"/>
+              <a:t>출력값을</a:t>
+            </a:r>
+            <a:r>
+              <a:rPr lang="ko-KR" altLang="en-US" sz="1400" dirty="0"/>
+              <a:t> 연결</a:t>
+            </a:r>
+            <a:r>
+              <a:rPr lang="en-US" altLang="ko-KR" sz="1400" dirty="0"/>
+              <a:t>(concatenate)</a:t>
+            </a:r>
+          </a:p>
+          <a:p>
+            <a:r>
+              <a:rPr lang="en-US" altLang="ko-KR" sz="1400" dirty="0"/>
+              <a:t>2) </a:t>
+            </a:r>
+            <a:r>
+              <a:rPr lang="ko-KR" altLang="en-US" sz="1400" dirty="0"/>
+              <a:t>각 층의 </a:t>
+            </a:r>
+            <a:r>
+              <a:rPr lang="ko-KR" altLang="en-US" sz="1400" dirty="0" err="1"/>
+              <a:t>출력값</a:t>
+            </a:r>
+            <a:r>
+              <a:rPr lang="ko-KR" altLang="en-US" sz="1400" dirty="0"/>
+              <a:t> 별로 가중치를 줌 </a:t>
+            </a:r>
+            <a:endParaRPr lang="en-US" altLang="ko-KR" sz="1400" dirty="0"/>
+          </a:p>
+          <a:p>
+            <a:r>
+              <a:rPr lang="en-US" altLang="ko-KR" sz="1400" dirty="0"/>
+              <a:t>3) </a:t>
+            </a:r>
+            <a:r>
+              <a:rPr lang="ko-KR" altLang="en-US" sz="1400" dirty="0"/>
+              <a:t>각 층의 </a:t>
+            </a:r>
+            <a:r>
+              <a:rPr lang="ko-KR" altLang="en-US" sz="1400" dirty="0" err="1"/>
+              <a:t>출력값을</a:t>
+            </a:r>
+            <a:r>
+              <a:rPr lang="ko-KR" altLang="en-US" sz="1400" dirty="0"/>
+              <a:t> 모두 더함</a:t>
+            </a:r>
+            <a:endParaRPr lang="en-US" altLang="ko-KR" sz="1400" dirty="0"/>
+          </a:p>
+          <a:p>
+            <a:endParaRPr lang="en-US" altLang="ko-KR" sz="1400" dirty="0"/>
+          </a:p>
+          <a:p>
+            <a:r>
+              <a:rPr lang="en-US" altLang="ko-KR" sz="1400" dirty="0"/>
+              <a:t>4) </a:t>
+            </a:r>
+            <a:r>
+              <a:rPr lang="ko-KR" altLang="en-US" sz="1400" dirty="0"/>
+              <a:t>벡터의 크기를 결정하는 스칼라 매개변수를 곱함</a:t>
+            </a:r>
+            <a:endParaRPr lang="en-US" altLang="ko-KR" sz="1400" dirty="0"/>
+          </a:p>
+          <a:p>
+            <a:pPr marL="285750" indent="-285750">
+              <a:buFont typeface="Wingdings" panose="05000000000000000000" pitchFamily="2" charset="2"/>
+              <a:buChar char="à"/>
+            </a:pPr>
+            <a:r>
+              <a:rPr lang="ko-KR" altLang="en-US" sz="1400" dirty="0">
+                <a:sym typeface="Wingdings" panose="05000000000000000000" pitchFamily="2" charset="2"/>
+              </a:rPr>
+              <a:t>완성된 벡터를 </a:t>
+            </a:r>
+            <a:r>
+              <a:rPr lang="en-US" altLang="ko-KR" sz="1400" b="1" dirty="0" err="1">
+                <a:sym typeface="Wingdings" panose="05000000000000000000" pitchFamily="2" charset="2"/>
+              </a:rPr>
+              <a:t>ELMo</a:t>
+            </a:r>
+            <a:r>
+              <a:rPr lang="en-US" altLang="ko-KR" sz="1400" b="1" dirty="0">
+                <a:sym typeface="Wingdings" panose="05000000000000000000" pitchFamily="2" charset="2"/>
+              </a:rPr>
+              <a:t> </a:t>
+            </a:r>
+            <a:r>
+              <a:rPr lang="ko-KR" altLang="en-US" sz="1400" b="1" dirty="0">
+                <a:sym typeface="Wingdings" panose="05000000000000000000" pitchFamily="2" charset="2"/>
+              </a:rPr>
+              <a:t>표현</a:t>
+            </a:r>
+            <a:r>
+              <a:rPr lang="en-US" altLang="ko-KR" sz="1400" b="1" dirty="0">
+                <a:sym typeface="Wingdings" panose="05000000000000000000" pitchFamily="2" charset="2"/>
+              </a:rPr>
+              <a:t>(representation)</a:t>
+            </a:r>
+            <a:r>
+              <a:rPr lang="ko-KR" altLang="en-US" sz="1400" dirty="0">
+                <a:sym typeface="Wingdings" panose="05000000000000000000" pitchFamily="2" charset="2"/>
+              </a:rPr>
+              <a:t>이라고 함</a:t>
+            </a:r>
+            <a:endParaRPr lang="en-US" altLang="ko-KR" sz="1400" dirty="0">
+              <a:sym typeface="Wingdings" panose="05000000000000000000" pitchFamily="2" charset="2"/>
+            </a:endParaRPr>
+          </a:p>
+          <a:p>
+            <a:pPr marL="285750" indent="-285750">
+              <a:buFont typeface="Wingdings" panose="05000000000000000000" pitchFamily="2" charset="2"/>
+              <a:buChar char="à"/>
+            </a:pPr>
+            <a:endParaRPr lang="en-US" altLang="ko-KR" sz="1400" dirty="0">
+              <a:sym typeface="Wingdings" panose="05000000000000000000" pitchFamily="2" charset="2"/>
+            </a:endParaRPr>
+          </a:p>
+          <a:p>
+            <a:r>
+              <a:rPr lang="ko-KR" altLang="en-US" sz="1400" dirty="0">
+                <a:sym typeface="Wingdings" panose="05000000000000000000" pitchFamily="2" charset="2"/>
+              </a:rPr>
+              <a:t>이 </a:t>
+            </a:r>
+            <a:r>
+              <a:rPr lang="en-US" altLang="ko-KR" sz="1400" dirty="0" err="1">
+                <a:sym typeface="Wingdings" panose="05000000000000000000" pitchFamily="2" charset="2"/>
+              </a:rPr>
+              <a:t>ELMo</a:t>
+            </a:r>
+            <a:r>
+              <a:rPr lang="ko-KR" altLang="en-US" sz="1400" dirty="0">
+                <a:sym typeface="Wingdings" panose="05000000000000000000" pitchFamily="2" charset="2"/>
+              </a:rPr>
+              <a:t>표현을 입력으로 사용하여 수행하고 싶은 텍스트 분류</a:t>
+            </a:r>
+            <a:r>
+              <a:rPr lang="en-US" altLang="ko-KR" sz="1400" dirty="0">
+                <a:sym typeface="Wingdings" panose="05000000000000000000" pitchFamily="2" charset="2"/>
+              </a:rPr>
+              <a:t>, </a:t>
+            </a:r>
+            <a:r>
+              <a:rPr lang="ko-KR" altLang="en-US" sz="1400" dirty="0">
+                <a:sym typeface="Wingdings" panose="05000000000000000000" pitchFamily="2" charset="2"/>
+              </a:rPr>
+              <a:t>질의 응답 시스템 등의 자연어 처리 작업 </a:t>
+            </a:r>
+            <a:endParaRPr lang="en-US" altLang="ko-KR" sz="1400" dirty="0">
+              <a:sym typeface="Wingdings" panose="05000000000000000000" pitchFamily="2" charset="2"/>
+            </a:endParaRPr>
+          </a:p>
+        </p:txBody>
+      </p:sp>
+      <p:pic>
+        <p:nvPicPr>
+          <p:cNvPr id="6" name="그림 5">
+            <a:extLst>
+              <a:ext uri="{FF2B5EF4-FFF2-40B4-BE49-F238E27FC236}">
+                <a16:creationId xmlns:a16="http://schemas.microsoft.com/office/drawing/2014/main" id="{8E74A8B8-26B4-4784-8EA0-17CF0CEB4D2D}"/>
+              </a:ext>
+            </a:extLst>
+          </p:cNvPr>
+          <p:cNvPicPr>
+            <a:picLocks noChangeAspect="1"/>
+          </p:cNvPicPr>
+          <p:nvPr/>
+        </p:nvPicPr>
+        <p:blipFill>
+          <a:blip r:embed="rId3"/>
+          <a:stretch>
+            <a:fillRect/>
+          </a:stretch>
+        </p:blipFill>
+        <p:spPr>
+          <a:xfrm>
+            <a:off x="1210645" y="3897379"/>
+            <a:ext cx="3343275" cy="933450"/>
+          </a:xfrm>
+          <a:prstGeom prst="rect">
+            <a:avLst/>
+          </a:prstGeom>
+        </p:spPr>
+      </p:pic>
+      <p:pic>
+        <p:nvPicPr>
+          <p:cNvPr id="10" name="그림 9">
+            <a:extLst>
+              <a:ext uri="{FF2B5EF4-FFF2-40B4-BE49-F238E27FC236}">
+                <a16:creationId xmlns:a16="http://schemas.microsoft.com/office/drawing/2014/main" id="{544390D7-AB29-42EF-AD5A-2DEFC21243A7}"/>
+              </a:ext>
+            </a:extLst>
+          </p:cNvPr>
+          <p:cNvPicPr>
+            <a:picLocks noChangeAspect="1"/>
+          </p:cNvPicPr>
+          <p:nvPr/>
+        </p:nvPicPr>
+        <p:blipFill>
+          <a:blip r:embed="rId4"/>
+          <a:stretch>
+            <a:fillRect/>
+          </a:stretch>
+        </p:blipFill>
+        <p:spPr>
+          <a:xfrm>
+            <a:off x="1210645" y="4887792"/>
+            <a:ext cx="3067050" cy="495300"/>
+          </a:xfrm>
+          <a:prstGeom prst="rect">
+            <a:avLst/>
+          </a:prstGeom>
+        </p:spPr>
+      </p:pic>
+    </p:spTree>
+    <p:extLst>
+      <p:ext uri="{BB962C8B-B14F-4D97-AF65-F5344CB8AC3E}">
+        <p14:creationId xmlns:p14="http://schemas.microsoft.com/office/powerpoint/2010/main" val="3984441142"/>
+      </p:ext>
+    </p:extLst>
+  </p:cSld>
+  <p:clrMapOvr>
+    <a:masterClrMapping/>
+  </p:clrMapOvr>
+</p:sld>
+</file>
+
+<file path=ppt/slides/slide29.xml><?xml version="1.0" encoding="utf-8"?>
+<p:sld xmlns:a="http://schemas.openxmlformats.org/drawingml/2006/main" xmlns:r="http://schemas.openxmlformats.org/officeDocument/2006/relationships" xmlns:p="http://schemas.openxmlformats.org/presentationml/2006/main">
+  <p:cSld>
+    <p:spTree>
+      <p:nvGrpSpPr>
+        <p:cNvPr id="1" name=""/>
+        <p:cNvGrpSpPr/>
+        <p:nvPr/>
+      </p:nvGrpSpPr>
+      <p:grpSpPr>
+        <a:xfrm>
+          <a:off x="0" y="0"/>
+          <a:ext cx="0" cy="0"/>
+          <a:chOff x="0" y="0"/>
+          <a:chExt cx="0" cy="0"/>
+        </a:xfrm>
+      </p:grpSpPr>
+      <p:sp>
+        <p:nvSpPr>
+          <p:cNvPr id="8" name="제목 7">
+            <a:extLst>
+              <a:ext uri="{FF2B5EF4-FFF2-40B4-BE49-F238E27FC236}">
+                <a16:creationId xmlns:a16="http://schemas.microsoft.com/office/drawing/2014/main" id="{1EBC8A9E-6D7F-4DEE-8D5B-8555698ED38F}"/>
+              </a:ext>
+            </a:extLst>
+          </p:cNvPr>
+          <p:cNvSpPr>
+            <a:spLocks noGrp="1"/>
+          </p:cNvSpPr>
+          <p:nvPr>
+            <p:ph type="title"/>
+          </p:nvPr>
+        </p:nvSpPr>
+        <p:spPr>
+          <a:xfrm>
+            <a:off x="500849" y="193907"/>
+            <a:ext cx="10515600" cy="549274"/>
+          </a:xfrm>
+        </p:spPr>
+        <p:txBody>
+          <a:bodyPr vert="horz" lIns="91440" tIns="45720" rIns="91440" bIns="45720" rtlCol="0" anchor="ctr">
+            <a:normAutofit/>
+          </a:bodyPr>
+          <a:lstStyle/>
+          <a:p>
+            <a:r>
+              <a:rPr lang="ko-KR" altLang="en-US" sz="2400" dirty="0" err="1"/>
+              <a:t>엘모</a:t>
+            </a:r>
+            <a:r>
+              <a:rPr lang="en-US" altLang="ko-KR" sz="2400" dirty="0"/>
+              <a:t>(</a:t>
+            </a:r>
+            <a:r>
+              <a:rPr lang="en-US" altLang="ko-KR" sz="2400" dirty="0" err="1"/>
+              <a:t>ELMo</a:t>
+            </a:r>
+            <a:r>
+              <a:rPr lang="en-US" altLang="ko-KR" sz="2400" dirty="0"/>
+              <a:t>)</a:t>
+            </a:r>
+            <a:endParaRPr lang="ko-KR" altLang="en-US" sz="2400" dirty="0"/>
+          </a:p>
+        </p:txBody>
+      </p:sp>
+      <p:sp>
+        <p:nvSpPr>
+          <p:cNvPr id="9" name="내용 개체 틀 8">
+            <a:extLst>
+              <a:ext uri="{FF2B5EF4-FFF2-40B4-BE49-F238E27FC236}">
+                <a16:creationId xmlns:a16="http://schemas.microsoft.com/office/drawing/2014/main" id="{AC52E4BD-EAD4-49EF-BC01-909989F863A1}"/>
+              </a:ext>
+            </a:extLst>
+          </p:cNvPr>
+          <p:cNvSpPr>
+            <a:spLocks noGrp="1"/>
+          </p:cNvSpPr>
+          <p:nvPr>
+            <p:ph idx="1"/>
+          </p:nvPr>
+        </p:nvSpPr>
+        <p:spPr>
+          <a:xfrm>
+            <a:off x="500848" y="941032"/>
+            <a:ext cx="10852951" cy="5442011"/>
+          </a:xfrm>
+        </p:spPr>
+        <p:txBody>
+          <a:bodyPr>
+            <a:normAutofit/>
+          </a:bodyPr>
+          <a:lstStyle/>
+          <a:p>
+            <a:pPr marL="0" indent="0">
+              <a:buNone/>
+            </a:pPr>
+            <a:r>
+              <a:rPr lang="en-US" altLang="ko-KR" sz="1600" dirty="0" err="1"/>
+              <a:t>ELMo</a:t>
+            </a:r>
+            <a:r>
+              <a:rPr lang="en-US" altLang="ko-KR" sz="1600" dirty="0"/>
+              <a:t> </a:t>
+            </a:r>
+            <a:r>
+              <a:rPr lang="ko-KR" altLang="en-US" sz="1600" dirty="0"/>
+              <a:t>표현의 사용</a:t>
+            </a:r>
+            <a:endParaRPr lang="en-US" altLang="ko-KR" sz="1600" dirty="0"/>
+          </a:p>
+          <a:p>
+            <a:pPr marL="0" indent="0">
+              <a:buNone/>
+            </a:pPr>
+            <a:endParaRPr lang="en-US" altLang="ko-KR" sz="900" b="1" dirty="0"/>
+          </a:p>
+        </p:txBody>
+      </p:sp>
+      <mc:AlternateContent xmlns:mc="http://schemas.openxmlformats.org/markup-compatibility/2006">
+        <mc:Choice xmlns:a14="http://schemas.microsoft.com/office/drawing/2010/main" Requires="a14">
+          <p:sp>
+            <p:nvSpPr>
+              <p:cNvPr id="7" name="TextBox 6">
+                <a:extLst>
+                  <a:ext uri="{FF2B5EF4-FFF2-40B4-BE49-F238E27FC236}">
+                    <a16:creationId xmlns:a16="http://schemas.microsoft.com/office/drawing/2014/main" id="{0C9C2530-132F-461C-BC93-522E56CAB38D}"/>
+                  </a:ext>
+                </a:extLst>
+              </p:cNvPr>
+              <p:cNvSpPr txBox="1"/>
+              <p:nvPr/>
+            </p:nvSpPr>
+            <p:spPr>
+              <a:xfrm>
+                <a:off x="500849" y="1442062"/>
+                <a:ext cx="7031528" cy="1815882"/>
+              </a:xfrm>
+              <a:prstGeom prst="rect">
+                <a:avLst/>
+              </a:prstGeom>
+              <a:noFill/>
+              <a:ln>
+                <a:noFill/>
+              </a:ln>
+            </p:spPr>
+            <p:txBody>
+              <a:bodyPr wrap="square" rtlCol="0">
+                <a:spAutoFit/>
+              </a:bodyPr>
+              <a:lstStyle/>
+              <a:p>
+                <a:r>
+                  <a:rPr lang="en-US" altLang="ko-KR" sz="1400" dirty="0" err="1"/>
+                  <a:t>ELMo</a:t>
+                </a:r>
+                <a:r>
+                  <a:rPr lang="en-US" altLang="ko-KR" sz="1400" dirty="0"/>
+                  <a:t> </a:t>
+                </a:r>
+                <a:r>
+                  <a:rPr lang="ko-KR" altLang="en-US" sz="1400" dirty="0"/>
+                  <a:t>표현은 기존의 </a:t>
+                </a:r>
+                <a:r>
+                  <a:rPr lang="ko-KR" altLang="en-US" sz="1400" dirty="0" err="1"/>
+                  <a:t>임베딩</a:t>
+                </a:r>
+                <a:r>
+                  <a:rPr lang="ko-KR" altLang="en-US" sz="1400" dirty="0"/>
+                  <a:t> 벡터와 함께 사용할 수 있음</a:t>
+                </a:r>
+                <a:r>
+                  <a:rPr lang="en-US" altLang="ko-KR" sz="1400" dirty="0"/>
+                  <a:t>. </a:t>
+                </a:r>
+              </a:p>
+              <a:p>
+                <a:endParaRPr lang="en-US" altLang="ko-KR" sz="1400" dirty="0"/>
+              </a:p>
+              <a:p>
+                <a:r>
+                  <a:rPr lang="ko-KR" altLang="en-US" sz="1400" dirty="0"/>
+                  <a:t>우선 텍스트 분류 작업을 위해서 </a:t>
+                </a:r>
+                <a:r>
+                  <a:rPr lang="en-US" altLang="ko-KR" sz="1400" dirty="0" err="1"/>
+                  <a:t>GloVe</a:t>
+                </a:r>
+                <a:r>
+                  <a:rPr lang="ko-KR" altLang="en-US" sz="1400" dirty="0"/>
+                  <a:t>와 같은 </a:t>
+                </a:r>
+                <a:r>
+                  <a:rPr lang="ko-KR" altLang="en-US" sz="1400" b="1" dirty="0"/>
+                  <a:t>기존의 방법론을 사용한 </a:t>
+                </a:r>
+                <a:r>
+                  <a:rPr lang="ko-KR" altLang="en-US" sz="1400" b="1" dirty="0" err="1"/>
+                  <a:t>임베딩</a:t>
+                </a:r>
+                <a:r>
+                  <a:rPr lang="ko-KR" altLang="en-US" sz="1400" b="1" dirty="0"/>
+                  <a:t> 벡터</a:t>
+                </a:r>
+                <a:r>
+                  <a:rPr lang="ko-KR" altLang="en-US" sz="1400" dirty="0"/>
+                  <a:t>를 준비</a:t>
+                </a:r>
+                <a:r>
+                  <a:rPr lang="en-US" altLang="ko-KR" sz="1400" dirty="0"/>
+                  <a:t> + </a:t>
+                </a:r>
+                <a:r>
+                  <a:rPr lang="ko-KR" altLang="en-US" sz="1400" b="1" dirty="0"/>
+                  <a:t>준비된 </a:t>
+                </a:r>
+                <a:r>
+                  <a:rPr lang="en-US" altLang="ko-KR" sz="1400" b="1" dirty="0" err="1"/>
+                  <a:t>ELMo</a:t>
+                </a:r>
+                <a:r>
+                  <a:rPr lang="en-US" altLang="ko-KR" sz="1400" b="1" dirty="0"/>
+                  <a:t> </a:t>
+                </a:r>
+                <a:r>
+                  <a:rPr lang="ko-KR" altLang="en-US" sz="1400" b="1" dirty="0"/>
+                  <a:t>표현</a:t>
+                </a:r>
+                <a:r>
+                  <a:rPr lang="ko-KR" altLang="en-US" sz="1400" dirty="0"/>
+                  <a:t>을 </a:t>
+                </a:r>
+                <a:r>
+                  <a:rPr lang="en-US" altLang="ko-KR" sz="1400" dirty="0" err="1"/>
+                  <a:t>GloVe</a:t>
+                </a:r>
+                <a:r>
+                  <a:rPr lang="en-US" altLang="ko-KR" sz="1400" dirty="0"/>
+                  <a:t> </a:t>
+                </a:r>
+                <a:r>
+                  <a:rPr lang="ko-KR" altLang="en-US" sz="1400" dirty="0" err="1"/>
+                  <a:t>임베딩</a:t>
+                </a:r>
+                <a:r>
+                  <a:rPr lang="ko-KR" altLang="en-US" sz="1400" dirty="0"/>
+                  <a:t> 벡터와 </a:t>
+                </a:r>
+                <a:r>
+                  <a:rPr lang="ko-KR" altLang="en-US" sz="1400" b="1" dirty="0"/>
+                  <a:t>연결</a:t>
+                </a:r>
+                <a:r>
+                  <a:rPr lang="en-US" altLang="ko-KR" sz="1400" b="1" dirty="0"/>
+                  <a:t>(concatenate)</a:t>
+                </a:r>
+                <a:r>
+                  <a:rPr lang="ko-KR" altLang="en-US" sz="1400" dirty="0"/>
+                  <a:t>해서 입력으로 사용</a:t>
+                </a:r>
+                <a:endParaRPr lang="en-US" altLang="ko-KR" sz="1400" dirty="0"/>
+              </a:p>
+              <a:p>
+                <a:endParaRPr lang="en-US" altLang="ko-KR" sz="1400" dirty="0"/>
+              </a:p>
+              <a:p>
+                <a:r>
+                  <a:rPr lang="ko-KR" altLang="en-US" sz="1400" dirty="0"/>
+                  <a:t>이때 </a:t>
+                </a:r>
+                <a:r>
+                  <a:rPr lang="en-US" altLang="ko-KR" sz="1400" dirty="0" err="1"/>
+                  <a:t>biLM</a:t>
+                </a:r>
+                <a:r>
+                  <a:rPr lang="ko-KR" altLang="en-US" sz="1400" dirty="0"/>
+                  <a:t>의 가중치는 고정시키고</a:t>
+                </a:r>
+                <a:r>
+                  <a:rPr lang="en-US" altLang="ko-KR" sz="1400" dirty="0"/>
+                  <a:t>, </a:t>
+                </a:r>
+                <a:r>
+                  <a:rPr lang="ko-KR" altLang="en-US" sz="1400" dirty="0"/>
+                  <a:t>위에서 사용한 </a:t>
+                </a:r>
+                <a:r>
+                  <a:rPr lang="en-US" altLang="ko-KR" sz="1400" dirty="0"/>
+                  <a:t>s_1,</a:t>
+                </a:r>
+                <a:r>
+                  <a:rPr lang="ko-KR" altLang="en-US" sz="1400" dirty="0"/>
+                  <a:t> </a:t>
+                </a:r>
+                <a:r>
+                  <a:rPr lang="en-US" altLang="ko-KR" sz="1400" dirty="0"/>
+                  <a:t>s_2,</a:t>
+                </a:r>
+                <a:r>
+                  <a:rPr lang="ko-KR" altLang="en-US" sz="1400" dirty="0"/>
+                  <a:t> </a:t>
+                </a:r>
+                <a:r>
+                  <a:rPr lang="en-US" altLang="ko-KR" sz="1400" dirty="0"/>
+                  <a:t>s_3 </a:t>
+                </a:r>
+                <a:r>
+                  <a:rPr lang="ko-KR" altLang="en-US" sz="1400" dirty="0"/>
+                  <a:t>와 </a:t>
+                </a:r>
+                <a14:m>
+                  <m:oMath xmlns:m="http://schemas.openxmlformats.org/officeDocument/2006/math">
+                    <m:r>
+                      <a:rPr lang="en-US" altLang="ko-KR" sz="1400" b="0" i="1" smtClean="0">
+                        <a:latin typeface="Cambria Math" panose="02040503050406030204" pitchFamily="18" charset="0"/>
+                      </a:rPr>
+                      <m:t>𝛾</m:t>
+                    </m:r>
+                  </m:oMath>
+                </a14:m>
+                <a:r>
+                  <a:rPr lang="ko-KR" altLang="en-US" sz="1400" dirty="0"/>
+                  <a:t>는 훈련 과정에서 학습됨</a:t>
+                </a:r>
+                <a:r>
+                  <a:rPr lang="en-US" altLang="ko-KR" sz="1400" dirty="0"/>
+                  <a:t>.</a:t>
+                </a:r>
+                <a:endParaRPr lang="en-US" altLang="ko-KR" sz="1100" dirty="0">
+                  <a:sym typeface="Wingdings" panose="05000000000000000000" pitchFamily="2" charset="2"/>
+                </a:endParaRPr>
+              </a:p>
+            </p:txBody>
+          </p:sp>
+        </mc:Choice>
+        <mc:Fallback>
+          <p:sp>
+            <p:nvSpPr>
+              <p:cNvPr id="7" name="TextBox 6">
+                <a:extLst>
+                  <a:ext uri="{FF2B5EF4-FFF2-40B4-BE49-F238E27FC236}">
+                    <a16:creationId xmlns:a16="http://schemas.microsoft.com/office/drawing/2014/main" id="{0C9C2530-132F-461C-BC93-522E56CAB38D}"/>
+                  </a:ext>
+                </a:extLst>
+              </p:cNvPr>
+              <p:cNvSpPr txBox="1">
+                <a:spLocks noRot="1" noChangeAspect="1" noMove="1" noResize="1" noEditPoints="1" noAdjustHandles="1" noChangeArrowheads="1" noChangeShapeType="1" noTextEdit="1"/>
+              </p:cNvSpPr>
+              <p:nvPr/>
+            </p:nvSpPr>
+            <p:spPr>
+              <a:xfrm>
+                <a:off x="500849" y="1442062"/>
+                <a:ext cx="7031528" cy="1815882"/>
+              </a:xfrm>
+              <a:prstGeom prst="rect">
+                <a:avLst/>
+              </a:prstGeom>
+              <a:blipFill>
+                <a:blip r:embed="rId2"/>
+                <a:stretch>
+                  <a:fillRect l="-260" t="-673" r="-87" b="-2694"/>
+                </a:stretch>
+              </a:blipFill>
+              <a:ln>
+                <a:noFill/>
+              </a:ln>
+            </p:spPr>
+            <p:txBody>
+              <a:bodyPr/>
+              <a:lstStyle/>
+              <a:p>
+                <a:r>
+                  <a:rPr lang="ko-KR" altLang="en-US">
+                    <a:noFill/>
+                  </a:rPr>
+                  <a:t> </a:t>
+                </a:r>
+              </a:p>
+            </p:txBody>
+          </p:sp>
+        </mc:Fallback>
+      </mc:AlternateContent>
+      <p:pic>
+        <p:nvPicPr>
+          <p:cNvPr id="2050" name="Picture 2" descr="https://wikidocs.net/images/page/33930/elmorepresentation.PNG">
+            <a:extLst>
+              <a:ext uri="{FF2B5EF4-FFF2-40B4-BE49-F238E27FC236}">
+                <a16:creationId xmlns:a16="http://schemas.microsoft.com/office/drawing/2014/main" id="{5D057C90-238B-4676-9921-BFA605359E0A}"/>
+              </a:ext>
+            </a:extLst>
+          </p:cNvPr>
+          <p:cNvPicPr>
+            <a:picLocks noChangeAspect="1" noChangeArrowheads="1"/>
+          </p:cNvPicPr>
+          <p:nvPr/>
+        </p:nvPicPr>
+        <p:blipFill>
+          <a:blip r:embed="rId3">
+            <a:extLst>
+              <a:ext uri="{28A0092B-C50C-407E-A947-70E740481C1C}">
+                <a14:useLocalDpi xmlns:a14="http://schemas.microsoft.com/office/drawing/2010/main" val="0"/>
+              </a:ext>
+            </a:extLst>
+          </a:blip>
+          <a:srcRect/>
+          <a:stretch>
+            <a:fillRect/>
+          </a:stretch>
+        </p:blipFill>
+        <p:spPr bwMode="auto">
+          <a:xfrm>
+            <a:off x="8102862" y="1442062"/>
+            <a:ext cx="2466975" cy="2447925"/>
+          </a:xfrm>
+          <a:prstGeom prst="rect">
+            <a:avLst/>
+          </a:prstGeom>
+          <a:noFill/>
+          <a:extLst>
+            <a:ext uri="{909E8E84-426E-40DD-AFC4-6F175D3DCCD1}">
+              <a14:hiddenFill xmlns:a14="http://schemas.microsoft.com/office/drawing/2010/main">
+                <a:solidFill>
+                  <a:srgbClr val="FFFFFF"/>
+                </a:solidFill>
+              </a14:hiddenFill>
+            </a:ext>
+          </a:extLst>
+        </p:spPr>
+      </p:pic>
+      <p:pic>
+        <p:nvPicPr>
+          <p:cNvPr id="3" name="그림 2">
+            <a:extLst>
+              <a:ext uri="{FF2B5EF4-FFF2-40B4-BE49-F238E27FC236}">
+                <a16:creationId xmlns:a16="http://schemas.microsoft.com/office/drawing/2014/main" id="{3AAAD838-0005-4A23-B3FA-1B8363208960}"/>
+              </a:ext>
+            </a:extLst>
+          </p:cNvPr>
+          <p:cNvPicPr>
+            <a:picLocks noChangeAspect="1"/>
+          </p:cNvPicPr>
+          <p:nvPr/>
+        </p:nvPicPr>
+        <p:blipFill>
+          <a:blip r:embed="rId4"/>
+          <a:stretch>
+            <a:fillRect/>
+          </a:stretch>
+        </p:blipFill>
+        <p:spPr>
+          <a:xfrm>
+            <a:off x="500847" y="3662037"/>
+            <a:ext cx="5100963" cy="507888"/>
+          </a:xfrm>
+          <a:prstGeom prst="rect">
+            <a:avLst/>
+          </a:prstGeom>
+        </p:spPr>
+      </p:pic>
+      <p:pic>
+        <p:nvPicPr>
+          <p:cNvPr id="4" name="그림 3">
+            <a:extLst>
+              <a:ext uri="{FF2B5EF4-FFF2-40B4-BE49-F238E27FC236}">
+                <a16:creationId xmlns:a16="http://schemas.microsoft.com/office/drawing/2014/main" id="{EA3B20DA-4801-4314-8A50-CBE5EA9C321A}"/>
+              </a:ext>
+            </a:extLst>
+          </p:cNvPr>
+          <p:cNvPicPr>
+            <a:picLocks noChangeAspect="1"/>
+          </p:cNvPicPr>
+          <p:nvPr/>
+        </p:nvPicPr>
+        <p:blipFill>
+          <a:blip r:embed="rId5"/>
+          <a:stretch>
+            <a:fillRect/>
+          </a:stretch>
+        </p:blipFill>
+        <p:spPr>
+          <a:xfrm>
+            <a:off x="500847" y="4181275"/>
+            <a:ext cx="6286871" cy="602746"/>
+          </a:xfrm>
+          <a:prstGeom prst="rect">
+            <a:avLst/>
+          </a:prstGeom>
+        </p:spPr>
+      </p:pic>
+      <p:pic>
+        <p:nvPicPr>
+          <p:cNvPr id="11" name="그림 10">
+            <a:extLst>
+              <a:ext uri="{FF2B5EF4-FFF2-40B4-BE49-F238E27FC236}">
+                <a16:creationId xmlns:a16="http://schemas.microsoft.com/office/drawing/2014/main" id="{344E01B2-1F3B-49B5-AB24-C55F0B88B210}"/>
+              </a:ext>
+            </a:extLst>
+          </p:cNvPr>
+          <p:cNvPicPr>
+            <a:picLocks noChangeAspect="1"/>
+          </p:cNvPicPr>
+          <p:nvPr/>
+        </p:nvPicPr>
+        <p:blipFill>
+          <a:blip r:embed="rId6"/>
+          <a:stretch>
+            <a:fillRect/>
+          </a:stretch>
+        </p:blipFill>
+        <p:spPr>
+          <a:xfrm>
+            <a:off x="500847" y="4813893"/>
+            <a:ext cx="6224496" cy="1362907"/>
+          </a:xfrm>
+          <a:prstGeom prst="rect">
+            <a:avLst/>
+          </a:prstGeom>
+        </p:spPr>
+      </p:pic>
+    </p:spTree>
+    <p:extLst>
+      <p:ext uri="{BB962C8B-B14F-4D97-AF65-F5344CB8AC3E}">
+        <p14:creationId xmlns:p14="http://schemas.microsoft.com/office/powerpoint/2010/main" val="3645819755"/>
+      </p:ext>
+    </p:extLst>
+  </p:cSld>
+  <p:clrMapOvr>
+    <a:masterClrMapping/>
+  </p:clrMapOvr>
+</p:sld>
+</file>
+
 <file path=ppt/slides/slide3.xml><?xml version="1.0" encoding="utf-8"?>
 <p:sld xmlns:a="http://schemas.openxmlformats.org/drawingml/2006/main" xmlns:r="http://schemas.openxmlformats.org/officeDocument/2006/relationships" xmlns:p="http://schemas.openxmlformats.org/presentationml/2006/main">
   <p:cSld>
@@ -5930,6 +11813,155 @@
     <p:extLst>
       <p:ext uri="{BB962C8B-B14F-4D97-AF65-F5344CB8AC3E}">
         <p14:creationId xmlns:p14="http://schemas.microsoft.com/office/powerpoint/2010/main" val="444140179"/>
+      </p:ext>
+    </p:extLst>
+  </p:cSld>
+  <p:clrMapOvr>
+    <a:masterClrMapping/>
+  </p:clrMapOvr>
+</p:sld>
+</file>
+
+<file path=ppt/slides/slide30.xml><?xml version="1.0" encoding="utf-8"?>
+<p:sld xmlns:a="http://schemas.openxmlformats.org/drawingml/2006/main" xmlns:r="http://schemas.openxmlformats.org/officeDocument/2006/relationships" xmlns:p="http://schemas.openxmlformats.org/presentationml/2006/main">
+  <p:cSld>
+    <p:spTree>
+      <p:nvGrpSpPr>
+        <p:cNvPr id="1" name=""/>
+        <p:cNvGrpSpPr/>
+        <p:nvPr/>
+      </p:nvGrpSpPr>
+      <p:grpSpPr>
+        <a:xfrm>
+          <a:off x="0" y="0"/>
+          <a:ext cx="0" cy="0"/>
+          <a:chOff x="0" y="0"/>
+          <a:chExt cx="0" cy="0"/>
+        </a:xfrm>
+      </p:grpSpPr>
+      <p:sp>
+        <p:nvSpPr>
+          <p:cNvPr id="2" name="제목 1">
+            <a:extLst>
+              <a:ext uri="{FF2B5EF4-FFF2-40B4-BE49-F238E27FC236}">
+                <a16:creationId xmlns:a16="http://schemas.microsoft.com/office/drawing/2014/main" id="{88EAB024-367E-407F-96C0-9C84C56AF89F}"/>
+              </a:ext>
+            </a:extLst>
+          </p:cNvPr>
+          <p:cNvSpPr>
+            <a:spLocks noGrp="1"/>
+          </p:cNvSpPr>
+          <p:nvPr>
+            <p:ph type="title"/>
+          </p:nvPr>
+        </p:nvSpPr>
+        <p:spPr>
+          <a:xfrm>
+            <a:off x="838200" y="365126"/>
+            <a:ext cx="10515600" cy="407232"/>
+          </a:xfrm>
+        </p:spPr>
+        <p:txBody>
+          <a:bodyPr>
+            <a:noAutofit/>
+          </a:bodyPr>
+          <a:lstStyle/>
+          <a:p>
+            <a:r>
+              <a:rPr lang="ko-KR" altLang="en-US" sz="2400" dirty="0"/>
+              <a:t>참고자료</a:t>
+            </a:r>
+          </a:p>
+        </p:txBody>
+      </p:sp>
+      <p:sp>
+        <p:nvSpPr>
+          <p:cNvPr id="3" name="내용 개체 틀 2">
+            <a:extLst>
+              <a:ext uri="{FF2B5EF4-FFF2-40B4-BE49-F238E27FC236}">
+                <a16:creationId xmlns:a16="http://schemas.microsoft.com/office/drawing/2014/main" id="{FF3A509B-DFCC-49A3-BE0B-B4003E94D4E9}"/>
+              </a:ext>
+            </a:extLst>
+          </p:cNvPr>
+          <p:cNvSpPr>
+            <a:spLocks noGrp="1"/>
+          </p:cNvSpPr>
+          <p:nvPr>
+            <p:ph idx="1"/>
+          </p:nvPr>
+        </p:nvSpPr>
+        <p:spPr>
+          <a:xfrm>
+            <a:off x="838200" y="896645"/>
+            <a:ext cx="10515600" cy="5280318"/>
+          </a:xfrm>
+        </p:spPr>
+        <p:txBody>
+          <a:bodyPr>
+            <a:normAutofit/>
+          </a:bodyPr>
+          <a:lstStyle/>
+          <a:p>
+            <a:r>
+              <a:rPr lang="ko-KR" altLang="en-US" sz="1600" dirty="0"/>
+              <a:t>딥 러닝을 이용한 자연어 처리 입문</a:t>
+            </a:r>
+            <a:r>
+              <a:rPr lang="en-US" altLang="ko-KR" sz="1600" dirty="0"/>
+              <a:t>(</a:t>
+            </a:r>
+            <a:r>
+              <a:rPr lang="en-US" altLang="ko-KR" sz="1600" dirty="0">
+                <a:hlinkClick r:id="rId2"/>
+              </a:rPr>
+              <a:t>https://wikidocs.net/book/2155</a:t>
+            </a:r>
+            <a:r>
+              <a:rPr lang="en-US" altLang="ko-KR" sz="1600" dirty="0"/>
+              <a:t>)</a:t>
+            </a:r>
+          </a:p>
+          <a:p>
+            <a:r>
+              <a:rPr lang="ko-KR" altLang="en-US" sz="1600" dirty="0"/>
+              <a:t>자모 단위의 한국어 </a:t>
+            </a:r>
+            <a:r>
+              <a:rPr lang="en-US" altLang="ko-KR" sz="1600" dirty="0" err="1"/>
+              <a:t>FastText</a:t>
+            </a:r>
+            <a:r>
+              <a:rPr lang="en-US" altLang="ko-KR" sz="1600" dirty="0"/>
+              <a:t> </a:t>
+            </a:r>
+            <a:r>
+              <a:rPr lang="ko-KR" altLang="en-US" sz="1600" dirty="0"/>
+              <a:t>이해와 실습</a:t>
+            </a:r>
+            <a:r>
+              <a:rPr lang="en-US" altLang="ko-KR" sz="1600" dirty="0"/>
+              <a:t>(</a:t>
+            </a:r>
+            <a:r>
+              <a:rPr lang="en-US" altLang="ko-KR" sz="1600" dirty="0">
+                <a:hlinkClick r:id="rId3"/>
+              </a:rPr>
+              <a:t>https://museonghwang.github.io/nlp(natural%20language%20processing)/2023/02/10/nlp-kor-fasttext/</a:t>
+            </a:r>
+            <a:r>
+              <a:rPr lang="en-US" altLang="ko-KR" sz="1600" dirty="0"/>
+              <a:t>)</a:t>
+            </a:r>
+          </a:p>
+          <a:p>
+            <a:endParaRPr lang="ko-KR" altLang="en-US" sz="1600" dirty="0"/>
+          </a:p>
+        </p:txBody>
+      </p:sp>
+    </p:spTree>
+    <p:extLst>
+      <p:ext uri="{BB962C8B-B14F-4D97-AF65-F5344CB8AC3E}">
+        <p14:creationId xmlns:p14="http://schemas.microsoft.com/office/powerpoint/2010/main" val="3572569169"/>
       </p:ext>
     </p:extLst>
   </p:cSld>
